--- a/angularjs/AngularJS.pptx
+++ b/angularjs/AngularJS.pptx
@@ -11,11 +11,12 @@
     <p:sldId id="261" r:id="rId5"/>
     <p:sldId id="259" r:id="rId6"/>
     <p:sldId id="263" r:id="rId7"/>
-    <p:sldId id="267" r:id="rId8"/>
-    <p:sldId id="265" r:id="rId9"/>
-    <p:sldId id="266" r:id="rId10"/>
-    <p:sldId id="258" r:id="rId11"/>
-    <p:sldId id="264" r:id="rId12"/>
+    <p:sldId id="268" r:id="rId8"/>
+    <p:sldId id="267" r:id="rId9"/>
+    <p:sldId id="265" r:id="rId10"/>
+    <p:sldId id="266" r:id="rId11"/>
+    <p:sldId id="258" r:id="rId12"/>
+    <p:sldId id="264" r:id="rId13"/>
   </p:sldIdLst>
   <p:sldSz cx="9144000" cy="6858000" type="screen4x3"/>
   <p:notesSz cx="6858000" cy="9144000"/>
@@ -353,7 +354,7 @@
           <a:p>
             <a:fld id="{08B8A534-EA6A-4837-9123-2F13D53816C7}" type="datetimeFigureOut">
               <a:rPr lang="en-US" smtClean="0"/>
-              <a:t>5/31/2013</a:t>
+              <a:t>6/14/2013</a:t>
             </a:fld>
             <a:endParaRPr lang="en-US"/>
           </a:p>
@@ -631,7 +632,7 @@
           <a:p>
             <a:fld id="{08B8A534-EA6A-4837-9123-2F13D53816C7}" type="datetimeFigureOut">
               <a:rPr lang="en-US" smtClean="0"/>
-              <a:t>5/31/2013</a:t>
+              <a:t>6/14/2013</a:t>
             </a:fld>
             <a:endParaRPr lang="en-US"/>
           </a:p>
@@ -854,7 +855,7 @@
           <a:p>
             <a:fld id="{08B8A534-EA6A-4837-9123-2F13D53816C7}" type="datetimeFigureOut">
               <a:rPr lang="en-US" smtClean="0"/>
-              <a:t>5/31/2013</a:t>
+              <a:t>6/14/2013</a:t>
             </a:fld>
             <a:endParaRPr lang="en-US"/>
           </a:p>
@@ -1049,7 +1050,7 @@
           <a:p>
             <a:fld id="{08B8A534-EA6A-4837-9123-2F13D53816C7}" type="datetimeFigureOut">
               <a:rPr lang="en-US" smtClean="0"/>
-              <a:t>5/31/2013</a:t>
+              <a:t>6/14/2013</a:t>
             </a:fld>
             <a:endParaRPr lang="en-US"/>
           </a:p>
@@ -1329,7 +1330,7 @@
           <a:p>
             <a:fld id="{08B8A534-EA6A-4837-9123-2F13D53816C7}" type="datetimeFigureOut">
               <a:rPr lang="en-US" smtClean="0"/>
-              <a:t>5/31/2013</a:t>
+              <a:t>6/14/2013</a:t>
             </a:fld>
             <a:endParaRPr lang="en-US"/>
           </a:p>
@@ -1802,7 +1803,7 @@
           <a:p>
             <a:fld id="{08B8A534-EA6A-4837-9123-2F13D53816C7}" type="datetimeFigureOut">
               <a:rPr lang="en-US" smtClean="0"/>
-              <a:t>5/31/2013</a:t>
+              <a:t>6/14/2013</a:t>
             </a:fld>
             <a:endParaRPr lang="en-US"/>
           </a:p>
@@ -2257,7 +2258,7 @@
           <a:p>
             <a:fld id="{08B8A534-EA6A-4837-9123-2F13D53816C7}" type="datetimeFigureOut">
               <a:rPr lang="en-US" smtClean="0"/>
-              <a:t>5/31/2013</a:t>
+              <a:t>6/14/2013</a:t>
             </a:fld>
             <a:endParaRPr lang="en-US"/>
           </a:p>
@@ -2395,7 +2396,7 @@
           <a:p>
             <a:fld id="{08B8A534-EA6A-4837-9123-2F13D53816C7}" type="datetimeFigureOut">
               <a:rPr lang="en-US" smtClean="0"/>
-              <a:t>5/31/2013</a:t>
+              <a:t>6/14/2013</a:t>
             </a:fld>
             <a:endParaRPr lang="en-US"/>
           </a:p>
@@ -2556,7 +2557,7 @@
           <a:p>
             <a:fld id="{08B8A534-EA6A-4837-9123-2F13D53816C7}" type="datetimeFigureOut">
               <a:rPr lang="en-US" smtClean="0"/>
-              <a:t>5/31/2013</a:t>
+              <a:t>6/14/2013</a:t>
             </a:fld>
             <a:endParaRPr lang="en-US"/>
           </a:p>
@@ -2950,7 +2951,7 @@
           <a:p>
             <a:fld id="{08B8A534-EA6A-4837-9123-2F13D53816C7}" type="datetimeFigureOut">
               <a:rPr lang="en-US" smtClean="0"/>
-              <a:t>5/31/2013</a:t>
+              <a:t>6/14/2013</a:t>
             </a:fld>
             <a:endParaRPr lang="en-US"/>
           </a:p>
@@ -3350,7 +3351,7 @@
           <a:p>
             <a:fld id="{08B8A534-EA6A-4837-9123-2F13D53816C7}" type="datetimeFigureOut">
               <a:rPr lang="en-US" smtClean="0"/>
-              <a:t>5/31/2013</a:t>
+              <a:t>6/14/2013</a:t>
             </a:fld>
             <a:endParaRPr lang="en-US"/>
           </a:p>
@@ -3560,7 +3561,7 @@
           <a:p>
             <a:fld id="{08B8A534-EA6A-4837-9123-2F13D53816C7}" type="datetimeFigureOut">
               <a:rPr lang="en-US" smtClean="0"/>
-              <a:t>5/31/2013</a:t>
+              <a:t>6/14/2013</a:t>
             </a:fld>
             <a:endParaRPr lang="en-US"/>
           </a:p>
@@ -4052,6 +4053,131 @@
         </p:nvSpPr>
         <p:spPr/>
         <p:txBody>
+          <a:bodyPr/>
+          <a:lstStyle/>
+          <a:p>
+            <a:r>
+              <a:rPr lang="en-US" dirty="0" smtClean="0"/>
+              <a:t>Could be more mature.  It’s fairly new.</a:t>
+            </a:r>
+          </a:p>
+          <a:p>
+            <a:r>
+              <a:rPr lang="en-US" dirty="0" smtClean="0"/>
+              <a:t>Docs are pretty bad in some areas.  Filled with examples that don’t follow best practice.  Some areas are simply incomplete.  Really, they’re horrible.  (I did read they are in the process of redoing them all, though)</a:t>
+            </a:r>
+          </a:p>
+          <a:p>
+            <a:r>
+              <a:rPr lang="en-US" dirty="0" smtClean="0"/>
+              <a:t>Some things </a:t>
+            </a:r>
+            <a:r>
+              <a:rPr lang="en-US" smtClean="0"/>
+              <a:t>are </a:t>
+            </a:r>
+            <a:r>
+              <a:rPr lang="en-US" smtClean="0"/>
+              <a:t>magic </a:t>
+            </a:r>
+            <a:r>
+              <a:rPr lang="en-US" dirty="0" smtClean="0"/>
+              <a:t>that will be hard to debug if you do them </a:t>
+            </a:r>
+            <a:r>
+              <a:rPr lang="en-US" dirty="0" smtClean="0"/>
+              <a:t>wrong</a:t>
+            </a:r>
+          </a:p>
+          <a:p>
+            <a:r>
+              <a:rPr lang="en-US" dirty="0" smtClean="0"/>
+              <a:t>Performance is subpar compared to other similar platforms (but really, they’re all extremely fast) (source: </a:t>
+            </a:r>
+            <a:r>
+              <a:rPr lang="en-US" dirty="0">
+                <a:hlinkClick r:id="rId2"/>
+              </a:rPr>
+              <a:t>http://</a:t>
+            </a:r>
+            <a:r>
+              <a:rPr lang="en-US" dirty="0" smtClean="0">
+                <a:hlinkClick r:id="rId2"/>
+              </a:rPr>
+              <a:t>stackoverflow.com/questions/9682092/databinding-in-angularjs</a:t>
+            </a:r>
+            <a:r>
+              <a:rPr lang="en-US" dirty="0" smtClean="0"/>
+              <a:t>)</a:t>
+            </a:r>
+          </a:p>
+        </p:txBody>
+      </p:sp>
+      <p:sp>
+        <p:nvSpPr>
+          <p:cNvPr id="2" name="Title 1"/>
+          <p:cNvSpPr>
+            <a:spLocks noGrp="1"/>
+          </p:cNvSpPr>
+          <p:nvPr>
+            <p:ph type="title"/>
+          </p:nvPr>
+        </p:nvSpPr>
+        <p:spPr/>
+        <p:txBody>
+          <a:bodyPr/>
+          <a:lstStyle/>
+          <a:p>
+            <a:r>
+              <a:rPr lang="en-US" dirty="0" smtClean="0"/>
+              <a:t>No, really.  Here’s the list.</a:t>
+            </a:r>
+            <a:endParaRPr lang="en-US" dirty="0"/>
+          </a:p>
+        </p:txBody>
+      </p:sp>
+    </p:spTree>
+    <p:extLst>
+      <p:ext uri="{BB962C8B-B14F-4D97-AF65-F5344CB8AC3E}">
+        <p14:creationId xmlns:p14="http://schemas.microsoft.com/office/powerpoint/2010/main" val="3579367799"/>
+      </p:ext>
+    </p:extLst>
+  </p:cSld>
+  <p:clrMapOvr>
+    <a:masterClrMapping/>
+  </p:clrMapOvr>
+</p:sld>
+</file>
+
+<file path=ppt/slides/slide11.xml><?xml version="1.0" encoding="utf-8"?>
+<p:sld xmlns:a="http://schemas.openxmlformats.org/drawingml/2006/main" xmlns:r="http://schemas.openxmlformats.org/officeDocument/2006/relationships" xmlns:p="http://schemas.openxmlformats.org/presentationml/2006/main">
+  <p:cSld>
+    <p:spTree>
+      <p:nvGrpSpPr>
+        <p:cNvPr id="1" name=""/>
+        <p:cNvGrpSpPr/>
+        <p:nvPr/>
+      </p:nvGrpSpPr>
+      <p:grpSpPr>
+        <a:xfrm>
+          <a:off x="0" y="0"/>
+          <a:ext cx="0" cy="0"/>
+          <a:chOff x="0" y="0"/>
+          <a:chExt cx="0" cy="0"/>
+        </a:xfrm>
+      </p:grpSpPr>
+      <p:sp>
+        <p:nvSpPr>
+          <p:cNvPr id="3" name="Content Placeholder 2"/>
+          <p:cNvSpPr>
+            <a:spLocks noGrp="1"/>
+          </p:cNvSpPr>
+          <p:nvPr>
+            <p:ph sz="quarter" idx="13"/>
+          </p:nvPr>
+        </p:nvSpPr>
+        <p:spPr/>
+        <p:txBody>
           <a:bodyPr>
             <a:normAutofit/>
           </a:bodyPr>
@@ -4223,7 +4349,7 @@
 </p:sld>
 </file>
 
-<file path=ppt/slides/slide11.xml><?xml version="1.0" encoding="utf-8"?>
+<file path=ppt/slides/slide12.xml><?xml version="1.0" encoding="utf-8"?>
 <p:sld xmlns:a="http://schemas.openxmlformats.org/drawingml/2006/main" xmlns:r="http://schemas.openxmlformats.org/officeDocument/2006/relationships" xmlns:p="http://schemas.openxmlformats.org/presentationml/2006/main">
   <p:cSld>
     <p:spTree>
@@ -4387,7 +4513,11 @@
           <a:p>
             <a:r>
               <a:rPr lang="en-US" dirty="0" smtClean="0"/>
-              <a:t> Server side interaction only needed to download your “app”.  Typically, there will probably be some interaction with web services, but not necessary depending on the application.</a:t>
+              <a:t>Server </a:t>
+            </a:r>
+            <a:r>
+              <a:rPr lang="en-US" dirty="0" smtClean="0"/>
+              <a:t>side interaction only needed to download your “app”.  Typically, there will probably be some interaction with web services, but not necessary depending on the application.</a:t>
             </a:r>
             <a:endParaRPr lang="en-US" dirty="0"/>
           </a:p>
@@ -4786,12 +4916,6 @@
           <a:p>
             <a:r>
               <a:rPr lang="en-US" dirty="0" smtClean="0"/>
-              <a:t>Declarative HTML</a:t>
-            </a:r>
-          </a:p>
-          <a:p>
-            <a:r>
-              <a:rPr lang="en-US" dirty="0" smtClean="0"/>
               <a:t>2-way </a:t>
             </a:r>
             <a:r>
@@ -4814,19 +4938,18 @@
           <a:p>
             <a:r>
               <a:rPr lang="en-US" dirty="0" smtClean="0"/>
-              <a:t>Re-usable components (directives, yay)</a:t>
-            </a:r>
-          </a:p>
-          <a:p>
-            <a:r>
-              <a:rPr lang="en-US" dirty="0" smtClean="0"/>
-              <a:t>Templates don’t feature string manipulation</a:t>
-            </a:r>
-          </a:p>
-          <a:p>
-            <a:r>
-              <a:rPr lang="en-US" dirty="0" smtClean="0"/>
-              <a:t>Small footprint (minified ~80kb)</a:t>
+              <a:t>Can be added to projects</a:t>
+            </a:r>
+            <a:endParaRPr lang="en-US" dirty="0" smtClean="0"/>
+          </a:p>
+          <a:p>
+            <a:r>
+              <a:rPr lang="en-US" dirty="0" smtClean="0"/>
+              <a:t>Small </a:t>
+            </a:r>
+            <a:r>
+              <a:rPr lang="en-US" dirty="0" smtClean="0"/>
+              <a:t>footprint (minified ~80kb)</a:t>
             </a:r>
           </a:p>
           <a:p>
@@ -4900,7 +5023,7 @@
       </p:grpSpPr>
       <p:sp>
         <p:nvSpPr>
-          <p:cNvPr id="3" name="Content Placeholder 2"/>
+          <p:cNvPr id="2" name="Content Placeholder 1"/>
           <p:cNvSpPr>
             <a:spLocks noGrp="1"/>
           </p:cNvSpPr>
@@ -4910,108 +5033,46 @@
         </p:nvSpPr>
         <p:spPr/>
         <p:txBody>
-          <a:bodyPr>
-            <a:normAutofit/>
-          </a:bodyPr>
-          <a:lstStyle/>
-          <a:p>
-            <a:r>
-              <a:rPr lang="en-US" dirty="0" smtClean="0"/>
-              <a:t>Text editor (</a:t>
-            </a:r>
-            <a:r>
-              <a:rPr lang="en-US" dirty="0" err="1" smtClean="0"/>
-              <a:t>SublimeText</a:t>
-            </a:r>
-            <a:r>
-              <a:rPr lang="en-US" dirty="0" smtClean="0"/>
-              <a:t>)</a:t>
-            </a:r>
-          </a:p>
-          <a:p>
-            <a:r>
-              <a:rPr lang="en-US" dirty="0" smtClean="0"/>
-              <a:t>Web server (</a:t>
-            </a:r>
-            <a:r>
-              <a:rPr lang="en-US" dirty="0" err="1" smtClean="0"/>
-              <a:t>NodeJS</a:t>
-            </a:r>
-            <a:r>
-              <a:rPr lang="en-US" dirty="0" smtClean="0"/>
-              <a:t>)</a:t>
-            </a:r>
-          </a:p>
-          <a:p>
-            <a:r>
-              <a:rPr lang="en-US" dirty="0" smtClean="0"/>
-              <a:t>Test runner (</a:t>
-            </a:r>
-            <a:r>
-              <a:rPr lang="en-US" dirty="0" err="1" smtClean="0"/>
-              <a:t>Testacular</a:t>
-            </a:r>
-            <a:r>
-              <a:rPr lang="en-US" dirty="0" smtClean="0"/>
-              <a:t>)</a:t>
-            </a:r>
-          </a:p>
-          <a:p>
-            <a:r>
-              <a:rPr lang="en-US" dirty="0" smtClean="0"/>
-              <a:t>Prompt (</a:t>
-            </a:r>
-            <a:r>
-              <a:rPr lang="en-US" dirty="0" err="1" smtClean="0"/>
-              <a:t>Powershell</a:t>
-            </a:r>
-            <a:r>
-              <a:rPr lang="en-US" dirty="0" smtClean="0"/>
-              <a:t>)</a:t>
-            </a:r>
-          </a:p>
-          <a:p>
-            <a:r>
-              <a:rPr lang="en-US" dirty="0" smtClean="0"/>
-              <a:t>Web services</a:t>
-            </a:r>
-          </a:p>
-          <a:p>
-            <a:r>
-              <a:rPr lang="en-US" dirty="0" smtClean="0"/>
-              <a:t>Quick feedback loop + all driven by keyboard = happy </a:t>
-            </a:r>
-            <a:r>
-              <a:rPr lang="en-US" dirty="0" err="1" smtClean="0"/>
-              <a:t>dev</a:t>
-            </a:r>
-            <a:r>
-              <a:rPr lang="en-US" dirty="0" smtClean="0"/>
-              <a:t> = </a:t>
-            </a:r>
-            <a:r>
-              <a:rPr lang="en-US" dirty="0" err="1" smtClean="0"/>
-              <a:t>mo</a:t>
-            </a:r>
-            <a:r>
-              <a:rPr lang="en-US" dirty="0" smtClean="0"/>
-              <a:t> features = </a:t>
-            </a:r>
-            <a:r>
-              <a:rPr lang="en-US" dirty="0" err="1" smtClean="0"/>
-              <a:t>mo</a:t>
-            </a:r>
-            <a:r>
-              <a:rPr lang="en-US" dirty="0" smtClean="0"/>
-              <a:t> money $</a:t>
+          <a:bodyPr/>
+          <a:lstStyle/>
+          <a:p>
+            <a:r>
+              <a:rPr lang="en-US" dirty="0"/>
+              <a:t>Re-usable components (</a:t>
+            </a:r>
+            <a:r>
+              <a:rPr lang="en-US" dirty="0" smtClean="0"/>
+              <a:t>directives)</a:t>
             </a:r>
             <a:endParaRPr lang="en-US" dirty="0"/>
           </a:p>
-        </p:txBody>
-      </p:sp>
-      <p:sp>
-        <p:nvSpPr>
-          <p:cNvPr id="2" name="Title 1"/>
+          <a:p>
+            <a:r>
+              <a:rPr lang="en-US" dirty="0"/>
+              <a:t>Declarative </a:t>
+            </a:r>
+            <a:r>
+              <a:rPr lang="en-US" dirty="0" smtClean="0"/>
+              <a:t>HTML (with semantic markup!)</a:t>
+            </a:r>
+            <a:endParaRPr lang="en-US" dirty="0"/>
+          </a:p>
+          <a:p>
+            <a:r>
+              <a:rPr lang="en-US" dirty="0"/>
+              <a:t>Templates don’t feature string </a:t>
+            </a:r>
+            <a:r>
+              <a:rPr lang="en-US" dirty="0" smtClean="0"/>
+              <a:t>manipulation</a:t>
+            </a:r>
+            <a:endParaRPr lang="en-US" dirty="0"/>
+          </a:p>
+        </p:txBody>
+      </p:sp>
+      <p:sp>
+        <p:nvSpPr>
+          <p:cNvPr id="3" name="Title 2"/>
           <p:cNvSpPr>
             <a:spLocks noGrp="1"/>
           </p:cNvSpPr>
@@ -5024,26 +5085,68 @@
           <a:bodyPr/>
           <a:lstStyle/>
           <a:p>
-            <a:r>
-              <a:rPr lang="en-US" dirty="0" smtClean="0"/>
-              <a:t>Full </a:t>
-            </a:r>
-            <a:r>
-              <a:rPr lang="en-US" dirty="0" err="1" smtClean="0"/>
-              <a:t>toolstack</a:t>
-            </a:r>
-            <a:r>
-              <a:rPr lang="en-US" dirty="0" smtClean="0"/>
-              <a:t>?</a:t>
-            </a:r>
-            <a:endParaRPr lang="en-US" dirty="0"/>
-          </a:p>
-        </p:txBody>
-      </p:sp>
+            <a:endParaRPr lang="en-US"/>
+          </a:p>
+        </p:txBody>
+      </p:sp>
+      <p:pic>
+        <p:nvPicPr>
+          <p:cNvPr id="1026" name="Picture 2"/>
+          <p:cNvPicPr>
+            <a:picLocks noChangeAspect="1" noChangeArrowheads="1"/>
+          </p:cNvPicPr>
+          <p:nvPr/>
+        </p:nvPicPr>
+        <p:blipFill>
+          <a:blip r:embed="rId2">
+            <a:extLst>
+              <a:ext uri="{28A0092B-C50C-407E-A947-70E740481C1C}">
+                <a14:useLocalDpi xmlns:a14="http://schemas.microsoft.com/office/drawing/2010/main" val="0"/>
+              </a:ext>
+            </a:extLst>
+          </a:blip>
+          <a:srcRect/>
+          <a:stretch>
+            <a:fillRect/>
+          </a:stretch>
+        </p:blipFill>
+        <p:spPr bwMode="auto">
+          <a:xfrm>
+            <a:off x="152400" y="2819400"/>
+            <a:ext cx="8686800" cy="3886200"/>
+          </a:xfrm>
+          <a:prstGeom prst="rect">
+            <a:avLst/>
+          </a:prstGeom>
+          <a:noFill/>
+          <a:ln>
+            <a:noFill/>
+          </a:ln>
+          <a:extLst>
+            <a:ext uri="{909E8E84-426E-40DD-AFC4-6F175D3DCCD1}">
+              <a14:hiddenFill xmlns:a14="http://schemas.microsoft.com/office/drawing/2010/main">
+                <a:solidFill>
+                  <a:schemeClr val="accent1"/>
+                </a:solidFill>
+              </a14:hiddenFill>
+            </a:ext>
+            <a:ext uri="{91240B29-F687-4F45-9708-019B960494DF}">
+              <a14:hiddenLine xmlns:a14="http://schemas.microsoft.com/office/drawing/2010/main" w="9525">
+                <a:solidFill>
+                  <a:schemeClr val="tx1"/>
+                </a:solidFill>
+                <a:miter lim="800000"/>
+                <a:headEnd/>
+                <a:tailEnd/>
+              </a14:hiddenLine>
+            </a:ext>
+          </a:extLst>
+        </p:spPr>
+      </p:pic>
     </p:spTree>
     <p:extLst>
       <p:ext uri="{BB962C8B-B14F-4D97-AF65-F5344CB8AC3E}">
-        <p14:creationId xmlns:p14="http://schemas.microsoft.com/office/powerpoint/2010/main" val="91439856"/>
+        <p14:creationId xmlns:p14="http://schemas.microsoft.com/office/powerpoint/2010/main" val="1059963772"/>
       </p:ext>
     </p:extLst>
   </p:cSld>
@@ -5082,32 +5185,103 @@
         </p:nvSpPr>
         <p:spPr/>
         <p:txBody>
-          <a:bodyPr/>
-          <a:lstStyle/>
-          <a:p>
-            <a:endParaRPr lang="en-US" dirty="0" smtClean="0"/>
-          </a:p>
-          <a:p>
+          <a:bodyPr>
+            <a:normAutofit/>
+          </a:bodyPr>
+          <a:lstStyle/>
+          <a:p>
+            <a:r>
+              <a:rPr lang="en-US" dirty="0" smtClean="0"/>
+              <a:t>Text editor (</a:t>
+            </a:r>
+            <a:r>
+              <a:rPr lang="en-US" dirty="0" err="1" smtClean="0"/>
+              <a:t>SublimeText</a:t>
+            </a:r>
+            <a:r>
+              <a:rPr lang="en-US" dirty="0" smtClean="0"/>
+              <a:t>)</a:t>
+            </a:r>
+          </a:p>
+          <a:p>
+            <a:r>
+              <a:rPr lang="en-US" dirty="0" smtClean="0"/>
+              <a:t>Web server (</a:t>
+            </a:r>
+            <a:r>
+              <a:rPr lang="en-US" dirty="0" err="1" smtClean="0"/>
+              <a:t>NodeJS</a:t>
+            </a:r>
+            <a:r>
+              <a:rPr lang="en-US" dirty="0" smtClean="0"/>
+              <a:t>)</a:t>
+            </a:r>
+          </a:p>
+          <a:p>
+            <a:r>
+              <a:rPr lang="en-US" dirty="0" smtClean="0"/>
+              <a:t>Test runner (</a:t>
+            </a:r>
+            <a:r>
+              <a:rPr lang="en-US" dirty="0" err="1" smtClean="0"/>
+              <a:t>Testacular</a:t>
+            </a:r>
+            <a:r>
+              <a:rPr lang="en-US" dirty="0" smtClean="0"/>
+              <a:t>)</a:t>
+            </a:r>
+          </a:p>
+          <a:p>
+            <a:r>
+              <a:rPr lang="en-US" dirty="0" smtClean="0"/>
+              <a:t>Console (</a:t>
+            </a:r>
+            <a:r>
+              <a:rPr lang="en-US" dirty="0" err="1" smtClean="0"/>
+              <a:t>Powershell</a:t>
+            </a:r>
+            <a:r>
+              <a:rPr lang="en-US" dirty="0" smtClean="0"/>
+              <a:t>)</a:t>
+            </a:r>
+          </a:p>
+          <a:p>
+            <a:r>
+              <a:rPr lang="en-US" dirty="0" smtClean="0"/>
+              <a:t>Web services</a:t>
+            </a:r>
+          </a:p>
+          <a:p>
+            <a:r>
+              <a:rPr lang="en-US" dirty="0" smtClean="0"/>
+              <a:t>Quick feedback loop + all driven by keyboard = happy </a:t>
+            </a:r>
+            <a:r>
+              <a:rPr lang="en-US" dirty="0" err="1" smtClean="0"/>
+              <a:t>dev</a:t>
+            </a:r>
+            <a:r>
+              <a:rPr lang="en-US" dirty="0" smtClean="0"/>
+              <a:t> = </a:t>
+            </a:r>
+            <a:r>
+              <a:rPr lang="en-US" dirty="0" err="1" smtClean="0"/>
+              <a:t>mo</a:t>
+            </a:r>
+            <a:r>
+              <a:rPr lang="en-US" dirty="0" smtClean="0"/>
+              <a:t> features = </a:t>
+            </a:r>
+            <a:r>
+              <a:rPr lang="en-US" dirty="0" err="1" smtClean="0"/>
+              <a:t>mo</a:t>
+            </a:r>
+            <a:r>
+              <a:rPr lang="en-US" dirty="0" smtClean="0"/>
+              <a:t> money $</a:t>
+            </a:r>
             <a:endParaRPr lang="en-US" dirty="0"/>
           </a:p>
-          <a:p>
-            <a:endParaRPr lang="en-US" dirty="0" smtClean="0"/>
-          </a:p>
-          <a:p>
-            <a:endParaRPr lang="en-US" dirty="0"/>
-          </a:p>
-          <a:p>
-            <a:endParaRPr lang="en-US" dirty="0" smtClean="0"/>
-          </a:p>
-          <a:p>
-            <a:endParaRPr lang="en-US" dirty="0"/>
-          </a:p>
-          <a:p>
-            <a:r>
-              <a:rPr lang="en-US" dirty="0" smtClean="0"/>
-              <a:t>I told you, it’s super heroic.</a:t>
-            </a:r>
-          </a:p>
         </p:txBody>
       </p:sp>
       <p:sp>
@@ -5127,11 +5301,11 @@
           <a:p>
             <a:r>
               <a:rPr lang="en-US" dirty="0" smtClean="0"/>
-              <a:t>What sucks about </a:t>
+              <a:t>Full </a:t>
             </a:r>
             <a:r>
               <a:rPr lang="en-US" dirty="0" err="1" smtClean="0"/>
-              <a:t>AngularJS</a:t>
+              <a:t>toolstack</a:t>
             </a:r>
             <a:r>
               <a:rPr lang="en-US" dirty="0" smtClean="0"/>
@@ -5144,7 +5318,7 @@
     </p:spTree>
     <p:extLst>
       <p:ext uri="{BB962C8B-B14F-4D97-AF65-F5344CB8AC3E}">
-        <p14:creationId xmlns:p14="http://schemas.microsoft.com/office/powerpoint/2010/main" val="3567775276"/>
+        <p14:creationId xmlns:p14="http://schemas.microsoft.com/office/powerpoint/2010/main" val="91439856"/>
       </p:ext>
     </p:extLst>
   </p:cSld>
@@ -5186,26 +5360,29 @@
           <a:bodyPr/>
           <a:lstStyle/>
           <a:p>
-            <a:r>
-              <a:rPr lang="en-US" dirty="0" smtClean="0"/>
-              <a:t>Could be more mature.  It’s fairly new.</a:t>
-            </a:r>
-          </a:p>
-          <a:p>
-            <a:r>
-              <a:rPr lang="en-US" dirty="0" smtClean="0"/>
-              <a:t>Docs are pretty bad in some areas.  Filled with examples that don’t follow best practice.  Some areas are simply incomplete.  Really, they’re horrible.  (I did read they are in the process of redoing them all, though)</a:t>
-            </a:r>
-          </a:p>
-          <a:p>
-            <a:r>
-              <a:rPr lang="en-US" dirty="0" smtClean="0"/>
-              <a:t>Some things are kind of magic that will be hard to debug if you do them wrong</a:t>
-            </a:r>
+            <a:endParaRPr lang="en-US" dirty="0" smtClean="0"/>
           </a:p>
           <a:p>
             <a:endParaRPr lang="en-US" dirty="0"/>
           </a:p>
+          <a:p>
+            <a:endParaRPr lang="en-US" dirty="0" smtClean="0"/>
+          </a:p>
+          <a:p>
+            <a:endParaRPr lang="en-US" dirty="0"/>
+          </a:p>
+          <a:p>
+            <a:endParaRPr lang="en-US" dirty="0" smtClean="0"/>
+          </a:p>
+          <a:p>
+            <a:endParaRPr lang="en-US" dirty="0"/>
+          </a:p>
+          <a:p>
+            <a:r>
+              <a:rPr lang="en-US" dirty="0" smtClean="0"/>
+              <a:t>I told you, it’s super heroic.</a:t>
+            </a:r>
+          </a:p>
         </p:txBody>
       </p:sp>
       <p:sp>
@@ -5225,7 +5402,15 @@
           <a:p>
             <a:r>
               <a:rPr lang="en-US" dirty="0" smtClean="0"/>
-              <a:t>No, really.  Here’s the list.</a:t>
+              <a:t>What sucks about </a:t>
+            </a:r>
+            <a:r>
+              <a:rPr lang="en-US" dirty="0" err="1" smtClean="0"/>
+              <a:t>AngularJS</a:t>
+            </a:r>
+            <a:r>
+              <a:rPr lang="en-US" dirty="0" smtClean="0"/>
+              <a:t>?</a:t>
             </a:r>
             <a:endParaRPr lang="en-US" dirty="0"/>
           </a:p>
@@ -5234,7 +5419,7 @@
     </p:spTree>
     <p:extLst>
       <p:ext uri="{BB962C8B-B14F-4D97-AF65-F5344CB8AC3E}">
-        <p14:creationId xmlns:p14="http://schemas.microsoft.com/office/powerpoint/2010/main" val="3579367799"/>
+        <p14:creationId xmlns:p14="http://schemas.microsoft.com/office/powerpoint/2010/main" val="3567775276"/>
       </p:ext>
     </p:extLst>
   </p:cSld>

--- a/angularjs/AngularJS.pptx
+++ b/angularjs/AngularJS.pptx
@@ -6,17 +6,18 @@
   </p:sldMasterIdLst>
   <p:sldIdLst>
     <p:sldId id="256" r:id="rId2"/>
-    <p:sldId id="257" r:id="rId3"/>
-    <p:sldId id="262" r:id="rId4"/>
-    <p:sldId id="261" r:id="rId5"/>
-    <p:sldId id="259" r:id="rId6"/>
-    <p:sldId id="263" r:id="rId7"/>
-    <p:sldId id="268" r:id="rId8"/>
-    <p:sldId id="267" r:id="rId9"/>
-    <p:sldId id="265" r:id="rId10"/>
-    <p:sldId id="266" r:id="rId11"/>
-    <p:sldId id="258" r:id="rId12"/>
-    <p:sldId id="264" r:id="rId13"/>
+    <p:sldId id="269" r:id="rId3"/>
+    <p:sldId id="257" r:id="rId4"/>
+    <p:sldId id="262" r:id="rId5"/>
+    <p:sldId id="261" r:id="rId6"/>
+    <p:sldId id="259" r:id="rId7"/>
+    <p:sldId id="263" r:id="rId8"/>
+    <p:sldId id="268" r:id="rId9"/>
+    <p:sldId id="267" r:id="rId10"/>
+    <p:sldId id="265" r:id="rId11"/>
+    <p:sldId id="266" r:id="rId12"/>
+    <p:sldId id="258" r:id="rId13"/>
+    <p:sldId id="264" r:id="rId14"/>
   </p:sldIdLst>
   <p:sldSz cx="9144000" cy="6858000" type="screen4x3"/>
   <p:notesSz cx="6858000" cy="9144000"/>
@@ -354,7 +355,7 @@
           <a:p>
             <a:fld id="{08B8A534-EA6A-4837-9123-2F13D53816C7}" type="datetimeFigureOut">
               <a:rPr lang="en-US" smtClean="0"/>
-              <a:t>6/14/2013</a:t>
+              <a:t>6/19/2013</a:t>
             </a:fld>
             <a:endParaRPr lang="en-US"/>
           </a:p>
@@ -632,7 +633,7 @@
           <a:p>
             <a:fld id="{08B8A534-EA6A-4837-9123-2F13D53816C7}" type="datetimeFigureOut">
               <a:rPr lang="en-US" smtClean="0"/>
-              <a:t>6/14/2013</a:t>
+              <a:t>6/19/2013</a:t>
             </a:fld>
             <a:endParaRPr lang="en-US"/>
           </a:p>
@@ -855,7 +856,7 @@
           <a:p>
             <a:fld id="{08B8A534-EA6A-4837-9123-2F13D53816C7}" type="datetimeFigureOut">
               <a:rPr lang="en-US" smtClean="0"/>
-              <a:t>6/14/2013</a:t>
+              <a:t>6/19/2013</a:t>
             </a:fld>
             <a:endParaRPr lang="en-US"/>
           </a:p>
@@ -1050,7 +1051,7 @@
           <a:p>
             <a:fld id="{08B8A534-EA6A-4837-9123-2F13D53816C7}" type="datetimeFigureOut">
               <a:rPr lang="en-US" smtClean="0"/>
-              <a:t>6/14/2013</a:t>
+              <a:t>6/19/2013</a:t>
             </a:fld>
             <a:endParaRPr lang="en-US"/>
           </a:p>
@@ -1330,7 +1331,7 @@
           <a:p>
             <a:fld id="{08B8A534-EA6A-4837-9123-2F13D53816C7}" type="datetimeFigureOut">
               <a:rPr lang="en-US" smtClean="0"/>
-              <a:t>6/14/2013</a:t>
+              <a:t>6/19/2013</a:t>
             </a:fld>
             <a:endParaRPr lang="en-US"/>
           </a:p>
@@ -1803,7 +1804,7 @@
           <a:p>
             <a:fld id="{08B8A534-EA6A-4837-9123-2F13D53816C7}" type="datetimeFigureOut">
               <a:rPr lang="en-US" smtClean="0"/>
-              <a:t>6/14/2013</a:t>
+              <a:t>6/19/2013</a:t>
             </a:fld>
             <a:endParaRPr lang="en-US"/>
           </a:p>
@@ -2258,7 +2259,7 @@
           <a:p>
             <a:fld id="{08B8A534-EA6A-4837-9123-2F13D53816C7}" type="datetimeFigureOut">
               <a:rPr lang="en-US" smtClean="0"/>
-              <a:t>6/14/2013</a:t>
+              <a:t>6/19/2013</a:t>
             </a:fld>
             <a:endParaRPr lang="en-US"/>
           </a:p>
@@ -2396,7 +2397,7 @@
           <a:p>
             <a:fld id="{08B8A534-EA6A-4837-9123-2F13D53816C7}" type="datetimeFigureOut">
               <a:rPr lang="en-US" smtClean="0"/>
-              <a:t>6/14/2013</a:t>
+              <a:t>6/19/2013</a:t>
             </a:fld>
             <a:endParaRPr lang="en-US"/>
           </a:p>
@@ -2557,7 +2558,7 @@
           <a:p>
             <a:fld id="{08B8A534-EA6A-4837-9123-2F13D53816C7}" type="datetimeFigureOut">
               <a:rPr lang="en-US" smtClean="0"/>
-              <a:t>6/14/2013</a:t>
+              <a:t>6/19/2013</a:t>
             </a:fld>
             <a:endParaRPr lang="en-US"/>
           </a:p>
@@ -2951,7 +2952,7 @@
           <a:p>
             <a:fld id="{08B8A534-EA6A-4837-9123-2F13D53816C7}" type="datetimeFigureOut">
               <a:rPr lang="en-US" smtClean="0"/>
-              <a:t>6/14/2013</a:t>
+              <a:t>6/19/2013</a:t>
             </a:fld>
             <a:endParaRPr lang="en-US"/>
           </a:p>
@@ -3351,7 +3352,7 @@
           <a:p>
             <a:fld id="{08B8A534-EA6A-4837-9123-2F13D53816C7}" type="datetimeFigureOut">
               <a:rPr lang="en-US" smtClean="0"/>
-              <a:t>6/14/2013</a:t>
+              <a:t>6/19/2013</a:t>
             </a:fld>
             <a:endParaRPr lang="en-US"/>
           </a:p>
@@ -3561,7 +3562,7 @@
           <a:p>
             <a:fld id="{08B8A534-EA6A-4837-9123-2F13D53816C7}" type="datetimeFigureOut">
               <a:rPr lang="en-US" smtClean="0"/>
-              <a:t>6/14/2013</a:t>
+              <a:t>6/19/2013</a:t>
             </a:fld>
             <a:endParaRPr lang="en-US"/>
           </a:p>
@@ -4056,59 +4057,27 @@
           <a:bodyPr/>
           <a:lstStyle/>
           <a:p>
-            <a:r>
-              <a:rPr lang="en-US" dirty="0" smtClean="0"/>
-              <a:t>Could be more mature.  It’s fairly new.</a:t>
-            </a:r>
-          </a:p>
-          <a:p>
-            <a:r>
-              <a:rPr lang="en-US" dirty="0" smtClean="0"/>
-              <a:t>Docs are pretty bad in some areas.  Filled with examples that don’t follow best practice.  Some areas are simply incomplete.  Really, they’re horrible.  (I did read they are in the process of redoing them all, though)</a:t>
-            </a:r>
-          </a:p>
-          <a:p>
-            <a:r>
-              <a:rPr lang="en-US" dirty="0" smtClean="0"/>
-              <a:t>Some things </a:t>
-            </a:r>
-            <a:r>
-              <a:rPr lang="en-US" smtClean="0"/>
-              <a:t>are </a:t>
-            </a:r>
-            <a:r>
-              <a:rPr lang="en-US" smtClean="0"/>
-              <a:t>magic </a:t>
-            </a:r>
-            <a:r>
-              <a:rPr lang="en-US" dirty="0" smtClean="0"/>
-              <a:t>that will be hard to debug if you do them </a:t>
-            </a:r>
-            <a:r>
-              <a:rPr lang="en-US" dirty="0" smtClean="0"/>
-              <a:t>wrong</a:t>
-            </a:r>
-          </a:p>
-          <a:p>
-            <a:r>
-              <a:rPr lang="en-US" dirty="0" smtClean="0"/>
-              <a:t>Performance is subpar compared to other similar platforms (but really, they’re all extremely fast) (source: </a:t>
-            </a:r>
-            <a:r>
-              <a:rPr lang="en-US" dirty="0">
-                <a:hlinkClick r:id="rId2"/>
-              </a:rPr>
-              <a:t>http://</a:t>
-            </a:r>
-            <a:r>
-              <a:rPr lang="en-US" dirty="0" smtClean="0">
-                <a:hlinkClick r:id="rId2"/>
-              </a:rPr>
-              <a:t>stackoverflow.com/questions/9682092/databinding-in-angularjs</a:t>
-            </a:r>
-            <a:r>
-              <a:rPr lang="en-US" dirty="0" smtClean="0"/>
-              <a:t>)</a:t>
+            <a:endParaRPr lang="en-US" dirty="0" smtClean="0"/>
+          </a:p>
+          <a:p>
+            <a:endParaRPr lang="en-US" dirty="0"/>
+          </a:p>
+          <a:p>
+            <a:endParaRPr lang="en-US" dirty="0" smtClean="0"/>
+          </a:p>
+          <a:p>
+            <a:endParaRPr lang="en-US" dirty="0"/>
+          </a:p>
+          <a:p>
+            <a:endParaRPr lang="en-US" dirty="0" smtClean="0"/>
+          </a:p>
+          <a:p>
+            <a:endParaRPr lang="en-US" dirty="0"/>
+          </a:p>
+          <a:p>
+            <a:r>
+              <a:rPr lang="en-US" dirty="0" smtClean="0"/>
+              <a:t>I told you, it’s super heroic.</a:t>
             </a:r>
           </a:p>
         </p:txBody>
@@ -4130,7 +4099,15 @@
           <a:p>
             <a:r>
               <a:rPr lang="en-US" dirty="0" smtClean="0"/>
-              <a:t>No, really.  Here’s the list.</a:t>
+              <a:t>What sucks about </a:t>
+            </a:r>
+            <a:r>
+              <a:rPr lang="en-US" dirty="0" err="1" smtClean="0"/>
+              <a:t>AngularJS</a:t>
+            </a:r>
+            <a:r>
+              <a:rPr lang="en-US" dirty="0" smtClean="0"/>
+              <a:t>?</a:t>
             </a:r>
             <a:endParaRPr lang="en-US" dirty="0"/>
           </a:p>
@@ -4139,13 +4116,20 @@
     </p:spTree>
     <p:extLst>
       <p:ext uri="{BB962C8B-B14F-4D97-AF65-F5344CB8AC3E}">
-        <p14:creationId xmlns:p14="http://schemas.microsoft.com/office/powerpoint/2010/main" val="3579367799"/>
+        <p14:creationId xmlns:p14="http://schemas.microsoft.com/office/powerpoint/2010/main" val="3567775276"/>
       </p:ext>
     </p:extLst>
   </p:cSld>
   <p:clrMapOvr>
     <a:masterClrMapping/>
   </p:clrMapOvr>
+  <p:timing>
+    <p:tnLst>
+      <p:par>
+        <p:cTn id="1" dur="indefinite" restart="never" nodeType="tmRoot"/>
+      </p:par>
+    </p:tnLst>
+  </p:timing>
 </p:sld>
 </file>
 
@@ -4178,138 +4162,53 @@
         </p:nvSpPr>
         <p:spPr/>
         <p:txBody>
-          <a:bodyPr>
-            <a:normAutofit/>
-          </a:bodyPr>
-          <a:lstStyle/>
-          <a:p>
-            <a:r>
-              <a:rPr lang="en-US" dirty="0" smtClean="0"/>
-              <a:t>Official site: </a:t>
+          <a:bodyPr/>
+          <a:lstStyle/>
+          <a:p>
+            <a:r>
+              <a:rPr lang="en-US" dirty="0" smtClean="0"/>
+              <a:t>Could be more mature.  It’s fairly new.</a:t>
+            </a:r>
+          </a:p>
+          <a:p>
+            <a:r>
+              <a:rPr lang="en-US" dirty="0" smtClean="0"/>
+              <a:t>Docs are pretty bad in some areas.  Filled with examples that don’t follow best practice.  Some areas are simply incomplete.  Really, they’re horrible.  (I did read they are in the process of redoing them all, though)</a:t>
+            </a:r>
+          </a:p>
+          <a:p>
+            <a:r>
+              <a:rPr lang="en-US" dirty="0" smtClean="0"/>
+              <a:t>Some things are magic that will be hard to debug if you do them wrong</a:t>
+            </a:r>
+          </a:p>
+          <a:p>
+            <a:r>
+              <a:rPr lang="en-US" dirty="0" smtClean="0"/>
+              <a:t>Standard way of doing things is hard to find</a:t>
+            </a:r>
+          </a:p>
+          <a:p>
+            <a:r>
+              <a:rPr lang="en-US" dirty="0" smtClean="0"/>
+              <a:t>Performance is subpar compared to other similar platforms (but really, they’re all extremely fast) (source: </a:t>
+            </a:r>
+            <a:r>
+              <a:rPr lang="en-US" dirty="0">
+                <a:hlinkClick r:id="rId2"/>
+              </a:rPr>
+              <a:t>http://</a:t>
             </a:r>
             <a:r>
               <a:rPr lang="en-US" dirty="0" smtClean="0">
                 <a:hlinkClick r:id="rId2"/>
               </a:rPr>
-              <a:t>http://angularjs.org/</a:t>
-            </a:r>
-            <a:endParaRPr lang="en-US" dirty="0" smtClean="0"/>
-          </a:p>
-          <a:p>
-            <a:r>
-              <a:rPr lang="en-US" dirty="0" smtClean="0"/>
-              <a:t>Official blog: </a:t>
-            </a:r>
-            <a:r>
-              <a:rPr lang="en-US" dirty="0" smtClean="0">
-                <a:hlinkClick r:id="rId3"/>
-              </a:rPr>
-              <a:t>http://blog.angularjs.org/</a:t>
-            </a:r>
-            <a:endParaRPr lang="en-US" dirty="0" smtClean="0"/>
-          </a:p>
-          <a:p>
-            <a:r>
-              <a:rPr lang="en-US" dirty="0" err="1" smtClean="0"/>
-              <a:t>Github</a:t>
-            </a:r>
-            <a:r>
-              <a:rPr lang="en-US" dirty="0" smtClean="0"/>
-              <a:t> seed: </a:t>
-            </a:r>
-            <a:r>
-              <a:rPr lang="en-US" dirty="0" smtClean="0">
-                <a:hlinkClick r:id="rId4"/>
-              </a:rPr>
-              <a:t>https://github.com/angular/angular-seed</a:t>
-            </a:r>
-            <a:endParaRPr lang="en-US" dirty="0" smtClean="0"/>
-          </a:p>
-          <a:p>
-            <a:r>
-              <a:rPr lang="en-US" dirty="0" err="1" smtClean="0"/>
-              <a:t>Batarang</a:t>
-            </a:r>
-            <a:r>
-              <a:rPr lang="en-US" dirty="0" smtClean="0"/>
-              <a:t>: </a:t>
-            </a:r>
-            <a:r>
-              <a:rPr lang="en-US" dirty="0" smtClean="0">
-                <a:hlinkClick r:id="rId5"/>
-              </a:rPr>
-              <a:t>https://chrome.google.com/webstore/detail/angularjs-batarang/ighdmehidhipcmcojjgiloacoafjmpfk?hl=en</a:t>
-            </a:r>
-            <a:endParaRPr lang="en-US" dirty="0" smtClean="0"/>
-          </a:p>
-          <a:p>
-            <a:r>
-              <a:rPr lang="en-US" dirty="0" smtClean="0"/>
-              <a:t>Scope: </a:t>
-            </a:r>
-            <a:r>
-              <a:rPr lang="en-US" dirty="0" smtClean="0">
-                <a:hlinkClick r:id="rId6"/>
-              </a:rPr>
-              <a:t>http://thenittygritty.co/angularjs-pitfalls-using-scopes</a:t>
-            </a:r>
-            <a:endParaRPr lang="en-US" dirty="0" smtClean="0"/>
-          </a:p>
-          <a:p>
-            <a:r>
-              <a:rPr lang="en-US" dirty="0" smtClean="0"/>
-              <a:t>Cheat sheet: </a:t>
-            </a:r>
-            <a:r>
-              <a:rPr lang="en-US" dirty="0" smtClean="0">
-                <a:hlinkClick r:id="rId7"/>
-              </a:rPr>
-              <a:t>http://www.cheatography.com/proloser/cheat-sheets/angularjs/</a:t>
-            </a:r>
-            <a:endParaRPr lang="en-US" dirty="0" smtClean="0"/>
-          </a:p>
-          <a:p>
-            <a:r>
-              <a:rPr lang="en-US" dirty="0" err="1" smtClean="0"/>
-              <a:t>Dev</a:t>
-            </a:r>
-            <a:r>
-              <a:rPr lang="en-US" dirty="0" smtClean="0"/>
-              <a:t> approach: </a:t>
-            </a:r>
-            <a:r>
-              <a:rPr lang="en-US" dirty="0" smtClean="0">
-                <a:hlinkClick r:id="rId8"/>
-              </a:rPr>
-              <a:t>http://stackoverflow.com/questions/14994391/how-do-i-think-in-angularjs-if-i-have-a-jquery-background</a:t>
-            </a:r>
-            <a:endParaRPr lang="en-US" dirty="0" smtClean="0"/>
-          </a:p>
-          <a:p>
-            <a:r>
-              <a:rPr lang="en-US" dirty="0" smtClean="0"/>
-              <a:t>Screencasts: </a:t>
-            </a:r>
-            <a:r>
-              <a:rPr lang="en-US" dirty="0" smtClean="0">
-                <a:hlinkClick r:id="rId9"/>
-              </a:rPr>
-              <a:t>http://www.egghead.io/</a:t>
-            </a:r>
-            <a:endParaRPr lang="en-US" dirty="0" smtClean="0"/>
-          </a:p>
-          <a:p>
-            <a:r>
-              <a:rPr lang="en-US" dirty="0" smtClean="0"/>
-              <a:t>Scrum App: </a:t>
-            </a:r>
-            <a:r>
-              <a:rPr lang="en-US" dirty="0">
-                <a:hlinkClick r:id="rId10"/>
-              </a:rPr>
-              <a:t>https://github.com/kevinkemp/Angular-Scrum</a:t>
-            </a:r>
-            <a:endParaRPr lang="en-US" dirty="0" smtClean="0"/>
+              <a:t>stackoverflow.com/questions/9682092/databinding-in-angularjs</a:t>
+            </a:r>
+            <a:r>
+              <a:rPr lang="en-US" dirty="0" smtClean="0"/>
+              <a:t>)</a:t>
+            </a:r>
           </a:p>
         </p:txBody>
       </p:sp>
@@ -4330,7 +4229,7 @@
           <a:p>
             <a:r>
               <a:rPr lang="en-US" dirty="0" smtClean="0"/>
-              <a:t>Where can I learn more?</a:t>
+              <a:t>No, really.  Here’s the list.</a:t>
             </a:r>
             <a:endParaRPr lang="en-US" dirty="0"/>
           </a:p>
@@ -4339,13 +4238,20 @@
     </p:spTree>
     <p:extLst>
       <p:ext uri="{BB962C8B-B14F-4D97-AF65-F5344CB8AC3E}">
-        <p14:creationId xmlns:p14="http://schemas.microsoft.com/office/powerpoint/2010/main" val="1698817871"/>
+        <p14:creationId xmlns:p14="http://schemas.microsoft.com/office/powerpoint/2010/main" val="3579367799"/>
       </p:ext>
     </p:extLst>
   </p:cSld>
   <p:clrMapOvr>
     <a:masterClrMapping/>
   </p:clrMapOvr>
+  <p:timing>
+    <p:tnLst>
+      <p:par>
+        <p:cTn id="1" dur="indefinite" restart="never" nodeType="tmRoot"/>
+      </p:par>
+    </p:tnLst>
+  </p:timing>
 </p:sld>
 </file>
 
@@ -4378,18 +4284,269 @@
         </p:nvSpPr>
         <p:spPr/>
         <p:txBody>
-          <a:bodyPr/>
-          <a:lstStyle/>
-          <a:p>
-            <a:r>
-              <a:rPr lang="en-US" dirty="0" smtClean="0"/>
-              <a:t>No.</a:t>
-            </a:r>
-          </a:p>
-          <a:p>
-            <a:r>
-              <a:rPr lang="en-US" dirty="0" smtClean="0"/>
-              <a:t>Just kidding.  Here it is, on my </a:t>
+          <a:bodyPr>
+            <a:normAutofit fontScale="92500" lnSpcReduction="20000"/>
+          </a:bodyPr>
+          <a:lstStyle/>
+          <a:p>
+            <a:r>
+              <a:rPr lang="en-US" dirty="0" smtClean="0"/>
+              <a:t>Official site: </a:t>
+            </a:r>
+            <a:r>
+              <a:rPr lang="en-US" dirty="0" smtClean="0">
+                <a:hlinkClick r:id="rId2"/>
+              </a:rPr>
+              <a:t>http://angularjs.org/</a:t>
+            </a:r>
+            <a:endParaRPr lang="en-US" dirty="0" smtClean="0"/>
+          </a:p>
+          <a:p>
+            <a:r>
+              <a:rPr lang="en-US" dirty="0" smtClean="0"/>
+              <a:t>Official blog: </a:t>
+            </a:r>
+            <a:r>
+              <a:rPr lang="en-US" dirty="0" smtClean="0">
+                <a:hlinkClick r:id="rId3"/>
+              </a:rPr>
+              <a:t>http://blog.angularjs.org/</a:t>
+            </a:r>
+            <a:endParaRPr lang="en-US" dirty="0" smtClean="0"/>
+          </a:p>
+          <a:p>
+            <a:r>
+              <a:rPr lang="en-US" dirty="0" err="1" smtClean="0"/>
+              <a:t>Github</a:t>
+            </a:r>
+            <a:r>
+              <a:rPr lang="en-US" dirty="0" smtClean="0"/>
+              <a:t> seed: </a:t>
+            </a:r>
+            <a:r>
+              <a:rPr lang="en-US" dirty="0" smtClean="0">
+                <a:hlinkClick r:id="rId4"/>
+              </a:rPr>
+              <a:t>https://github.com/angular/angular-seed</a:t>
+            </a:r>
+            <a:endParaRPr lang="en-US" dirty="0" smtClean="0"/>
+          </a:p>
+          <a:p>
+            <a:r>
+              <a:rPr lang="en-US" dirty="0" err="1" smtClean="0"/>
+              <a:t>Batarang</a:t>
+            </a:r>
+            <a:r>
+              <a:rPr lang="en-US" dirty="0" smtClean="0"/>
+              <a:t>: </a:t>
+            </a:r>
+            <a:r>
+              <a:rPr lang="en-US" dirty="0" smtClean="0">
+                <a:hlinkClick r:id="rId5"/>
+              </a:rPr>
+              <a:t>https://chrome.google.com/webstore/detail/angularjs-batarang/ighdmehidhipcmcojjgiloacoafjmpfk?hl=en</a:t>
+            </a:r>
+            <a:endParaRPr lang="en-US" dirty="0" smtClean="0"/>
+          </a:p>
+          <a:p>
+            <a:r>
+              <a:rPr lang="en-US" dirty="0" smtClean="0"/>
+              <a:t>Cheat sheet: </a:t>
+            </a:r>
+            <a:r>
+              <a:rPr lang="en-US" dirty="0" smtClean="0">
+                <a:hlinkClick r:id="rId6"/>
+              </a:rPr>
+              <a:t>http://www.cheatography.com/proloser/cheat-sheets/angularjs/</a:t>
+            </a:r>
+            <a:endParaRPr lang="en-US" dirty="0" smtClean="0"/>
+          </a:p>
+          <a:p>
+            <a:r>
+              <a:rPr lang="en-US" dirty="0" err="1" smtClean="0"/>
+              <a:t>Dev</a:t>
+            </a:r>
+            <a:r>
+              <a:rPr lang="en-US" dirty="0" smtClean="0"/>
+              <a:t> approach: </a:t>
+            </a:r>
+            <a:r>
+              <a:rPr lang="en-US" dirty="0" smtClean="0">
+                <a:hlinkClick r:id="rId7"/>
+              </a:rPr>
+              <a:t>http://stackoverflow.com/questions/14994391/how-do-i-think-in-angularjs-if-i-have-a-jquery-background</a:t>
+            </a:r>
+            <a:endParaRPr lang="en-US" dirty="0" smtClean="0"/>
+          </a:p>
+          <a:p>
+            <a:r>
+              <a:rPr lang="en-US" b="1" dirty="0" smtClean="0"/>
+              <a:t>Screencasts</a:t>
+            </a:r>
+            <a:r>
+              <a:rPr lang="en-US" dirty="0" smtClean="0"/>
+              <a:t>: </a:t>
+            </a:r>
+            <a:r>
+              <a:rPr lang="en-US" dirty="0" smtClean="0">
+                <a:hlinkClick r:id="rId8"/>
+              </a:rPr>
+              <a:t>http://www.egghead.io/</a:t>
+            </a:r>
+            <a:endParaRPr lang="en-US" dirty="0" smtClean="0"/>
+          </a:p>
+          <a:p>
+            <a:r>
+              <a:rPr lang="en-US" dirty="0" smtClean="0"/>
+              <a:t>Scrum App: </a:t>
+            </a:r>
+            <a:r>
+              <a:rPr lang="en-US" dirty="0">
+                <a:hlinkClick r:id="rId9"/>
+              </a:rPr>
+              <a:t>https://</a:t>
+            </a:r>
+            <a:r>
+              <a:rPr lang="en-US" dirty="0" smtClean="0">
+                <a:hlinkClick r:id="rId9"/>
+              </a:rPr>
+              <a:t>github.com/kevinkemp/Angular-Scrum</a:t>
+            </a:r>
+            <a:endParaRPr lang="en-US" dirty="0" smtClean="0"/>
+          </a:p>
+          <a:p>
+            <a:r>
+              <a:rPr lang="en-US" dirty="0"/>
+              <a:t>Scope: </a:t>
+            </a:r>
+            <a:r>
+              <a:rPr lang="en-US" dirty="0">
+                <a:hlinkClick r:id="rId10"/>
+              </a:rPr>
+              <a:t>http://thenittygritty.co/angularjs-pitfalls-using-scopes</a:t>
+            </a:r>
+            <a:endParaRPr lang="en-US" dirty="0"/>
+          </a:p>
+          <a:p>
+            <a:r>
+              <a:rPr lang="en-US" dirty="0" smtClean="0"/>
+              <a:t>Dirty Checking: </a:t>
+            </a:r>
+            <a:r>
+              <a:rPr lang="en-US" dirty="0">
+                <a:hlinkClick r:id="rId11"/>
+              </a:rPr>
+              <a:t>http://</a:t>
+            </a:r>
+            <a:r>
+              <a:rPr lang="en-US" dirty="0" smtClean="0">
+                <a:hlinkClick r:id="rId11"/>
+              </a:rPr>
+              <a:t>stackoverflow.com/questions/9682092/databinding-in-angularjs</a:t>
+            </a:r>
+            <a:endParaRPr lang="en-US" dirty="0" smtClean="0"/>
+          </a:p>
+          <a:p>
+            <a:r>
+              <a:rPr lang="en-US" b="1" dirty="0" smtClean="0"/>
+              <a:t>Directives</a:t>
+            </a:r>
+            <a:r>
+              <a:rPr lang="en-US" dirty="0" smtClean="0"/>
+              <a:t>: </a:t>
+            </a:r>
+            <a:r>
+              <a:rPr lang="en-US" dirty="0">
+                <a:hlinkClick r:id="rId12"/>
+              </a:rPr>
+              <a:t>http://amitgharat.wordpress.com/2013/06/08/the-hitchhikers-guide-to-the-directive/</a:t>
+            </a:r>
+            <a:endParaRPr lang="en-US" dirty="0" smtClean="0"/>
+          </a:p>
+        </p:txBody>
+      </p:sp>
+      <p:sp>
+        <p:nvSpPr>
+          <p:cNvPr id="2" name="Title 1"/>
+          <p:cNvSpPr>
+            <a:spLocks noGrp="1"/>
+          </p:cNvSpPr>
+          <p:nvPr>
+            <p:ph type="title"/>
+          </p:nvPr>
+        </p:nvSpPr>
+        <p:spPr/>
+        <p:txBody>
+          <a:bodyPr/>
+          <a:lstStyle/>
+          <a:p>
+            <a:r>
+              <a:rPr lang="en-US" dirty="0" smtClean="0"/>
+              <a:t>Where can I learn more?</a:t>
+            </a:r>
+            <a:endParaRPr lang="en-US" dirty="0"/>
+          </a:p>
+        </p:txBody>
+      </p:sp>
+    </p:spTree>
+    <p:extLst>
+      <p:ext uri="{BB962C8B-B14F-4D97-AF65-F5344CB8AC3E}">
+        <p14:creationId xmlns:p14="http://schemas.microsoft.com/office/powerpoint/2010/main" val="1698817871"/>
+      </p:ext>
+    </p:extLst>
+  </p:cSld>
+  <p:clrMapOvr>
+    <a:masterClrMapping/>
+  </p:clrMapOvr>
+  <p:timing>
+    <p:tnLst>
+      <p:par>
+        <p:cTn id="1" dur="indefinite" restart="never" nodeType="tmRoot"/>
+      </p:par>
+    </p:tnLst>
+  </p:timing>
+</p:sld>
+</file>
+
+<file path=ppt/slides/slide13.xml><?xml version="1.0" encoding="utf-8"?>
+<p:sld xmlns:a="http://schemas.openxmlformats.org/drawingml/2006/main" xmlns:r="http://schemas.openxmlformats.org/officeDocument/2006/relationships" xmlns:p="http://schemas.openxmlformats.org/presentationml/2006/main">
+  <p:cSld>
+    <p:spTree>
+      <p:nvGrpSpPr>
+        <p:cNvPr id="1" name=""/>
+        <p:cNvGrpSpPr/>
+        <p:nvPr/>
+      </p:nvGrpSpPr>
+      <p:grpSpPr>
+        <a:xfrm>
+          <a:off x="0" y="0"/>
+          <a:ext cx="0" cy="0"/>
+          <a:chOff x="0" y="0"/>
+          <a:chExt cx="0" cy="0"/>
+        </a:xfrm>
+      </p:grpSpPr>
+      <p:sp>
+        <p:nvSpPr>
+          <p:cNvPr id="3" name="Content Placeholder 2"/>
+          <p:cNvSpPr>
+            <a:spLocks noGrp="1"/>
+          </p:cNvSpPr>
+          <p:nvPr>
+            <p:ph sz="quarter" idx="13"/>
+          </p:nvPr>
+        </p:nvSpPr>
+        <p:spPr/>
+        <p:txBody>
+          <a:bodyPr/>
+          <a:lstStyle/>
+          <a:p>
+            <a:r>
+              <a:rPr lang="en-US" dirty="0" smtClean="0"/>
+              <a:t>Here </a:t>
+            </a:r>
+            <a:r>
+              <a:rPr lang="en-US" dirty="0" smtClean="0"/>
+              <a:t>it is, on my </a:t>
             </a:r>
             <a:r>
               <a:rPr lang="en-US" dirty="0" err="1" smtClean="0"/>
@@ -4447,6 +4604,13 @@
   <p:clrMapOvr>
     <a:masterClrMapping/>
   </p:clrMapOvr>
+  <p:timing>
+    <p:tnLst>
+      <p:par>
+        <p:cTn id="1" dur="indefinite" restart="never" nodeType="tmRoot"/>
+      </p:par>
+    </p:tnLst>
+  </p:timing>
 </p:sld>
 </file>
 
@@ -4469,7 +4633,7 @@
       </p:grpSpPr>
       <p:sp>
         <p:nvSpPr>
-          <p:cNvPr id="3" name="Content Placeholder 2"/>
+          <p:cNvPr id="2" name="Content Placeholder 1"/>
           <p:cNvSpPr>
             <a:spLocks noGrp="1"/>
           </p:cNvSpPr>
@@ -4482,65 +4646,29 @@
           <a:bodyPr/>
           <a:lstStyle/>
           <a:p>
+            <a:r>
+              <a:rPr lang="en-US" dirty="0" smtClean="0"/>
+              <a:t>Answer these questions:</a:t>
+            </a:r>
+          </a:p>
+          <a:p>
+            <a:r>
+              <a:rPr lang="en-US" dirty="0" smtClean="0"/>
+              <a:t>What is </a:t>
+            </a:r>
             <a:r>
               <a:rPr lang="en-US" dirty="0" err="1" smtClean="0"/>
               <a:t>AngularJS</a:t>
             </a:r>
             <a:r>
               <a:rPr lang="en-US" dirty="0" smtClean="0"/>
-              <a:t> is a super heroic </a:t>
-            </a:r>
-            <a:r>
-              <a:rPr lang="en-US" dirty="0" err="1" smtClean="0"/>
-              <a:t>Javascript</a:t>
-            </a:r>
-            <a:r>
-              <a:rPr lang="en-US" dirty="0" smtClean="0"/>
-              <a:t> MVVM framework written by Google.  No, seriously.</a:t>
-            </a:r>
-            <a:endParaRPr lang="en-US" dirty="0"/>
-          </a:p>
-          <a:p>
-            <a:r>
-              <a:rPr lang="en-US" dirty="0"/>
-              <a:t>Single Page Application (SPA) framework</a:t>
-            </a:r>
-            <a:r>
-              <a:rPr lang="en-US" dirty="0" smtClean="0"/>
-              <a:t>.</a:t>
-            </a:r>
-          </a:p>
-          <a:p>
-            <a:r>
-              <a:rPr lang="en-US" dirty="0" smtClean="0"/>
-              <a:t>Server </a:t>
-            </a:r>
-            <a:r>
-              <a:rPr lang="en-US" dirty="0" smtClean="0"/>
-              <a:t>side interaction only needed to download your “app”.  Typically, there will probably be some interaction with web services, but not necessary depending on the application.</a:t>
-            </a:r>
-            <a:endParaRPr lang="en-US" dirty="0"/>
-          </a:p>
-        </p:txBody>
-      </p:sp>
-      <p:sp>
-        <p:nvSpPr>
-          <p:cNvPr id="2" name="Title 1"/>
-          <p:cNvSpPr>
-            <a:spLocks noGrp="1"/>
-          </p:cNvSpPr>
-          <p:nvPr>
-            <p:ph type="title"/>
-          </p:nvPr>
-        </p:nvSpPr>
-        <p:spPr/>
-        <p:txBody>
-          <a:bodyPr/>
-          <a:lstStyle/>
-          <a:p>
-            <a:r>
-              <a:rPr lang="en-US" dirty="0" smtClean="0"/>
-              <a:t>What is </a:t>
+              <a:t>?</a:t>
+            </a:r>
+          </a:p>
+          <a:p>
+            <a:r>
+              <a:rPr lang="en-US" dirty="0" smtClean="0"/>
+              <a:t>Why should I care about </a:t>
             </a:r>
             <a:r>
               <a:rPr lang="en-US" dirty="0" err="1" smtClean="0"/>
@@ -4549,6 +4677,41 @@
             <a:r>
               <a:rPr lang="en-US" dirty="0" smtClean="0"/>
               <a:t>?</a:t>
+            </a:r>
+          </a:p>
+          <a:p>
+            <a:r>
+              <a:rPr lang="en-US" dirty="0" smtClean="0"/>
+              <a:t>What competitors are out there?</a:t>
+            </a:r>
+          </a:p>
+          <a:p>
+            <a:r>
+              <a:rPr lang="en-US" dirty="0" smtClean="0"/>
+              <a:t>When should I use it?</a:t>
+            </a:r>
+            <a:endParaRPr lang="en-US" dirty="0"/>
+          </a:p>
+        </p:txBody>
+      </p:sp>
+      <p:sp>
+        <p:nvSpPr>
+          <p:cNvPr id="3" name="Title 2"/>
+          <p:cNvSpPr>
+            <a:spLocks noGrp="1"/>
+          </p:cNvSpPr>
+          <p:nvPr>
+            <p:ph type="title"/>
+          </p:nvPr>
+        </p:nvSpPr>
+        <p:spPr/>
+        <p:txBody>
+          <a:bodyPr/>
+          <a:lstStyle/>
+          <a:p>
+            <a:r>
+              <a:rPr lang="en-US" dirty="0" smtClean="0"/>
+              <a:t>Goals</a:t>
             </a:r>
             <a:endParaRPr lang="en-US" dirty="0"/>
           </a:p>
@@ -4557,7 +4720,7 @@
     </p:spTree>
     <p:extLst>
       <p:ext uri="{BB962C8B-B14F-4D97-AF65-F5344CB8AC3E}">
-        <p14:creationId xmlns:p14="http://schemas.microsoft.com/office/powerpoint/2010/main" val="1753174930"/>
+        <p14:creationId xmlns:p14="http://schemas.microsoft.com/office/powerpoint/2010/main" val="2926996553"/>
       </p:ext>
     </p:extLst>
   </p:cSld>
@@ -4600,14 +4763,12 @@
           <a:lstStyle/>
           <a:p>
             <a:r>
-              <a:rPr lang="en-US" dirty="0" smtClean="0"/>
-              <a:t>An application with only a single page, duh.</a:t>
-            </a:r>
-          </a:p>
-          <a:p>
-            <a:r>
-              <a:rPr lang="en-US" dirty="0" smtClean="0"/>
-              <a:t>Runs completely client side (</a:t>
+              <a:rPr lang="en-US" dirty="0" err="1" smtClean="0"/>
+              <a:t>AngularJS</a:t>
+            </a:r>
+            <a:r>
+              <a:rPr lang="en-US" dirty="0" smtClean="0"/>
+              <a:t> is a super heroic </a:t>
             </a:r>
             <a:r>
               <a:rPr lang="en-US" dirty="0" err="1" smtClean="0"/>
@@ -4615,23 +4776,19 @@
             </a:r>
             <a:r>
               <a:rPr lang="en-US" dirty="0" smtClean="0"/>
-              <a:t>)</a:t>
-            </a:r>
-          </a:p>
-          <a:p>
-            <a:r>
-              <a:rPr lang="en-US" dirty="0" smtClean="0"/>
-              <a:t>Canonical example: the TO-DO app</a:t>
-            </a:r>
-          </a:p>
-          <a:p>
-            <a:r>
-              <a:rPr lang="en-US" dirty="0">
-                <a:hlinkClick r:id="rId2"/>
-              </a:rPr>
-              <a:t>http://todomvc.com/architecture-examples/angularjs/</a:t>
-            </a:r>
-            <a:endParaRPr lang="en-US" dirty="0" smtClean="0"/>
+              <a:t> MVVM framework written by Google.  No, seriously.</a:t>
+            </a:r>
+            <a:endParaRPr lang="en-US" dirty="0"/>
+          </a:p>
+          <a:p>
+            <a:r>
+              <a:rPr lang="en-US" dirty="0"/>
+              <a:t>Single Page Application (SPA) framework</a:t>
+            </a:r>
+            <a:r>
+              <a:rPr lang="en-US" dirty="0" smtClean="0"/>
+              <a:t>.</a:t>
+            </a:r>
           </a:p>
         </p:txBody>
       </p:sp>
@@ -4652,7 +4809,15 @@
           <a:p>
             <a:r>
               <a:rPr lang="en-US" dirty="0" smtClean="0"/>
-              <a:t>What is a SPA?</a:t>
+              <a:t>What is </a:t>
+            </a:r>
+            <a:r>
+              <a:rPr lang="en-US" dirty="0" err="1" smtClean="0"/>
+              <a:t>AngularJS</a:t>
+            </a:r>
+            <a:r>
+              <a:rPr lang="en-US" dirty="0" smtClean="0"/>
+              <a:t>?</a:t>
             </a:r>
             <a:endParaRPr lang="en-US" dirty="0"/>
           </a:p>
@@ -4661,7 +4826,7 @@
     </p:spTree>
     <p:extLst>
       <p:ext uri="{BB962C8B-B14F-4D97-AF65-F5344CB8AC3E}">
-        <p14:creationId xmlns:p14="http://schemas.microsoft.com/office/powerpoint/2010/main" val="2028831113"/>
+        <p14:creationId xmlns:p14="http://schemas.microsoft.com/office/powerpoint/2010/main" val="1753174930"/>
       </p:ext>
     </p:extLst>
   </p:cSld>
@@ -4700,44 +4865,48 @@
         </p:nvSpPr>
         <p:spPr/>
         <p:txBody>
-          <a:bodyPr>
-            <a:normAutofit/>
-          </a:bodyPr>
-          <a:lstStyle/>
-          <a:p>
-            <a:r>
-              <a:rPr lang="en-US" dirty="0" smtClean="0"/>
-              <a:t>Web pages that respond like native applications</a:t>
-            </a:r>
-          </a:p>
-          <a:p>
-            <a:r>
-              <a:rPr lang="en-US" dirty="0" smtClean="0"/>
-              <a:t>Client-side routing</a:t>
-            </a:r>
-          </a:p>
-          <a:p>
-            <a:r>
-              <a:rPr lang="en-US" dirty="0" smtClean="0"/>
-              <a:t>Can function better than traditional web pages with intermittent connectivity (mobile)</a:t>
-            </a:r>
-          </a:p>
-          <a:p>
-            <a:r>
-              <a:rPr lang="en-US" dirty="0" smtClean="0"/>
-              <a:t>Clients are getting beefier</a:t>
-            </a:r>
-          </a:p>
-          <a:p>
+          <a:bodyPr/>
+          <a:lstStyle/>
+          <a:p>
+            <a:r>
+              <a:rPr lang="en-US" dirty="0" smtClean="0"/>
+              <a:t>A web application with only a single page, duh.</a:t>
+            </a:r>
+          </a:p>
+          <a:p>
+            <a:r>
+              <a:rPr lang="en-US" dirty="0"/>
+              <a:t>Server side interaction only needed to download your “app”.  Typically, there will probably be some interaction with web services, but not necessary depending on the application.</a:t>
+            </a:r>
+          </a:p>
+          <a:p>
+            <a:r>
+              <a:rPr lang="en-US" dirty="0" smtClean="0"/>
+              <a:t>Runs completely client side (</a:t>
+            </a:r>
             <a:r>
               <a:rPr lang="en-US" dirty="0" err="1" smtClean="0"/>
               <a:t>Javascript</a:t>
             </a:r>
             <a:r>
               <a:rPr lang="en-US" dirty="0" smtClean="0"/>
-              <a:t> provides short feedback loops</a:t>
-            </a:r>
-            <a:endParaRPr lang="en-US" dirty="0"/>
+              <a:t>)</a:t>
+            </a:r>
+          </a:p>
+          <a:p>
+            <a:r>
+              <a:rPr lang="en-US" dirty="0" smtClean="0"/>
+              <a:t>Canonical example: the TO-DO app</a:t>
+            </a:r>
+          </a:p>
+          <a:p>
+            <a:r>
+              <a:rPr lang="en-US" dirty="0">
+                <a:hlinkClick r:id="rId2"/>
+              </a:rPr>
+              <a:t>http://todomvc.com/architecture-examples/angularjs/</a:t>
+            </a:r>
+            <a:endParaRPr lang="en-US" dirty="0" smtClean="0"/>
           </a:p>
         </p:txBody>
       </p:sp>
@@ -4758,7 +4927,7 @@
           <a:p>
             <a:r>
               <a:rPr lang="en-US" dirty="0" smtClean="0"/>
-              <a:t>Why should I care?</a:t>
+              <a:t>What is a SPA?</a:t>
             </a:r>
             <a:endParaRPr lang="en-US" dirty="0"/>
           </a:p>
@@ -4767,7 +4936,7 @@
     </p:spTree>
     <p:extLst>
       <p:ext uri="{BB962C8B-B14F-4D97-AF65-F5344CB8AC3E}">
-        <p14:creationId xmlns:p14="http://schemas.microsoft.com/office/powerpoint/2010/main" val="106916934"/>
+        <p14:creationId xmlns:p14="http://schemas.microsoft.com/office/powerpoint/2010/main" val="2028831113"/>
       </p:ext>
     </p:extLst>
   </p:cSld>
@@ -4806,28 +4975,43 @@
         </p:nvSpPr>
         <p:spPr/>
         <p:txBody>
-          <a:bodyPr/>
-          <a:lstStyle/>
-          <a:p>
-            <a:r>
-              <a:rPr lang="en-US" dirty="0" smtClean="0"/>
-              <a:t>Backbone (very minimalist… not a comparable feature set)</a:t>
+          <a:bodyPr>
+            <a:normAutofit/>
+          </a:bodyPr>
+          <a:lstStyle/>
+          <a:p>
+            <a:r>
+              <a:rPr lang="en-US" dirty="0" smtClean="0"/>
+              <a:t>Web pages that respond like native applications</a:t>
+            </a:r>
+          </a:p>
+          <a:p>
+            <a:r>
+              <a:rPr lang="en-US" dirty="0" smtClean="0"/>
+              <a:t>Client-side routing</a:t>
+            </a:r>
+          </a:p>
+          <a:p>
+            <a:r>
+              <a:rPr lang="en-US" dirty="0" smtClean="0"/>
+              <a:t>Can function better than traditional web pages with intermittent connectivity (mobile)</a:t>
             </a:r>
           </a:p>
           <a:p>
             <a:r>
               <a:rPr lang="en-US" dirty="0" err="1" smtClean="0"/>
-              <a:t>EmberJS</a:t>
+              <a:t>Javascript</a:t>
+            </a:r>
+            <a:r>
+              <a:rPr lang="en-US" dirty="0" smtClean="0"/>
+              <a:t> </a:t>
+            </a:r>
+            <a:r>
+              <a:rPr lang="en-US" dirty="0" smtClean="0"/>
+              <a:t>provides short feedback loops</a:t>
             </a:r>
             <a:endParaRPr lang="en-US" dirty="0"/>
           </a:p>
-          <a:p>
-            <a:r>
-              <a:rPr lang="en-US" dirty="0" smtClean="0"/>
-              <a:t>Lots of others</a:t>
-            </a:r>
-            <a:endParaRPr lang="en-US" dirty="0"/>
-          </a:p>
         </p:txBody>
       </p:sp>
       <p:sp>
@@ -4842,14 +5026,12 @@
         </p:nvSpPr>
         <p:spPr/>
         <p:txBody>
-          <a:bodyPr>
-            <a:normAutofit fontScale="90000"/>
-          </a:bodyPr>
-          <a:lstStyle/>
-          <a:p>
-            <a:r>
-              <a:rPr lang="en-US" dirty="0" smtClean="0"/>
-              <a:t>But what about other SPA frameworks?</a:t>
+          <a:bodyPr/>
+          <a:lstStyle/>
+          <a:p>
+            <a:r>
+              <a:rPr lang="en-US" dirty="0" smtClean="0"/>
+              <a:t>Why should I care?</a:t>
             </a:r>
             <a:endParaRPr lang="en-US" dirty="0"/>
           </a:p>
@@ -4858,7 +5040,7 @@
     </p:spTree>
     <p:extLst>
       <p:ext uri="{BB962C8B-B14F-4D97-AF65-F5344CB8AC3E}">
-        <p14:creationId xmlns:p14="http://schemas.microsoft.com/office/powerpoint/2010/main" val="3256840093"/>
+        <p14:creationId xmlns:p14="http://schemas.microsoft.com/office/powerpoint/2010/main" val="106916934"/>
       </p:ext>
     </p:extLst>
   </p:cSld>
@@ -4897,95 +5079,50 @@
         </p:nvSpPr>
         <p:spPr/>
         <p:txBody>
+          <a:bodyPr/>
+          <a:lstStyle/>
+          <a:p>
+            <a:r>
+              <a:rPr lang="en-US" dirty="0" smtClean="0"/>
+              <a:t>Backbone (very minimalist… not a comparable feature set)</a:t>
+            </a:r>
+          </a:p>
+          <a:p>
+            <a:r>
+              <a:rPr lang="en-US" dirty="0" err="1" smtClean="0"/>
+              <a:t>EmberJS</a:t>
+            </a:r>
+            <a:endParaRPr lang="en-US" dirty="0"/>
+          </a:p>
+          <a:p>
+            <a:r>
+              <a:rPr lang="en-US" dirty="0" smtClean="0"/>
+              <a:t>Lots of others</a:t>
+            </a:r>
+            <a:endParaRPr lang="en-US" dirty="0"/>
+          </a:p>
+        </p:txBody>
+      </p:sp>
+      <p:sp>
+        <p:nvSpPr>
+          <p:cNvPr id="2" name="Title 1"/>
+          <p:cNvSpPr>
+            <a:spLocks noGrp="1"/>
+          </p:cNvSpPr>
+          <p:nvPr>
+            <p:ph type="title"/>
+          </p:nvPr>
+        </p:nvSpPr>
+        <p:spPr/>
+        <p:txBody>
           <a:bodyPr>
-            <a:normAutofit/>
+            <a:normAutofit fontScale="90000"/>
           </a:bodyPr>
           <a:lstStyle/>
           <a:p>
             <a:r>
               <a:rPr lang="en-US" dirty="0" smtClean="0"/>
-              <a:t>Full stack solution</a:t>
-            </a:r>
-          </a:p>
-          <a:p>
-            <a:r>
-              <a:rPr lang="en-US" dirty="0" smtClean="0"/>
-              <a:t>Built to be testable (dependency injection)</a:t>
-            </a:r>
-          </a:p>
-          <a:p>
-            <a:r>
-              <a:rPr lang="en-US" dirty="0" smtClean="0"/>
-              <a:t>2-way </a:t>
-            </a:r>
-            <a:r>
-              <a:rPr lang="en-US" dirty="0" err="1" smtClean="0"/>
-              <a:t>databinding</a:t>
-            </a:r>
-            <a:r>
-              <a:rPr lang="en-US" dirty="0" smtClean="0"/>
-              <a:t> (with plain old </a:t>
-            </a:r>
-            <a:r>
-              <a:rPr lang="en-US" dirty="0" err="1" smtClean="0"/>
-              <a:t>Javascript</a:t>
-            </a:r>
-            <a:r>
-              <a:rPr lang="en-US" dirty="0" smtClean="0"/>
-              <a:t> objects!)</a:t>
-            </a:r>
-          </a:p>
-          <a:p>
-            <a:r>
-              <a:rPr lang="en-US" dirty="0" smtClean="0"/>
-              <a:t>Can be added to projects</a:t>
-            </a:r>
-            <a:endParaRPr lang="en-US" dirty="0" smtClean="0"/>
-          </a:p>
-          <a:p>
-            <a:r>
-              <a:rPr lang="en-US" dirty="0" smtClean="0"/>
-              <a:t>Small </a:t>
-            </a:r>
-            <a:r>
-              <a:rPr lang="en-US" dirty="0" smtClean="0"/>
-              <a:t>footprint (minified ~80kb)</a:t>
-            </a:r>
-          </a:p>
-          <a:p>
-            <a:r>
-              <a:rPr lang="en-US" dirty="0" smtClean="0"/>
-              <a:t>Popular</a:t>
-            </a:r>
-          </a:p>
-        </p:txBody>
-      </p:sp>
-      <p:sp>
-        <p:nvSpPr>
-          <p:cNvPr id="2" name="Title 1"/>
-          <p:cNvSpPr>
-            <a:spLocks noGrp="1"/>
-          </p:cNvSpPr>
-          <p:nvPr>
-            <p:ph type="title"/>
-          </p:nvPr>
-        </p:nvSpPr>
-        <p:spPr/>
-        <p:txBody>
-          <a:bodyPr/>
-          <a:lstStyle/>
-          <a:p>
-            <a:r>
-              <a:rPr lang="en-US" dirty="0" smtClean="0"/>
-              <a:t>Why </a:t>
-            </a:r>
-            <a:r>
-              <a:rPr lang="en-US" dirty="0" err="1" smtClean="0"/>
-              <a:t>AngularJS</a:t>
-            </a:r>
-            <a:r>
-              <a:rPr lang="en-US" dirty="0" smtClean="0"/>
-              <a:t> then?</a:t>
+              <a:t>But what about other SPA frameworks?</a:t>
             </a:r>
             <a:endParaRPr lang="en-US" dirty="0"/>
           </a:p>
@@ -4994,13 +5131,20 @@
     </p:spTree>
     <p:extLst>
       <p:ext uri="{BB962C8B-B14F-4D97-AF65-F5344CB8AC3E}">
-        <p14:creationId xmlns:p14="http://schemas.microsoft.com/office/powerpoint/2010/main" val="1801816137"/>
+        <p14:creationId xmlns:p14="http://schemas.microsoft.com/office/powerpoint/2010/main" val="3256840093"/>
       </p:ext>
     </p:extLst>
   </p:cSld>
   <p:clrMapOvr>
     <a:masterClrMapping/>
   </p:clrMapOvr>
+  <p:timing>
+    <p:tnLst>
+      <p:par>
+        <p:cTn id="1" dur="indefinite" restart="never" nodeType="tmRoot"/>
+      </p:par>
+    </p:tnLst>
+  </p:timing>
 </p:sld>
 </file>
 
@@ -5023,7 +5167,7 @@
       </p:grpSpPr>
       <p:sp>
         <p:nvSpPr>
-          <p:cNvPr id="2" name="Content Placeholder 1"/>
+          <p:cNvPr id="3" name="Content Placeholder 2"/>
           <p:cNvSpPr>
             <a:spLocks noGrp="1"/>
           </p:cNvSpPr>
@@ -5033,126 +5177,112 @@
         </p:nvSpPr>
         <p:spPr/>
         <p:txBody>
-          <a:bodyPr/>
-          <a:lstStyle/>
-          <a:p>
-            <a:r>
-              <a:rPr lang="en-US" dirty="0"/>
-              <a:t>Re-usable components (</a:t>
-            </a:r>
-            <a:r>
-              <a:rPr lang="en-US" dirty="0" smtClean="0"/>
-              <a:t>directives)</a:t>
+          <a:bodyPr>
+            <a:normAutofit/>
+          </a:bodyPr>
+          <a:lstStyle/>
+          <a:p>
+            <a:r>
+              <a:rPr lang="en-US" dirty="0" smtClean="0"/>
+              <a:t>Full stack solution</a:t>
+            </a:r>
+          </a:p>
+          <a:p>
+            <a:r>
+              <a:rPr lang="en-US" dirty="0" smtClean="0"/>
+              <a:t>Built to be testable (dependency injection)</a:t>
+            </a:r>
+          </a:p>
+          <a:p>
+            <a:r>
+              <a:rPr lang="en-US" dirty="0" smtClean="0"/>
+              <a:t>2-way </a:t>
+            </a:r>
+            <a:r>
+              <a:rPr lang="en-US" dirty="0" err="1" smtClean="0"/>
+              <a:t>databinding</a:t>
+            </a:r>
+            <a:r>
+              <a:rPr lang="en-US" dirty="0" smtClean="0"/>
+              <a:t> (with plain old </a:t>
+            </a:r>
+            <a:r>
+              <a:rPr lang="en-US" dirty="0" err="1" smtClean="0"/>
+              <a:t>Javascript</a:t>
+            </a:r>
+            <a:r>
+              <a:rPr lang="en-US" dirty="0" smtClean="0"/>
+              <a:t> objects!)</a:t>
+            </a:r>
+          </a:p>
+          <a:p>
+            <a:r>
+              <a:rPr lang="en-US" dirty="0" smtClean="0"/>
+              <a:t>Can be added to projects</a:t>
+            </a:r>
+          </a:p>
+          <a:p>
+            <a:r>
+              <a:rPr lang="en-US" dirty="0" smtClean="0"/>
+              <a:t>Small footprint (minified ~80kb)</a:t>
+            </a:r>
+          </a:p>
+          <a:p>
+            <a:r>
+              <a:rPr lang="en-US" dirty="0" smtClean="0"/>
+              <a:t>Popular</a:t>
+            </a:r>
+          </a:p>
+        </p:txBody>
+      </p:sp>
+      <p:sp>
+        <p:nvSpPr>
+          <p:cNvPr id="2" name="Title 1"/>
+          <p:cNvSpPr>
+            <a:spLocks noGrp="1"/>
+          </p:cNvSpPr>
+          <p:nvPr>
+            <p:ph type="title"/>
+          </p:nvPr>
+        </p:nvSpPr>
+        <p:spPr/>
+        <p:txBody>
+          <a:bodyPr/>
+          <a:lstStyle/>
+          <a:p>
+            <a:r>
+              <a:rPr lang="en-US" dirty="0" smtClean="0"/>
+              <a:t>Why </a:t>
+            </a:r>
+            <a:r>
+              <a:rPr lang="en-US" dirty="0" err="1" smtClean="0"/>
+              <a:t>AngularJS</a:t>
+            </a:r>
+            <a:r>
+              <a:rPr lang="en-US" dirty="0" smtClean="0"/>
+              <a:t> then?</a:t>
             </a:r>
             <a:endParaRPr lang="en-US" dirty="0"/>
           </a:p>
-          <a:p>
-            <a:r>
-              <a:rPr lang="en-US" dirty="0"/>
-              <a:t>Declarative </a:t>
-            </a:r>
-            <a:r>
-              <a:rPr lang="en-US" dirty="0" smtClean="0"/>
-              <a:t>HTML (with semantic markup!)</a:t>
-            </a:r>
-            <a:endParaRPr lang="en-US" dirty="0"/>
-          </a:p>
-          <a:p>
-            <a:r>
-              <a:rPr lang="en-US" dirty="0"/>
-              <a:t>Templates don’t feature string </a:t>
-            </a:r>
-            <a:r>
-              <a:rPr lang="en-US" dirty="0" smtClean="0"/>
-              <a:t>manipulation</a:t>
-            </a:r>
-            <a:endParaRPr lang="en-US" dirty="0"/>
-          </a:p>
-        </p:txBody>
-      </p:sp>
-      <p:sp>
-        <p:nvSpPr>
-          <p:cNvPr id="3" name="Title 2"/>
-          <p:cNvSpPr>
-            <a:spLocks noGrp="1"/>
-          </p:cNvSpPr>
-          <p:nvPr>
-            <p:ph type="title"/>
-          </p:nvPr>
-        </p:nvSpPr>
-        <p:spPr/>
-        <p:txBody>
-          <a:bodyPr/>
-          <a:lstStyle/>
-          <a:p>
-            <a:endParaRPr lang="en-US"/>
-          </a:p>
-        </p:txBody>
-      </p:sp>
-      <p:pic>
-        <p:nvPicPr>
-          <p:cNvPr id="1026" name="Picture 2"/>
-          <p:cNvPicPr>
-            <a:picLocks noChangeAspect="1" noChangeArrowheads="1"/>
-          </p:cNvPicPr>
-          <p:nvPr/>
-        </p:nvPicPr>
-        <p:blipFill>
-          <a:blip r:embed="rId2">
-            <a:extLst>
-              <a:ext uri="{28A0092B-C50C-407E-A947-70E740481C1C}">
-                <a14:useLocalDpi xmlns:a14="http://schemas.microsoft.com/office/drawing/2010/main" val="0"/>
-              </a:ext>
-            </a:extLst>
-          </a:blip>
-          <a:srcRect/>
-          <a:stretch>
-            <a:fillRect/>
-          </a:stretch>
-        </p:blipFill>
-        <p:spPr bwMode="auto">
-          <a:xfrm>
-            <a:off x="152400" y="2819400"/>
-            <a:ext cx="8686800" cy="3886200"/>
-          </a:xfrm>
-          <a:prstGeom prst="rect">
-            <a:avLst/>
-          </a:prstGeom>
-          <a:noFill/>
-          <a:ln>
-            <a:noFill/>
-          </a:ln>
-          <a:extLst>
-            <a:ext uri="{909E8E84-426E-40DD-AFC4-6F175D3DCCD1}">
-              <a14:hiddenFill xmlns:a14="http://schemas.microsoft.com/office/drawing/2010/main">
-                <a:solidFill>
-                  <a:schemeClr val="accent1"/>
-                </a:solidFill>
-              </a14:hiddenFill>
-            </a:ext>
-            <a:ext uri="{91240B29-F687-4F45-9708-019B960494DF}">
-              <a14:hiddenLine xmlns:a14="http://schemas.microsoft.com/office/drawing/2010/main" w="9525">
-                <a:solidFill>
-                  <a:schemeClr val="tx1"/>
-                </a:solidFill>
-                <a:miter lim="800000"/>
-                <a:headEnd/>
-                <a:tailEnd/>
-              </a14:hiddenLine>
-            </a:ext>
-          </a:extLst>
-        </p:spPr>
-      </p:pic>
+        </p:txBody>
+      </p:sp>
     </p:spTree>
     <p:extLst>
       <p:ext uri="{BB962C8B-B14F-4D97-AF65-F5344CB8AC3E}">
-        <p14:creationId xmlns:p14="http://schemas.microsoft.com/office/powerpoint/2010/main" val="1059963772"/>
+        <p14:creationId xmlns:p14="http://schemas.microsoft.com/office/powerpoint/2010/main" val="1801816137"/>
       </p:ext>
     </p:extLst>
   </p:cSld>
   <p:clrMapOvr>
     <a:masterClrMapping/>
   </p:clrMapOvr>
+  <p:timing>
+    <p:tnLst>
+      <p:par>
+        <p:cTn id="1" dur="indefinite" restart="never" nodeType="tmRoot"/>
+      </p:par>
+    </p:tnLst>
+  </p:timing>
 </p:sld>
 </file>
 
@@ -5175,7 +5305,7 @@
       </p:grpSpPr>
       <p:sp>
         <p:nvSpPr>
-          <p:cNvPr id="3" name="Content Placeholder 2"/>
+          <p:cNvPr id="2" name="Content Placeholder 1"/>
           <p:cNvSpPr>
             <a:spLocks noGrp="1"/>
           </p:cNvSpPr>
@@ -5185,108 +5315,56 @@
         </p:nvSpPr>
         <p:spPr/>
         <p:txBody>
-          <a:bodyPr>
-            <a:normAutofit/>
-          </a:bodyPr>
-          <a:lstStyle/>
-          <a:p>
-            <a:r>
-              <a:rPr lang="en-US" dirty="0" smtClean="0"/>
-              <a:t>Text editor (</a:t>
-            </a:r>
-            <a:r>
-              <a:rPr lang="en-US" dirty="0" err="1" smtClean="0"/>
-              <a:t>SublimeText</a:t>
-            </a:r>
-            <a:r>
-              <a:rPr lang="en-US" dirty="0" smtClean="0"/>
-              <a:t>)</a:t>
-            </a:r>
-          </a:p>
-          <a:p>
-            <a:r>
-              <a:rPr lang="en-US" dirty="0" smtClean="0"/>
-              <a:t>Web server (</a:t>
-            </a:r>
-            <a:r>
-              <a:rPr lang="en-US" dirty="0" err="1" smtClean="0"/>
-              <a:t>NodeJS</a:t>
-            </a:r>
-            <a:r>
-              <a:rPr lang="en-US" dirty="0" smtClean="0"/>
-              <a:t>)</a:t>
-            </a:r>
-          </a:p>
-          <a:p>
-            <a:r>
-              <a:rPr lang="en-US" dirty="0" smtClean="0"/>
-              <a:t>Test runner (</a:t>
-            </a:r>
-            <a:r>
-              <a:rPr lang="en-US" dirty="0" err="1" smtClean="0"/>
-              <a:t>Testacular</a:t>
-            </a:r>
-            <a:r>
-              <a:rPr lang="en-US" dirty="0" smtClean="0"/>
-              <a:t>)</a:t>
-            </a:r>
-          </a:p>
-          <a:p>
-            <a:r>
-              <a:rPr lang="en-US" dirty="0" smtClean="0"/>
-              <a:t>Console (</a:t>
-            </a:r>
-            <a:r>
-              <a:rPr lang="en-US" dirty="0" err="1" smtClean="0"/>
-              <a:t>Powershell</a:t>
-            </a:r>
-            <a:r>
-              <a:rPr lang="en-US" dirty="0" smtClean="0"/>
-              <a:t>)</a:t>
-            </a:r>
-          </a:p>
-          <a:p>
-            <a:r>
-              <a:rPr lang="en-US" dirty="0" smtClean="0"/>
-              <a:t>Web services</a:t>
-            </a:r>
-          </a:p>
-          <a:p>
-            <a:r>
-              <a:rPr lang="en-US" dirty="0" smtClean="0"/>
-              <a:t>Quick feedback loop + all driven by keyboard = happy </a:t>
-            </a:r>
-            <a:r>
-              <a:rPr lang="en-US" dirty="0" err="1" smtClean="0"/>
-              <a:t>dev</a:t>
-            </a:r>
-            <a:r>
-              <a:rPr lang="en-US" dirty="0" smtClean="0"/>
-              <a:t> = </a:t>
-            </a:r>
-            <a:r>
-              <a:rPr lang="en-US" dirty="0" err="1" smtClean="0"/>
-              <a:t>mo</a:t>
-            </a:r>
-            <a:r>
-              <a:rPr lang="en-US" dirty="0" smtClean="0"/>
-              <a:t> features = </a:t>
-            </a:r>
-            <a:r>
-              <a:rPr lang="en-US" dirty="0" err="1" smtClean="0"/>
-              <a:t>mo</a:t>
-            </a:r>
-            <a:r>
-              <a:rPr lang="en-US" dirty="0" smtClean="0"/>
-              <a:t> money $</a:t>
+          <a:bodyPr/>
+          <a:lstStyle/>
+          <a:p>
+            <a:r>
+              <a:rPr lang="en-US" dirty="0" smtClean="0"/>
+              <a:t>Declarative HTML (with semantic markup!)</a:t>
             </a:r>
             <a:endParaRPr lang="en-US" dirty="0"/>
           </a:p>
-        </p:txBody>
-      </p:sp>
-      <p:sp>
-        <p:nvSpPr>
-          <p:cNvPr id="2" name="Title 1"/>
+          <a:p>
+            <a:r>
+              <a:rPr lang="en-US" dirty="0"/>
+              <a:t>Templates don’t feature string </a:t>
+            </a:r>
+            <a:r>
+              <a:rPr lang="en-US" dirty="0" smtClean="0"/>
+              <a:t>manipulation</a:t>
+            </a:r>
+          </a:p>
+          <a:p>
+            <a:r>
+              <a:rPr lang="en-US" dirty="0"/>
+              <a:t>Re-usable components (directives</a:t>
+            </a:r>
+            <a:r>
+              <a:rPr lang="en-US" dirty="0" smtClean="0"/>
+              <a:t>):</a:t>
+            </a:r>
+            <a:endParaRPr lang="en-US" dirty="0"/>
+          </a:p>
+          <a:p>
+            <a:r>
+              <a:rPr lang="en-US" dirty="0" smtClean="0">
+                <a:hlinkClick r:id="rId2"/>
+              </a:rPr>
+              <a:t>http</a:t>
+            </a:r>
+            <a:r>
+              <a:rPr lang="en-US" dirty="0">
+                <a:hlinkClick r:id="rId2"/>
+              </a:rPr>
+              <a:t>://jsfiddle.net/codef0rmer/Vq6KD/</a:t>
+            </a:r>
+            <a:endParaRPr lang="en-US" dirty="0"/>
+          </a:p>
+        </p:txBody>
+      </p:sp>
+      <p:sp>
+        <p:nvSpPr>
+          <p:cNvPr id="3" name="Title 2"/>
           <p:cNvSpPr>
             <a:spLocks noGrp="1"/>
           </p:cNvSpPr>
@@ -5299,18 +5377,6 @@
           <a:bodyPr/>
           <a:lstStyle/>
           <a:p>
-            <a:r>
-              <a:rPr lang="en-US" dirty="0" smtClean="0"/>
-              <a:t>Full </a:t>
-            </a:r>
-            <a:r>
-              <a:rPr lang="en-US" dirty="0" err="1" smtClean="0"/>
-              <a:t>toolstack</a:t>
-            </a:r>
-            <a:r>
-              <a:rPr lang="en-US" dirty="0" smtClean="0"/>
-              <a:t>?</a:t>
-            </a:r>
             <a:endParaRPr lang="en-US" dirty="0"/>
           </a:p>
         </p:txBody>
@@ -5318,13 +5384,20 @@
     </p:spTree>
     <p:extLst>
       <p:ext uri="{BB962C8B-B14F-4D97-AF65-F5344CB8AC3E}">
-        <p14:creationId xmlns:p14="http://schemas.microsoft.com/office/powerpoint/2010/main" val="91439856"/>
+        <p14:creationId xmlns:p14="http://schemas.microsoft.com/office/powerpoint/2010/main" val="1059963772"/>
       </p:ext>
     </p:extLst>
   </p:cSld>
   <p:clrMapOvr>
     <a:masterClrMapping/>
   </p:clrMapOvr>
+  <p:timing>
+    <p:tnLst>
+      <p:par>
+        <p:cTn id="1" dur="indefinite" restart="never" nodeType="tmRoot"/>
+      </p:par>
+    </p:tnLst>
+  </p:timing>
 </p:sld>
 </file>
 
@@ -5357,32 +5430,103 @@
         </p:nvSpPr>
         <p:spPr/>
         <p:txBody>
-          <a:bodyPr/>
-          <a:lstStyle/>
-          <a:p>
-            <a:endParaRPr lang="en-US" dirty="0" smtClean="0"/>
-          </a:p>
-          <a:p>
+          <a:bodyPr>
+            <a:normAutofit/>
+          </a:bodyPr>
+          <a:lstStyle/>
+          <a:p>
+            <a:r>
+              <a:rPr lang="en-US" dirty="0" smtClean="0"/>
+              <a:t>Text editor (</a:t>
+            </a:r>
+            <a:r>
+              <a:rPr lang="en-US" dirty="0" err="1" smtClean="0"/>
+              <a:t>SublimeText</a:t>
+            </a:r>
+            <a:r>
+              <a:rPr lang="en-US" dirty="0" smtClean="0"/>
+              <a:t>)</a:t>
+            </a:r>
+          </a:p>
+          <a:p>
+            <a:r>
+              <a:rPr lang="en-US" dirty="0" smtClean="0"/>
+              <a:t>Web server (</a:t>
+            </a:r>
+            <a:r>
+              <a:rPr lang="en-US" dirty="0" err="1" smtClean="0"/>
+              <a:t>NodeJS</a:t>
+            </a:r>
+            <a:r>
+              <a:rPr lang="en-US" dirty="0" smtClean="0"/>
+              <a:t>)</a:t>
+            </a:r>
+          </a:p>
+          <a:p>
+            <a:r>
+              <a:rPr lang="en-US" dirty="0" smtClean="0"/>
+              <a:t>Test runner (</a:t>
+            </a:r>
+            <a:r>
+              <a:rPr lang="en-US" dirty="0" err="1" smtClean="0"/>
+              <a:t>Testacular</a:t>
+            </a:r>
+            <a:r>
+              <a:rPr lang="en-US" dirty="0" smtClean="0"/>
+              <a:t> aka Karma)</a:t>
+            </a:r>
+          </a:p>
+          <a:p>
+            <a:r>
+              <a:rPr lang="en-US" dirty="0" smtClean="0"/>
+              <a:t>Console (</a:t>
+            </a:r>
+            <a:r>
+              <a:rPr lang="en-US" dirty="0" err="1" smtClean="0"/>
+              <a:t>Powershell</a:t>
+            </a:r>
+            <a:r>
+              <a:rPr lang="en-US" dirty="0" smtClean="0"/>
+              <a:t>)</a:t>
+            </a:r>
+          </a:p>
+          <a:p>
+            <a:r>
+              <a:rPr lang="en-US" dirty="0" smtClean="0"/>
+              <a:t>Web services</a:t>
+            </a:r>
+          </a:p>
+          <a:p>
+            <a:r>
+              <a:rPr lang="en-US" dirty="0" smtClean="0"/>
+              <a:t>Quick feedback loop + all driven by keyboard = happy </a:t>
+            </a:r>
+            <a:r>
+              <a:rPr lang="en-US" dirty="0" err="1" smtClean="0"/>
+              <a:t>dev</a:t>
+            </a:r>
+            <a:r>
+              <a:rPr lang="en-US" dirty="0" smtClean="0"/>
+              <a:t> = </a:t>
+            </a:r>
+            <a:r>
+              <a:rPr lang="en-US" dirty="0" err="1" smtClean="0"/>
+              <a:t>mo</a:t>
+            </a:r>
+            <a:r>
+              <a:rPr lang="en-US" dirty="0" smtClean="0"/>
+              <a:t> features = </a:t>
+            </a:r>
+            <a:r>
+              <a:rPr lang="en-US" dirty="0" err="1" smtClean="0"/>
+              <a:t>mo</a:t>
+            </a:r>
+            <a:r>
+              <a:rPr lang="en-US" dirty="0" smtClean="0"/>
+              <a:t> money $</a:t>
+            </a:r>
             <a:endParaRPr lang="en-US" dirty="0"/>
           </a:p>
-          <a:p>
-            <a:endParaRPr lang="en-US" dirty="0" smtClean="0"/>
-          </a:p>
-          <a:p>
-            <a:endParaRPr lang="en-US" dirty="0"/>
-          </a:p>
-          <a:p>
-            <a:endParaRPr lang="en-US" dirty="0" smtClean="0"/>
-          </a:p>
-          <a:p>
-            <a:endParaRPr lang="en-US" dirty="0"/>
-          </a:p>
-          <a:p>
-            <a:r>
-              <a:rPr lang="en-US" dirty="0" smtClean="0"/>
-              <a:t>I told you, it’s super heroic.</a:t>
-            </a:r>
-          </a:p>
         </p:txBody>
       </p:sp>
       <p:sp>
@@ -5402,11 +5546,11 @@
           <a:p>
             <a:r>
               <a:rPr lang="en-US" dirty="0" smtClean="0"/>
-              <a:t>What sucks about </a:t>
+              <a:t>Full </a:t>
             </a:r>
             <a:r>
               <a:rPr lang="en-US" dirty="0" err="1" smtClean="0"/>
-              <a:t>AngularJS</a:t>
+              <a:t>toolstack</a:t>
             </a:r>
             <a:r>
               <a:rPr lang="en-US" dirty="0" smtClean="0"/>
@@ -5419,13 +5563,20 @@
     </p:spTree>
     <p:extLst>
       <p:ext uri="{BB962C8B-B14F-4D97-AF65-F5344CB8AC3E}">
-        <p14:creationId xmlns:p14="http://schemas.microsoft.com/office/powerpoint/2010/main" val="3567775276"/>
+        <p14:creationId xmlns:p14="http://schemas.microsoft.com/office/powerpoint/2010/main" val="91439856"/>
       </p:ext>
     </p:extLst>
   </p:cSld>
   <p:clrMapOvr>
     <a:masterClrMapping/>
   </p:clrMapOvr>
+  <p:timing>
+    <p:tnLst>
+      <p:par>
+        <p:cTn id="1" dur="indefinite" restart="never" nodeType="tmRoot"/>
+      </p:par>
+    </p:tnLst>
+  </p:timing>
 </p:sld>
 </file>
 

--- a/angularjs/AngularJS.pptx
+++ b/angularjs/AngularJS.pptx
@@ -355,7 +355,7 @@
           <a:p>
             <a:fld id="{08B8A534-EA6A-4837-9123-2F13D53816C7}" type="datetimeFigureOut">
               <a:rPr lang="en-US" smtClean="0"/>
-              <a:t>6/19/2013</a:t>
+              <a:t>6/20/2013</a:t>
             </a:fld>
             <a:endParaRPr lang="en-US"/>
           </a:p>
@@ -633,7 +633,7 @@
           <a:p>
             <a:fld id="{08B8A534-EA6A-4837-9123-2F13D53816C7}" type="datetimeFigureOut">
               <a:rPr lang="en-US" smtClean="0"/>
-              <a:t>6/19/2013</a:t>
+              <a:t>6/20/2013</a:t>
             </a:fld>
             <a:endParaRPr lang="en-US"/>
           </a:p>
@@ -856,7 +856,7 @@
           <a:p>
             <a:fld id="{08B8A534-EA6A-4837-9123-2F13D53816C7}" type="datetimeFigureOut">
               <a:rPr lang="en-US" smtClean="0"/>
-              <a:t>6/19/2013</a:t>
+              <a:t>6/20/2013</a:t>
             </a:fld>
             <a:endParaRPr lang="en-US"/>
           </a:p>
@@ -1051,7 +1051,7 @@
           <a:p>
             <a:fld id="{08B8A534-EA6A-4837-9123-2F13D53816C7}" type="datetimeFigureOut">
               <a:rPr lang="en-US" smtClean="0"/>
-              <a:t>6/19/2013</a:t>
+              <a:t>6/20/2013</a:t>
             </a:fld>
             <a:endParaRPr lang="en-US"/>
           </a:p>
@@ -1331,7 +1331,7 @@
           <a:p>
             <a:fld id="{08B8A534-EA6A-4837-9123-2F13D53816C7}" type="datetimeFigureOut">
               <a:rPr lang="en-US" smtClean="0"/>
-              <a:t>6/19/2013</a:t>
+              <a:t>6/20/2013</a:t>
             </a:fld>
             <a:endParaRPr lang="en-US"/>
           </a:p>
@@ -1804,7 +1804,7 @@
           <a:p>
             <a:fld id="{08B8A534-EA6A-4837-9123-2F13D53816C7}" type="datetimeFigureOut">
               <a:rPr lang="en-US" smtClean="0"/>
-              <a:t>6/19/2013</a:t>
+              <a:t>6/20/2013</a:t>
             </a:fld>
             <a:endParaRPr lang="en-US"/>
           </a:p>
@@ -2259,7 +2259,7 @@
           <a:p>
             <a:fld id="{08B8A534-EA6A-4837-9123-2F13D53816C7}" type="datetimeFigureOut">
               <a:rPr lang="en-US" smtClean="0"/>
-              <a:t>6/19/2013</a:t>
+              <a:t>6/20/2013</a:t>
             </a:fld>
             <a:endParaRPr lang="en-US"/>
           </a:p>
@@ -2397,7 +2397,7 @@
           <a:p>
             <a:fld id="{08B8A534-EA6A-4837-9123-2F13D53816C7}" type="datetimeFigureOut">
               <a:rPr lang="en-US" smtClean="0"/>
-              <a:t>6/19/2013</a:t>
+              <a:t>6/20/2013</a:t>
             </a:fld>
             <a:endParaRPr lang="en-US"/>
           </a:p>
@@ -2558,7 +2558,7 @@
           <a:p>
             <a:fld id="{08B8A534-EA6A-4837-9123-2F13D53816C7}" type="datetimeFigureOut">
               <a:rPr lang="en-US" smtClean="0"/>
-              <a:t>6/19/2013</a:t>
+              <a:t>6/20/2013</a:t>
             </a:fld>
             <a:endParaRPr lang="en-US"/>
           </a:p>
@@ -2952,7 +2952,7 @@
           <a:p>
             <a:fld id="{08B8A534-EA6A-4837-9123-2F13D53816C7}" type="datetimeFigureOut">
               <a:rPr lang="en-US" smtClean="0"/>
-              <a:t>6/19/2013</a:t>
+              <a:t>6/20/2013</a:t>
             </a:fld>
             <a:endParaRPr lang="en-US"/>
           </a:p>
@@ -3352,7 +3352,7 @@
           <a:p>
             <a:fld id="{08B8A534-EA6A-4837-9123-2F13D53816C7}" type="datetimeFigureOut">
               <a:rPr lang="en-US" smtClean="0"/>
-              <a:t>6/19/2013</a:t>
+              <a:t>6/20/2013</a:t>
             </a:fld>
             <a:endParaRPr lang="en-US"/>
           </a:p>
@@ -3562,7 +3562,7 @@
           <a:p>
             <a:fld id="{08B8A534-EA6A-4837-9123-2F13D53816C7}" type="datetimeFigureOut">
               <a:rPr lang="en-US" smtClean="0"/>
-              <a:t>6/19/2013</a:t>
+              <a:t>6/20/2013</a:t>
             </a:fld>
             <a:endParaRPr lang="en-US"/>
           </a:p>
@@ -4022,6 +4022,25 @@
   <p:clrMapOvr>
     <a:masterClrMapping/>
   </p:clrMapOvr>
+  <mc:AlternateContent xmlns:mc="http://schemas.openxmlformats.org/markup-compatibility/2006" xmlns:p14="http://schemas.microsoft.com/office/powerpoint/2010/main">
+    <mc:Choice Requires="p14">
+      <p:transition spd="slow">
+        <p14:flash/>
+      </p:transition>
+    </mc:Choice>
+    <mc:Fallback xmlns="">
+      <p:transition spd="slow">
+        <p:fade/>
+      </p:transition>
+    </mc:Fallback>
+  </mc:AlternateContent>
+  <p:timing>
+    <p:tnLst>
+      <p:par>
+        <p:cTn id="1" dur="indefinite" restart="never" nodeType="tmRoot"/>
+      </p:par>
+    </p:tnLst>
+  </p:timing>
 </p:sld>
 </file>
 
@@ -4542,11 +4561,7 @@
           <a:p>
             <a:r>
               <a:rPr lang="en-US" dirty="0" smtClean="0"/>
-              <a:t>Here </a:t>
-            </a:r>
-            <a:r>
-              <a:rPr lang="en-US" dirty="0" smtClean="0"/>
-              <a:t>it is, on my </a:t>
+              <a:t>Here it is, on my </a:t>
             </a:r>
             <a:r>
               <a:rPr lang="en-US" dirty="0" err="1" smtClean="0"/>
@@ -4727,6 +4742,13 @@
   <p:clrMapOvr>
     <a:masterClrMapping/>
   </p:clrMapOvr>
+  <p:timing>
+    <p:tnLst>
+      <p:par>
+        <p:cTn id="1" dur="indefinite" restart="never" nodeType="tmRoot"/>
+      </p:par>
+    </p:tnLst>
+  </p:timing>
 </p:sld>
 </file>
 
@@ -4833,6 +4855,13 @@
   <p:clrMapOvr>
     <a:masterClrMapping/>
   </p:clrMapOvr>
+  <p:timing>
+    <p:tnLst>
+      <p:par>
+        <p:cTn id="1" dur="indefinite" restart="never" nodeType="tmRoot"/>
+      </p:par>
+    </p:tnLst>
+  </p:timing>
 </p:sld>
 </file>
 
@@ -4943,6 +4972,13 @@
   <p:clrMapOvr>
     <a:masterClrMapping/>
   </p:clrMapOvr>
+  <p:timing>
+    <p:tnLst>
+      <p:par>
+        <p:cTn id="1" dur="indefinite" restart="never" nodeType="tmRoot"/>
+      </p:par>
+    </p:tnLst>
+  </p:timing>
 </p:sld>
 </file>
 
@@ -4988,27 +5024,17 @@
           <a:p>
             <a:r>
               <a:rPr lang="en-US" dirty="0" smtClean="0"/>
-              <a:t>Client-side routing</a:t>
-            </a:r>
-          </a:p>
-          <a:p>
-            <a:r>
-              <a:rPr lang="en-US" dirty="0" smtClean="0"/>
               <a:t>Can function better than traditional web pages with intermittent connectivity (mobile)</a:t>
             </a:r>
           </a:p>
           <a:p>
             <a:r>
-              <a:rPr lang="en-US" dirty="0" err="1" smtClean="0"/>
-              <a:t>Javascript</a:t>
-            </a:r>
-            <a:r>
-              <a:rPr lang="en-US" dirty="0" smtClean="0"/>
-              <a:t> </a:t>
-            </a:r>
-            <a:r>
-              <a:rPr lang="en-US" dirty="0" smtClean="0"/>
-              <a:t>provides short feedback loops</a:t>
+              <a:rPr lang="en-US" dirty="0" smtClean="0"/>
+              <a:t>Short feedback </a:t>
+            </a:r>
+            <a:r>
+              <a:rPr lang="en-US" dirty="0" smtClean="0"/>
+              <a:t>loops</a:t>
             </a:r>
             <a:endParaRPr lang="en-US" dirty="0"/>
           </a:p>
@@ -5047,6 +5073,13 @@
   <p:clrMapOvr>
     <a:masterClrMapping/>
   </p:clrMapOvr>
+  <p:timing>
+    <p:tnLst>
+      <p:par>
+        <p:cTn id="1" dur="indefinite" restart="never" nodeType="tmRoot"/>
+      </p:par>
+    </p:tnLst>
+  </p:timing>
 </p:sld>
 </file>
 
@@ -5218,13 +5251,11 @@
           <a:p>
             <a:r>
               <a:rPr lang="en-US" dirty="0" smtClean="0"/>
-              <a:t>Can be added to projects</a:t>
-            </a:r>
-          </a:p>
-          <a:p>
-            <a:r>
-              <a:rPr lang="en-US" dirty="0" smtClean="0"/>
-              <a:t>Small footprint (minified ~80kb)</a:t>
+              <a:t>Small </a:t>
+            </a:r>
+            <a:r>
+              <a:rPr lang="en-US" dirty="0" smtClean="0"/>
+              <a:t>footprint (minified ~80kb)</a:t>
             </a:r>
           </a:p>
           <a:p>
@@ -5232,6 +5263,17 @@
               <a:rPr lang="en-US" dirty="0" smtClean="0"/>
               <a:t>Popular</a:t>
             </a:r>
+          </a:p>
+          <a:p>
+            <a:r>
+              <a:rPr lang="en-US" dirty="0"/>
+              <a:t>Can be added to </a:t>
+            </a:r>
+            <a:r>
+              <a:rPr lang="en-US" dirty="0" smtClean="0"/>
+              <a:t>projects</a:t>
+            </a:r>
+            <a:endParaRPr lang="en-US" dirty="0"/>
           </a:p>
         </p:txBody>
       </p:sp>
@@ -5451,7 +5493,11 @@
           <a:p>
             <a:r>
               <a:rPr lang="en-US" dirty="0" smtClean="0"/>
-              <a:t>Web server (</a:t>
+              <a:t>*Web </a:t>
+            </a:r>
+            <a:r>
+              <a:rPr lang="en-US" dirty="0" smtClean="0"/>
+              <a:t>server (</a:t>
             </a:r>
             <a:r>
               <a:rPr lang="en-US" dirty="0" err="1" smtClean="0"/>
@@ -5465,7 +5511,11 @@
           <a:p>
             <a:r>
               <a:rPr lang="en-US" dirty="0" smtClean="0"/>
-              <a:t>Test runner (</a:t>
+              <a:t>*Test </a:t>
+            </a:r>
+            <a:r>
+              <a:rPr lang="en-US" dirty="0" smtClean="0"/>
+              <a:t>runner (</a:t>
             </a:r>
             <a:r>
               <a:rPr lang="en-US" dirty="0" err="1" smtClean="0"/>
@@ -5479,7 +5529,11 @@
           <a:p>
             <a:r>
               <a:rPr lang="en-US" dirty="0" smtClean="0"/>
-              <a:t>Console (</a:t>
+              <a:t>*Console </a:t>
+            </a:r>
+            <a:r>
+              <a:rPr lang="en-US" dirty="0" smtClean="0"/>
+              <a:t>(</a:t>
             </a:r>
             <a:r>
               <a:rPr lang="en-US" dirty="0" err="1" smtClean="0"/>
@@ -5493,39 +5547,9 @@
           <a:p>
             <a:r>
               <a:rPr lang="en-US" dirty="0" smtClean="0"/>
-              <a:t>Web services</a:t>
-            </a:r>
-          </a:p>
-          <a:p>
-            <a:r>
-              <a:rPr lang="en-US" dirty="0" smtClean="0"/>
-              <a:t>Quick feedback loop + all driven by keyboard = happy </a:t>
-            </a:r>
-            <a:r>
-              <a:rPr lang="en-US" dirty="0" err="1" smtClean="0"/>
-              <a:t>dev</a:t>
-            </a:r>
-            <a:r>
-              <a:rPr lang="en-US" dirty="0" smtClean="0"/>
-              <a:t> = </a:t>
-            </a:r>
-            <a:r>
-              <a:rPr lang="en-US" dirty="0" err="1" smtClean="0"/>
-              <a:t>mo</a:t>
-            </a:r>
-            <a:r>
-              <a:rPr lang="en-US" dirty="0" smtClean="0"/>
-              <a:t> features = </a:t>
-            </a:r>
-            <a:r>
-              <a:rPr lang="en-US" dirty="0" err="1" smtClean="0"/>
-              <a:t>mo</a:t>
-            </a:r>
-            <a:r>
-              <a:rPr lang="en-US" dirty="0" smtClean="0"/>
-              <a:t> money $</a:t>
-            </a:r>
-            <a:endParaRPr lang="en-US" dirty="0"/>
+              <a:t>*Web services</a:t>
+            </a:r>
+            <a:endParaRPr lang="en-US" dirty="0" smtClean="0"/>
           </a:p>
         </p:txBody>
       </p:sp>

--- a/angularjs/AngularJS.pptx
+++ b/angularjs/AngularJS.pptx
@@ -14,10 +14,10 @@
     <p:sldId id="268" r:id="rId8"/>
     <p:sldId id="265" r:id="rId9"/>
     <p:sldId id="266" r:id="rId10"/>
-    <p:sldId id="270" r:id="rId11"/>
-    <p:sldId id="271" r:id="rId12"/>
-    <p:sldId id="272" r:id="rId13"/>
-    <p:sldId id="258" r:id="rId14"/>
+    <p:sldId id="258" r:id="rId11"/>
+    <p:sldId id="270" r:id="rId12"/>
+    <p:sldId id="271" r:id="rId13"/>
+    <p:sldId id="272" r:id="rId14"/>
     <p:sldId id="264" r:id="rId15"/>
   </p:sldIdLst>
   <p:sldSz cx="9144000" cy="6858000" type="screen4x3"/>
@@ -356,7 +356,7 @@
           <a:p>
             <a:fld id="{08B8A534-EA6A-4837-9123-2F13D53816C7}" type="datetimeFigureOut">
               <a:rPr lang="en-US" smtClean="0"/>
-              <a:t>8/9/2013</a:t>
+              <a:t>8/10/2013</a:t>
             </a:fld>
             <a:endParaRPr lang="en-US"/>
           </a:p>
@@ -634,7 +634,7 @@
           <a:p>
             <a:fld id="{08B8A534-EA6A-4837-9123-2F13D53816C7}" type="datetimeFigureOut">
               <a:rPr lang="en-US" smtClean="0"/>
-              <a:t>8/9/2013</a:t>
+              <a:t>8/10/2013</a:t>
             </a:fld>
             <a:endParaRPr lang="en-US"/>
           </a:p>
@@ -857,7 +857,7 @@
           <a:p>
             <a:fld id="{08B8A534-EA6A-4837-9123-2F13D53816C7}" type="datetimeFigureOut">
               <a:rPr lang="en-US" smtClean="0"/>
-              <a:t>8/9/2013</a:t>
+              <a:t>8/10/2013</a:t>
             </a:fld>
             <a:endParaRPr lang="en-US"/>
           </a:p>
@@ -1052,7 +1052,7 @@
           <a:p>
             <a:fld id="{08B8A534-EA6A-4837-9123-2F13D53816C7}" type="datetimeFigureOut">
               <a:rPr lang="en-US" smtClean="0"/>
-              <a:t>8/9/2013</a:t>
+              <a:t>8/10/2013</a:t>
             </a:fld>
             <a:endParaRPr lang="en-US"/>
           </a:p>
@@ -1332,7 +1332,7 @@
           <a:p>
             <a:fld id="{08B8A534-EA6A-4837-9123-2F13D53816C7}" type="datetimeFigureOut">
               <a:rPr lang="en-US" smtClean="0"/>
-              <a:t>8/9/2013</a:t>
+              <a:t>8/10/2013</a:t>
             </a:fld>
             <a:endParaRPr lang="en-US"/>
           </a:p>
@@ -1805,7 +1805,7 @@
           <a:p>
             <a:fld id="{08B8A534-EA6A-4837-9123-2F13D53816C7}" type="datetimeFigureOut">
               <a:rPr lang="en-US" smtClean="0"/>
-              <a:t>8/9/2013</a:t>
+              <a:t>8/10/2013</a:t>
             </a:fld>
             <a:endParaRPr lang="en-US"/>
           </a:p>
@@ -2260,7 +2260,7 @@
           <a:p>
             <a:fld id="{08B8A534-EA6A-4837-9123-2F13D53816C7}" type="datetimeFigureOut">
               <a:rPr lang="en-US" smtClean="0"/>
-              <a:t>8/9/2013</a:t>
+              <a:t>8/10/2013</a:t>
             </a:fld>
             <a:endParaRPr lang="en-US"/>
           </a:p>
@@ -2398,7 +2398,7 @@
           <a:p>
             <a:fld id="{08B8A534-EA6A-4837-9123-2F13D53816C7}" type="datetimeFigureOut">
               <a:rPr lang="en-US" smtClean="0"/>
-              <a:t>8/9/2013</a:t>
+              <a:t>8/10/2013</a:t>
             </a:fld>
             <a:endParaRPr lang="en-US"/>
           </a:p>
@@ -2559,7 +2559,7 @@
           <a:p>
             <a:fld id="{08B8A534-EA6A-4837-9123-2F13D53816C7}" type="datetimeFigureOut">
               <a:rPr lang="en-US" smtClean="0"/>
-              <a:t>8/9/2013</a:t>
+              <a:t>8/10/2013</a:t>
             </a:fld>
             <a:endParaRPr lang="en-US"/>
           </a:p>
@@ -2953,7 +2953,7 @@
           <a:p>
             <a:fld id="{08B8A534-EA6A-4837-9123-2F13D53816C7}" type="datetimeFigureOut">
               <a:rPr lang="en-US" smtClean="0"/>
-              <a:t>8/9/2013</a:t>
+              <a:t>8/10/2013</a:t>
             </a:fld>
             <a:endParaRPr lang="en-US"/>
           </a:p>
@@ -3353,7 +3353,7 @@
           <a:p>
             <a:fld id="{08B8A534-EA6A-4837-9123-2F13D53816C7}" type="datetimeFigureOut">
               <a:rPr lang="en-US" smtClean="0"/>
-              <a:t>8/9/2013</a:t>
+              <a:t>8/10/2013</a:t>
             </a:fld>
             <a:endParaRPr lang="en-US"/>
           </a:p>
@@ -3563,7 +3563,7 @@
           <a:p>
             <a:fld id="{08B8A534-EA6A-4837-9123-2F13D53816C7}" type="datetimeFigureOut">
               <a:rPr lang="en-US" smtClean="0"/>
-              <a:t>8/9/2013</a:t>
+              <a:t>8/10/2013</a:t>
             </a:fld>
             <a:endParaRPr lang="en-US"/>
           </a:p>
@@ -4064,7 +4064,7 @@
       </p:grpSpPr>
       <p:sp>
         <p:nvSpPr>
-          <p:cNvPr id="2" name="Content Placeholder 1"/>
+          <p:cNvPr id="3" name="Content Placeholder 2"/>
           <p:cNvSpPr>
             <a:spLocks noGrp="1"/>
           </p:cNvSpPr>
@@ -4074,42 +4074,203 @@
         </p:nvSpPr>
         <p:spPr/>
         <p:txBody>
-          <a:bodyPr/>
-          <a:lstStyle/>
-          <a:p>
-            <a:r>
-              <a:rPr lang="en-US" dirty="0" smtClean="0"/>
-              <a:t>Using web services: $http, $resource</a:t>
-            </a:r>
-          </a:p>
-          <a:p>
-            <a:r>
-              <a:rPr lang="en-US" dirty="0" smtClean="0"/>
-              <a:t>Client side navigation: $location, $</a:t>
-            </a:r>
+          <a:bodyPr>
+            <a:normAutofit fontScale="85000" lnSpcReduction="20000"/>
+          </a:bodyPr>
+          <a:lstStyle/>
+          <a:p>
+            <a:r>
+              <a:rPr lang="en-US" dirty="0" smtClean="0"/>
+              <a:t>Official site: </a:t>
+            </a:r>
+            <a:r>
+              <a:rPr lang="en-US" dirty="0" smtClean="0">
+                <a:hlinkClick r:id="rId2"/>
+              </a:rPr>
+              <a:t>http://angularjs.org/</a:t>
+            </a:r>
+            <a:endParaRPr lang="en-US" dirty="0" smtClean="0"/>
+          </a:p>
+          <a:p>
+            <a:r>
+              <a:rPr lang="en-US" dirty="0" smtClean="0"/>
+              <a:t>Official blog: </a:t>
+            </a:r>
+            <a:r>
+              <a:rPr lang="en-US" dirty="0" smtClean="0">
+                <a:hlinkClick r:id="rId3"/>
+              </a:rPr>
+              <a:t>http://blog.angularjs.org/</a:t>
+            </a:r>
+            <a:endParaRPr lang="en-US" dirty="0" smtClean="0"/>
+          </a:p>
+          <a:p>
             <a:r>
               <a:rPr lang="en-US" dirty="0" err="1" smtClean="0"/>
-              <a:t>routeProvider</a:t>
+              <a:t>Github</a:t>
+            </a:r>
+            <a:r>
+              <a:rPr lang="en-US" dirty="0" smtClean="0"/>
+              <a:t> seed: </a:t>
+            </a:r>
+            <a:r>
+              <a:rPr lang="en-US" dirty="0" smtClean="0">
+                <a:hlinkClick r:id="rId4"/>
+              </a:rPr>
+              <a:t>https://github.com/angular/angular-seed</a:t>
             </a:r>
             <a:endParaRPr lang="en-US" dirty="0" smtClean="0"/>
           </a:p>
           <a:p>
             <a:r>
-              <a:rPr lang="en-US" dirty="0" smtClean="0"/>
-              <a:t>Cookies!: $cookies</a:t>
-            </a:r>
-          </a:p>
-          <a:p>
-            <a:r>
-              <a:rPr lang="en-US" dirty="0" smtClean="0"/>
-              <a:t>Lots more..</a:t>
-            </a:r>
-          </a:p>
-        </p:txBody>
-      </p:sp>
-      <p:sp>
-        <p:nvSpPr>
-          <p:cNvPr id="3" name="Title 2"/>
+              <a:rPr lang="en-US" dirty="0" err="1" smtClean="0"/>
+              <a:t>Batarang</a:t>
+            </a:r>
+            <a:r>
+              <a:rPr lang="en-US" dirty="0" smtClean="0"/>
+              <a:t>: </a:t>
+            </a:r>
+            <a:r>
+              <a:rPr lang="en-US" dirty="0" smtClean="0">
+                <a:hlinkClick r:id="rId5"/>
+              </a:rPr>
+              <a:t>https://chrome.google.com/webstore/detail/angularjs-batarang/ighdmehidhipcmcojjgiloacoafjmpfk?hl=en</a:t>
+            </a:r>
+            <a:endParaRPr lang="en-US" dirty="0" smtClean="0"/>
+          </a:p>
+          <a:p>
+            <a:r>
+              <a:rPr lang="en-US" dirty="0" smtClean="0"/>
+              <a:t>Cheat sheet: </a:t>
+            </a:r>
+            <a:r>
+              <a:rPr lang="en-US" dirty="0" smtClean="0">
+                <a:hlinkClick r:id="rId6"/>
+              </a:rPr>
+              <a:t>http://www.cheatography.com/proloser/cheat-sheets/angularjs/</a:t>
+            </a:r>
+            <a:endParaRPr lang="en-US" dirty="0" smtClean="0"/>
+          </a:p>
+          <a:p>
+            <a:r>
+              <a:rPr lang="en-US" dirty="0" err="1" smtClean="0"/>
+              <a:t>Dev</a:t>
+            </a:r>
+            <a:r>
+              <a:rPr lang="en-US" dirty="0" smtClean="0"/>
+              <a:t> approach: </a:t>
+            </a:r>
+            <a:r>
+              <a:rPr lang="en-US" dirty="0" smtClean="0">
+                <a:hlinkClick r:id="rId7"/>
+              </a:rPr>
+              <a:t>http://stackoverflow.com/questions/14994391/how-do-i-think-in-angularjs-if-i-have-a-jquery-background</a:t>
+            </a:r>
+            <a:endParaRPr lang="en-US" dirty="0" smtClean="0"/>
+          </a:p>
+          <a:p>
+            <a:r>
+              <a:rPr lang="en-US" b="1" dirty="0" smtClean="0"/>
+              <a:t>Screencasts</a:t>
+            </a:r>
+            <a:r>
+              <a:rPr lang="en-US" dirty="0" smtClean="0"/>
+              <a:t>: </a:t>
+            </a:r>
+            <a:r>
+              <a:rPr lang="en-US" dirty="0" smtClean="0">
+                <a:hlinkClick r:id="rId8"/>
+              </a:rPr>
+              <a:t>http://www.egghead.io/</a:t>
+            </a:r>
+            <a:endParaRPr lang="en-US" dirty="0" smtClean="0"/>
+          </a:p>
+          <a:p>
+            <a:r>
+              <a:rPr lang="en-US" dirty="0" smtClean="0"/>
+              <a:t>Scrum App: </a:t>
+            </a:r>
+            <a:r>
+              <a:rPr lang="en-US" dirty="0">
+                <a:hlinkClick r:id="rId9"/>
+              </a:rPr>
+              <a:t>https://</a:t>
+            </a:r>
+            <a:r>
+              <a:rPr lang="en-US" dirty="0" smtClean="0">
+                <a:hlinkClick r:id="rId9"/>
+              </a:rPr>
+              <a:t>github.com/kevinkemp/Angular-Scrum</a:t>
+            </a:r>
+            <a:endParaRPr lang="en-US" dirty="0" smtClean="0"/>
+          </a:p>
+          <a:p>
+            <a:r>
+              <a:rPr lang="en-US" dirty="0" smtClean="0"/>
+              <a:t>Lunch Decider: </a:t>
+            </a:r>
+            <a:r>
+              <a:rPr lang="en-US" dirty="0">
+                <a:hlinkClick r:id="rId10"/>
+              </a:rPr>
+              <a:t>https://github.com/kevinkemp/LunchDecider</a:t>
+            </a:r>
+            <a:endParaRPr lang="en-US" dirty="0" smtClean="0"/>
+          </a:p>
+          <a:p>
+            <a:r>
+              <a:rPr lang="en-US" dirty="0"/>
+              <a:t>Scope: </a:t>
+            </a:r>
+            <a:r>
+              <a:rPr lang="en-US" dirty="0">
+                <a:hlinkClick r:id="rId11"/>
+              </a:rPr>
+              <a:t>http://thenittygritty.co/angularjs-pitfalls-using-scopes</a:t>
+            </a:r>
+            <a:endParaRPr lang="en-US" dirty="0"/>
+          </a:p>
+          <a:p>
+            <a:r>
+              <a:rPr lang="en-US" dirty="0" smtClean="0"/>
+              <a:t>Dirty Checking: </a:t>
+            </a:r>
+            <a:r>
+              <a:rPr lang="en-US" dirty="0">
+                <a:hlinkClick r:id="rId12"/>
+              </a:rPr>
+              <a:t>http://</a:t>
+            </a:r>
+            <a:r>
+              <a:rPr lang="en-US" dirty="0" smtClean="0">
+                <a:hlinkClick r:id="rId12"/>
+              </a:rPr>
+              <a:t>stackoverflow.com/questions/9682092/databinding-in-angularjs</a:t>
+            </a:r>
+            <a:endParaRPr lang="en-US" dirty="0" smtClean="0"/>
+          </a:p>
+          <a:p>
+            <a:r>
+              <a:rPr lang="en-US" b="1" dirty="0" smtClean="0"/>
+              <a:t>Directives</a:t>
+            </a:r>
+            <a:r>
+              <a:rPr lang="en-US" dirty="0" smtClean="0"/>
+              <a:t>: </a:t>
+            </a:r>
+            <a:r>
+              <a:rPr lang="en-US" dirty="0">
+                <a:hlinkClick r:id="rId13"/>
+              </a:rPr>
+              <a:t>http://amitgharat.wordpress.com/2013/06/08/the-hitchhikers-guide-to-the-directive/</a:t>
+            </a:r>
+            <a:endParaRPr lang="en-US" dirty="0" smtClean="0"/>
+          </a:p>
+        </p:txBody>
+      </p:sp>
+      <p:sp>
+        <p:nvSpPr>
+          <p:cNvPr id="2" name="Title 1"/>
           <p:cNvSpPr>
             <a:spLocks noGrp="1"/>
           </p:cNvSpPr>
@@ -4124,7 +4285,7 @@
           <a:p>
             <a:r>
               <a:rPr lang="en-US" dirty="0" smtClean="0"/>
-              <a:t>Built-In Services</a:t>
+              <a:t>Where can I learn more?</a:t>
             </a:r>
             <a:endParaRPr lang="en-US" dirty="0"/>
           </a:p>
@@ -4133,13 +4294,20 @@
     </p:spTree>
     <p:extLst>
       <p:ext uri="{BB962C8B-B14F-4D97-AF65-F5344CB8AC3E}">
-        <p14:creationId xmlns:p14="http://schemas.microsoft.com/office/powerpoint/2010/main" val="2335608016"/>
+        <p14:creationId xmlns:p14="http://schemas.microsoft.com/office/powerpoint/2010/main" val="1698817871"/>
       </p:ext>
     </p:extLst>
   </p:cSld>
   <p:clrMapOvr>
     <a:masterClrMapping/>
   </p:clrMapOvr>
+  <p:timing>
+    <p:tnLst>
+      <p:par>
+        <p:cTn id="1" dur="indefinite" restart="never" nodeType="tmRoot"/>
+      </p:par>
+    </p:tnLst>
+  </p:timing>
 </p:sld>
 </file>
 
@@ -4176,145 +4344,34 @@
           <a:lstStyle/>
           <a:p>
             <a:r>
-              <a:rPr lang="en-US" dirty="0" smtClean="0"/>
-              <a:t>Overwrites of some elements to make their behavior client-side and hook up angular event directives:</a:t>
-            </a:r>
-          </a:p>
-          <a:p>
-            <a:r>
-              <a:rPr lang="en-US" dirty="0" smtClean="0"/>
-              <a:t>a, form, input</a:t>
-            </a:r>
-          </a:p>
-          <a:p>
-            <a:r>
-              <a:rPr lang="en-US" dirty="0" smtClean="0"/>
-              <a:t>Wrappers for events:</a:t>
-            </a:r>
-          </a:p>
-          <a:p>
-            <a:r>
-              <a:rPr lang="en-US" dirty="0" err="1" smtClean="0"/>
-              <a:t>ngClick</a:t>
-            </a:r>
-            <a:r>
-              <a:rPr lang="en-US" dirty="0" smtClean="0"/>
-              <a:t>, </a:t>
-            </a:r>
-            <a:r>
-              <a:rPr lang="en-US" dirty="0" err="1" smtClean="0"/>
-              <a:t>ngChange</a:t>
-            </a:r>
-            <a:r>
-              <a:rPr lang="en-US" dirty="0" smtClean="0"/>
-              <a:t>, </a:t>
-            </a:r>
-            <a:r>
-              <a:rPr lang="en-US" dirty="0" err="1" smtClean="0"/>
-              <a:t>ngChecked</a:t>
-            </a:r>
-            <a:r>
-              <a:rPr lang="en-US" dirty="0" smtClean="0"/>
-              <a:t>, </a:t>
-            </a:r>
-            <a:r>
-              <a:rPr lang="en-US" dirty="0" err="1" smtClean="0"/>
-              <a:t>ngDblClick</a:t>
-            </a:r>
-            <a:r>
-              <a:rPr lang="en-US" dirty="0" smtClean="0"/>
-              <a:t>, </a:t>
-            </a:r>
-            <a:r>
-              <a:rPr lang="en-US" dirty="0" err="1" smtClean="0"/>
-              <a:t>ngMouseDown</a:t>
-            </a:r>
-            <a:r>
-              <a:rPr lang="en-US" dirty="0" smtClean="0"/>
-              <a:t>, </a:t>
-            </a:r>
-            <a:r>
-              <a:rPr lang="en-US" dirty="0" err="1" smtClean="0"/>
-              <a:t>ngSubmit</a:t>
-            </a:r>
-            <a:r>
-              <a:rPr lang="en-US" dirty="0" smtClean="0"/>
-              <a:t>, etc.</a:t>
-            </a:r>
-          </a:p>
-          <a:p>
-            <a:r>
-              <a:rPr lang="en-US" dirty="0" smtClean="0"/>
-              <a:t>Lots of the usual stuff:</a:t>
-            </a:r>
-          </a:p>
-          <a:p>
-            <a:r>
-              <a:rPr lang="en-US" dirty="0" err="1" smtClean="0"/>
-              <a:t>ngDisabled</a:t>
-            </a:r>
-            <a:r>
-              <a:rPr lang="en-US" dirty="0" smtClean="0"/>
-              <a:t>, </a:t>
-            </a:r>
-            <a:r>
-              <a:rPr lang="en-US" dirty="0" err="1" smtClean="0"/>
-              <a:t>ngHide</a:t>
-            </a:r>
-            <a:r>
-              <a:rPr lang="en-US" dirty="0" smtClean="0"/>
-              <a:t>, </a:t>
-            </a:r>
-            <a:r>
-              <a:rPr lang="en-US" dirty="0" err="1" smtClean="0"/>
-              <a:t>ngShow</a:t>
-            </a:r>
-            <a:r>
-              <a:rPr lang="en-US" dirty="0" smtClean="0"/>
-              <a:t>, </a:t>
-            </a:r>
-            <a:r>
-              <a:rPr lang="en-US" dirty="0" err="1" smtClean="0"/>
-              <a:t>ngRepeat</a:t>
-            </a:r>
-            <a:endParaRPr lang="en-US" dirty="0" smtClean="0"/>
-          </a:p>
-          <a:p>
-            <a:r>
-              <a:rPr lang="en-US" dirty="0" smtClean="0"/>
-              <a:t>Main directives:</a:t>
-            </a:r>
-          </a:p>
-          <a:p>
-            <a:r>
-              <a:rPr lang="en-US" dirty="0" err="1" smtClean="0"/>
-              <a:t>ngApp</a:t>
-            </a:r>
-            <a:r>
-              <a:rPr lang="en-US" dirty="0" smtClean="0"/>
-              <a:t>, </a:t>
-            </a:r>
-            <a:r>
-              <a:rPr lang="en-US" dirty="0" err="1" smtClean="0"/>
-              <a:t>ngController</a:t>
-            </a:r>
-            <a:r>
-              <a:rPr lang="en-US" dirty="0" smtClean="0"/>
-              <a:t>, </a:t>
-            </a:r>
-            <a:r>
-              <a:rPr lang="en-US" dirty="0" err="1" smtClean="0"/>
-              <a:t>ngModel</a:t>
-            </a:r>
-            <a:r>
-              <a:rPr lang="en-US" dirty="0" smtClean="0"/>
-              <a:t>, </a:t>
-            </a:r>
-            <a:r>
-              <a:rPr lang="en-US" dirty="0" err="1" smtClean="0"/>
-              <a:t>ngView</a:t>
-            </a:r>
-            <a:endParaRPr lang="en-US" dirty="0" smtClean="0"/>
+              <a:rPr lang="en-US" dirty="0"/>
+              <a:t>Client side navigation: $location, $</a:t>
+            </a:r>
+            <a:r>
+              <a:rPr lang="en-US" dirty="0" err="1"/>
+              <a:t>routeProvider</a:t>
+            </a:r>
+            <a:endParaRPr lang="en-US" dirty="0"/>
+          </a:p>
+          <a:p>
+            <a:r>
+              <a:rPr lang="en-US" dirty="0" smtClean="0"/>
+              <a:t>Using </a:t>
+            </a:r>
+            <a:r>
+              <a:rPr lang="en-US" dirty="0" smtClean="0"/>
+              <a:t>web services: $http, $resource</a:t>
+            </a:r>
+          </a:p>
+          <a:p>
+            <a:r>
+              <a:rPr lang="en-US" dirty="0" smtClean="0"/>
+              <a:t>Lots </a:t>
+            </a:r>
+            <a:r>
+              <a:rPr lang="en-US" dirty="0" smtClean="0"/>
+              <a:t>more..</a:t>
+            </a:r>
           </a:p>
         </p:txBody>
       </p:sp>
@@ -4335,7 +4392,7 @@
           <a:p>
             <a:r>
               <a:rPr lang="en-US" dirty="0" smtClean="0"/>
-              <a:t>Built-in Directives</a:t>
+              <a:t>Built-In Services</a:t>
             </a:r>
             <a:endParaRPr lang="en-US" dirty="0"/>
           </a:p>
@@ -4344,7 +4401,7 @@
     </p:spTree>
     <p:extLst>
       <p:ext uri="{BB962C8B-B14F-4D97-AF65-F5344CB8AC3E}">
-        <p14:creationId xmlns:p14="http://schemas.microsoft.com/office/powerpoint/2010/main" val="2050512451"/>
+        <p14:creationId xmlns:p14="http://schemas.microsoft.com/office/powerpoint/2010/main" val="2335608016"/>
       </p:ext>
     </p:extLst>
   </p:cSld>
@@ -4388,66 +4445,149 @@
           <a:p>
             <a:r>
               <a:rPr lang="en-US" dirty="0" smtClean="0"/>
-              <a:t>Aka “chaining operations”</a:t>
-            </a:r>
-          </a:p>
-          <a:p>
-            <a:r>
-              <a:rPr lang="en-US" dirty="0" smtClean="0"/>
-              <a:t>Used via $filter service or chaining operator |</a:t>
-            </a:r>
-          </a:p>
-          <a:p>
-            <a:r>
-              <a:rPr lang="en-US" dirty="0" smtClean="0"/>
-              <a:t>currency</a:t>
-            </a:r>
-          </a:p>
-          <a:p>
-            <a:r>
-              <a:rPr lang="en-US" dirty="0" smtClean="0"/>
-              <a:t>date</a:t>
-            </a:r>
-          </a:p>
-          <a:p>
-            <a:r>
-              <a:rPr lang="en-US" dirty="0" smtClean="0"/>
-              <a:t>filter</a:t>
+              <a:t>Overwrites of some elements to make their behavior client-side and hook up angular event directives:</a:t>
+            </a:r>
+          </a:p>
+          <a:p>
+            <a:r>
+              <a:rPr lang="en-US" dirty="0" smtClean="0"/>
+              <a:t>a, form, input</a:t>
+            </a:r>
+          </a:p>
+          <a:p>
+            <a:r>
+              <a:rPr lang="en-US" dirty="0" smtClean="0"/>
+              <a:t>Wrappers for events:</a:t>
             </a:r>
           </a:p>
           <a:p>
             <a:r>
               <a:rPr lang="en-US" dirty="0" err="1" smtClean="0"/>
-              <a:t>json</a:t>
+              <a:t>ngClick</a:t>
+            </a:r>
+            <a:r>
+              <a:rPr lang="en-US" dirty="0" smtClean="0"/>
+              <a:t>, </a:t>
+            </a:r>
+            <a:r>
+              <a:rPr lang="en-US" dirty="0" err="1" smtClean="0"/>
+              <a:t>ngChange</a:t>
+            </a:r>
+            <a:r>
+              <a:rPr lang="en-US" dirty="0" smtClean="0"/>
+              <a:t>, </a:t>
+            </a:r>
+            <a:r>
+              <a:rPr lang="en-US" dirty="0" err="1" smtClean="0"/>
+              <a:t>ngChecked</a:t>
+            </a:r>
+            <a:r>
+              <a:rPr lang="en-US" dirty="0" smtClean="0"/>
+              <a:t>, </a:t>
+            </a:r>
+            <a:r>
+              <a:rPr lang="en-US" dirty="0" err="1" smtClean="0"/>
+              <a:t>ngDblClick</a:t>
+            </a:r>
+            <a:r>
+              <a:rPr lang="en-US" dirty="0" smtClean="0"/>
+              <a:t>, </a:t>
+            </a:r>
+            <a:r>
+              <a:rPr lang="en-US" dirty="0" err="1" smtClean="0"/>
+              <a:t>ngMouseDown</a:t>
+            </a:r>
+            <a:r>
+              <a:rPr lang="en-US" dirty="0" smtClean="0"/>
+              <a:t>, </a:t>
+            </a:r>
+            <a:r>
+              <a:rPr lang="en-US" dirty="0" err="1" smtClean="0"/>
+              <a:t>ngSubmit</a:t>
+            </a:r>
+            <a:r>
+              <a:rPr lang="en-US" dirty="0" smtClean="0"/>
+              <a:t>, etc.</a:t>
+            </a:r>
+          </a:p>
+          <a:p>
+            <a:r>
+              <a:rPr lang="en-US" dirty="0"/>
+              <a:t>Main directives:</a:t>
+            </a:r>
+          </a:p>
+          <a:p>
+            <a:r>
+              <a:rPr lang="en-US" dirty="0" err="1"/>
+              <a:t>ngApp</a:t>
+            </a:r>
+            <a:r>
+              <a:rPr lang="en-US" dirty="0"/>
+              <a:t>, </a:t>
+            </a:r>
+            <a:r>
+              <a:rPr lang="en-US" dirty="0" err="1"/>
+              <a:t>ngController</a:t>
+            </a:r>
+            <a:r>
+              <a:rPr lang="en-US" dirty="0"/>
+              <a:t>, </a:t>
+            </a:r>
+            <a:r>
+              <a:rPr lang="en-US" dirty="0" err="1"/>
+              <a:t>ngModel</a:t>
+            </a:r>
+            <a:r>
+              <a:rPr lang="en-US" dirty="0"/>
+              <a:t>, </a:t>
+            </a:r>
+            <a:r>
+              <a:rPr lang="en-US" dirty="0" err="1"/>
+              <a:t>ngView</a:t>
+            </a:r>
+            <a:endParaRPr lang="en-US" dirty="0"/>
+          </a:p>
+          <a:p>
+            <a:r>
+              <a:rPr lang="en-US" dirty="0" smtClean="0"/>
+              <a:t>Lots </a:t>
+            </a:r>
+            <a:r>
+              <a:rPr lang="en-US" dirty="0" smtClean="0"/>
+              <a:t>of the usual stuff:</a:t>
+            </a:r>
+          </a:p>
+          <a:p>
+            <a:r>
+              <a:rPr lang="en-US" dirty="0" err="1" smtClean="0"/>
+              <a:t>ngDisabled</a:t>
+            </a:r>
+            <a:r>
+              <a:rPr lang="en-US" dirty="0" smtClean="0"/>
+              <a:t>, </a:t>
+            </a:r>
+            <a:r>
+              <a:rPr lang="en-US" dirty="0" err="1" smtClean="0"/>
+              <a:t>ngHide</a:t>
+            </a:r>
+            <a:r>
+              <a:rPr lang="en-US" dirty="0" smtClean="0"/>
+              <a:t>, </a:t>
+            </a:r>
+            <a:r>
+              <a:rPr lang="en-US" dirty="0" err="1" smtClean="0"/>
+              <a:t>ngShow</a:t>
+            </a:r>
+            <a:r>
+              <a:rPr lang="en-US" dirty="0" smtClean="0"/>
+              <a:t>, </a:t>
+            </a:r>
+            <a:r>
+              <a:rPr lang="en-US" dirty="0" err="1" smtClean="0"/>
+              <a:t>ngRepeat</a:t>
             </a:r>
             <a:endParaRPr lang="en-US" dirty="0" smtClean="0"/>
           </a:p>
-          <a:p>
-            <a:r>
-              <a:rPr lang="en-US" dirty="0" err="1" smtClean="0"/>
-              <a:t>limitTo</a:t>
-            </a:r>
-            <a:endParaRPr lang="en-US" dirty="0" smtClean="0"/>
-          </a:p>
-          <a:p>
-            <a:r>
-              <a:rPr lang="en-US" dirty="0" smtClean="0"/>
-              <a:t>lowercase/uppercase</a:t>
-            </a:r>
-          </a:p>
-          <a:p>
-            <a:r>
-              <a:rPr lang="en-US" dirty="0" smtClean="0"/>
-              <a:t>number</a:t>
-            </a:r>
-          </a:p>
-          <a:p>
-            <a:r>
-              <a:rPr lang="en-US" dirty="0" err="1" smtClean="0"/>
-              <a:t>orderBy</a:t>
-            </a:r>
-            <a:endParaRPr lang="en-US" dirty="0" smtClean="0"/>
-          </a:p>
         </p:txBody>
       </p:sp>
       <p:sp>
@@ -4467,7 +4607,7 @@
           <a:p>
             <a:r>
               <a:rPr lang="en-US" dirty="0" smtClean="0"/>
-              <a:t>Built-in “filters”</a:t>
+              <a:t>Built-in Directives</a:t>
             </a:r>
             <a:endParaRPr lang="en-US" dirty="0"/>
           </a:p>
@@ -4476,7 +4616,7 @@
     </p:spTree>
     <p:extLst>
       <p:ext uri="{BB962C8B-B14F-4D97-AF65-F5344CB8AC3E}">
-        <p14:creationId xmlns:p14="http://schemas.microsoft.com/office/powerpoint/2010/main" val="1983404125"/>
+        <p14:creationId xmlns:p14="http://schemas.microsoft.com/office/powerpoint/2010/main" val="2050512451"/>
       </p:ext>
     </p:extLst>
   </p:cSld>
@@ -4505,7 +4645,7 @@
       </p:grpSpPr>
       <p:sp>
         <p:nvSpPr>
-          <p:cNvPr id="3" name="Content Placeholder 2"/>
+          <p:cNvPr id="2" name="Content Placeholder 1"/>
           <p:cNvSpPr>
             <a:spLocks noGrp="1"/>
           </p:cNvSpPr>
@@ -4515,203 +4655,76 @@
         </p:nvSpPr>
         <p:spPr/>
         <p:txBody>
-          <a:bodyPr>
-            <a:normAutofit fontScale="85000" lnSpcReduction="20000"/>
-          </a:bodyPr>
-          <a:lstStyle/>
-          <a:p>
-            <a:r>
-              <a:rPr lang="en-US" dirty="0" smtClean="0"/>
-              <a:t>Official site: </a:t>
-            </a:r>
-            <a:r>
-              <a:rPr lang="en-US" dirty="0" smtClean="0">
-                <a:hlinkClick r:id="rId2"/>
-              </a:rPr>
-              <a:t>http://angularjs.org/</a:t>
+          <a:bodyPr/>
+          <a:lstStyle/>
+          <a:p>
+            <a:r>
+              <a:rPr lang="en-US" dirty="0" smtClean="0"/>
+              <a:t>Aka “chaining operations”</a:t>
+            </a:r>
+          </a:p>
+          <a:p>
+            <a:r>
+              <a:rPr lang="en-US" dirty="0" smtClean="0"/>
+              <a:t>Used via $filter service or chaining operator |</a:t>
+            </a:r>
+          </a:p>
+          <a:p>
+            <a:r>
+              <a:rPr lang="en-US" dirty="0" smtClean="0"/>
+              <a:t>currency</a:t>
+            </a:r>
+          </a:p>
+          <a:p>
+            <a:r>
+              <a:rPr lang="en-US" dirty="0" smtClean="0"/>
+              <a:t>date</a:t>
+            </a:r>
+          </a:p>
+          <a:p>
+            <a:r>
+              <a:rPr lang="en-US" dirty="0" smtClean="0"/>
+              <a:t>filter</a:t>
+            </a:r>
+          </a:p>
+          <a:p>
+            <a:r>
+              <a:rPr lang="en-US" dirty="0" err="1" smtClean="0"/>
+              <a:t>json</a:t>
             </a:r>
             <a:endParaRPr lang="en-US" dirty="0" smtClean="0"/>
           </a:p>
           <a:p>
             <a:r>
-              <a:rPr lang="en-US" dirty="0" smtClean="0"/>
-              <a:t>Official blog: </a:t>
-            </a:r>
-            <a:r>
-              <a:rPr lang="en-US" dirty="0" smtClean="0">
-                <a:hlinkClick r:id="rId3"/>
-              </a:rPr>
-              <a:t>http://blog.angularjs.org/</a:t>
+              <a:rPr lang="en-US" dirty="0" err="1" smtClean="0"/>
+              <a:t>limitTo</a:t>
             </a:r>
             <a:endParaRPr lang="en-US" dirty="0" smtClean="0"/>
           </a:p>
           <a:p>
             <a:r>
+              <a:rPr lang="en-US" dirty="0" smtClean="0"/>
+              <a:t>lowercase/uppercase</a:t>
+            </a:r>
+          </a:p>
+          <a:p>
+            <a:r>
+              <a:rPr lang="en-US" dirty="0" smtClean="0"/>
+              <a:t>number</a:t>
+            </a:r>
+          </a:p>
+          <a:p>
+            <a:r>
               <a:rPr lang="en-US" dirty="0" err="1" smtClean="0"/>
-              <a:t>Github</a:t>
-            </a:r>
-            <a:r>
-              <a:rPr lang="en-US" dirty="0" smtClean="0"/>
-              <a:t> seed: </a:t>
-            </a:r>
-            <a:r>
-              <a:rPr lang="en-US" dirty="0" smtClean="0">
-                <a:hlinkClick r:id="rId4"/>
-              </a:rPr>
-              <a:t>https://github.com/angular/angular-seed</a:t>
+              <a:t>orderBy</a:t>
             </a:r>
             <a:endParaRPr lang="en-US" dirty="0" smtClean="0"/>
           </a:p>
-          <a:p>
-            <a:r>
-              <a:rPr lang="en-US" dirty="0" err="1" smtClean="0"/>
-              <a:t>Batarang</a:t>
-            </a:r>
-            <a:r>
-              <a:rPr lang="en-US" dirty="0" smtClean="0"/>
-              <a:t>: </a:t>
-            </a:r>
-            <a:r>
-              <a:rPr lang="en-US" dirty="0" smtClean="0">
-                <a:hlinkClick r:id="rId5"/>
-              </a:rPr>
-              <a:t>https://chrome.google.com/webstore/detail/angularjs-batarang/ighdmehidhipcmcojjgiloacoafjmpfk?hl=en</a:t>
-            </a:r>
-            <a:endParaRPr lang="en-US" dirty="0" smtClean="0"/>
-          </a:p>
-          <a:p>
-            <a:r>
-              <a:rPr lang="en-US" dirty="0" smtClean="0"/>
-              <a:t>Cheat sheet: </a:t>
-            </a:r>
-            <a:r>
-              <a:rPr lang="en-US" dirty="0" smtClean="0">
-                <a:hlinkClick r:id="rId6"/>
-              </a:rPr>
-              <a:t>http://www.cheatography.com/proloser/cheat-sheets/angularjs/</a:t>
-            </a:r>
-            <a:endParaRPr lang="en-US" dirty="0" smtClean="0"/>
-          </a:p>
-          <a:p>
-            <a:r>
-              <a:rPr lang="en-US" dirty="0" err="1" smtClean="0"/>
-              <a:t>Dev</a:t>
-            </a:r>
-            <a:r>
-              <a:rPr lang="en-US" dirty="0" smtClean="0"/>
-              <a:t> approach: </a:t>
-            </a:r>
-            <a:r>
-              <a:rPr lang="en-US" dirty="0" smtClean="0">
-                <a:hlinkClick r:id="rId7"/>
-              </a:rPr>
-              <a:t>http://stackoverflow.com/questions/14994391/how-do-i-think-in-angularjs-if-i-have-a-jquery-background</a:t>
-            </a:r>
-            <a:endParaRPr lang="en-US" dirty="0" smtClean="0"/>
-          </a:p>
-          <a:p>
-            <a:r>
-              <a:rPr lang="en-US" b="1" dirty="0" smtClean="0"/>
-              <a:t>Screencasts</a:t>
-            </a:r>
-            <a:r>
-              <a:rPr lang="en-US" dirty="0" smtClean="0"/>
-              <a:t>: </a:t>
-            </a:r>
-            <a:r>
-              <a:rPr lang="en-US" dirty="0" smtClean="0">
-                <a:hlinkClick r:id="rId8"/>
-              </a:rPr>
-              <a:t>http://www.egghead.io/</a:t>
-            </a:r>
-            <a:endParaRPr lang="en-US" dirty="0" smtClean="0"/>
-          </a:p>
-          <a:p>
-            <a:r>
-              <a:rPr lang="en-US" dirty="0" smtClean="0"/>
-              <a:t>Scrum App: </a:t>
-            </a:r>
-            <a:r>
-              <a:rPr lang="en-US" dirty="0">
-                <a:hlinkClick r:id="rId9"/>
-              </a:rPr>
-              <a:t>https://</a:t>
-            </a:r>
-            <a:r>
-              <a:rPr lang="en-US" dirty="0" smtClean="0">
-                <a:hlinkClick r:id="rId9"/>
-              </a:rPr>
-              <a:t>github.com/kevinkemp/Angular-Scrum</a:t>
-            </a:r>
-            <a:endParaRPr lang="en-US" dirty="0" smtClean="0"/>
-          </a:p>
-          <a:p>
-            <a:r>
-              <a:rPr lang="en-US" dirty="0" smtClean="0"/>
-              <a:t>Lunch Decider: </a:t>
-            </a:r>
-            <a:r>
-              <a:rPr lang="en-US" dirty="0">
-                <a:hlinkClick r:id="rId10"/>
-              </a:rPr>
-              <a:t>https://github.com/kevinkemp/LunchDecider</a:t>
-            </a:r>
-            <a:endParaRPr lang="en-US" dirty="0" smtClean="0"/>
-          </a:p>
-          <a:p>
-            <a:r>
-              <a:rPr lang="en-US" dirty="0"/>
-              <a:t>Scope: </a:t>
-            </a:r>
-            <a:r>
-              <a:rPr lang="en-US" dirty="0">
-                <a:hlinkClick r:id="rId11"/>
-              </a:rPr>
-              <a:t>http://thenittygritty.co/angularjs-pitfalls-using-scopes</a:t>
-            </a:r>
-            <a:endParaRPr lang="en-US" dirty="0"/>
-          </a:p>
-          <a:p>
-            <a:r>
-              <a:rPr lang="en-US" dirty="0" smtClean="0"/>
-              <a:t>Dirty Checking: </a:t>
-            </a:r>
-            <a:r>
-              <a:rPr lang="en-US" dirty="0">
-                <a:hlinkClick r:id="rId12"/>
-              </a:rPr>
-              <a:t>http://</a:t>
-            </a:r>
-            <a:r>
-              <a:rPr lang="en-US" dirty="0" smtClean="0">
-                <a:hlinkClick r:id="rId12"/>
-              </a:rPr>
-              <a:t>stackoverflow.com/questions/9682092/databinding-in-angularjs</a:t>
-            </a:r>
-            <a:endParaRPr lang="en-US" dirty="0" smtClean="0"/>
-          </a:p>
-          <a:p>
-            <a:r>
-              <a:rPr lang="en-US" b="1" dirty="0" smtClean="0"/>
-              <a:t>Directives</a:t>
-            </a:r>
-            <a:r>
-              <a:rPr lang="en-US" dirty="0" smtClean="0"/>
-              <a:t>: </a:t>
-            </a:r>
-            <a:r>
-              <a:rPr lang="en-US" dirty="0">
-                <a:hlinkClick r:id="rId13"/>
-              </a:rPr>
-              <a:t>http://amitgharat.wordpress.com/2013/06/08/the-hitchhikers-guide-to-the-directive/</a:t>
-            </a:r>
-            <a:endParaRPr lang="en-US" dirty="0" smtClean="0"/>
-          </a:p>
-        </p:txBody>
-      </p:sp>
-      <p:sp>
-        <p:nvSpPr>
-          <p:cNvPr id="2" name="Title 1"/>
+        </p:txBody>
+      </p:sp>
+      <p:sp>
+        <p:nvSpPr>
+          <p:cNvPr id="3" name="Title 2"/>
           <p:cNvSpPr>
             <a:spLocks noGrp="1"/>
           </p:cNvSpPr>
@@ -4726,7 +4739,7 @@
           <a:p>
             <a:r>
               <a:rPr lang="en-US" dirty="0" smtClean="0"/>
-              <a:t>Where can I learn more?</a:t>
+              <a:t>Built-in “filters”</a:t>
             </a:r>
             <a:endParaRPr lang="en-US" dirty="0"/>
           </a:p>
@@ -4735,20 +4748,13 @@
     </p:spTree>
     <p:extLst>
       <p:ext uri="{BB962C8B-B14F-4D97-AF65-F5344CB8AC3E}">
-        <p14:creationId xmlns:p14="http://schemas.microsoft.com/office/powerpoint/2010/main" val="1698817871"/>
+        <p14:creationId xmlns:p14="http://schemas.microsoft.com/office/powerpoint/2010/main" val="1983404125"/>
       </p:ext>
     </p:extLst>
   </p:cSld>
   <p:clrMapOvr>
     <a:masterClrMapping/>
   </p:clrMapOvr>
-  <p:timing>
-    <p:tnLst>
-      <p:par>
-        <p:cTn id="1" dur="indefinite" restart="never" nodeType="tmRoot"/>
-      </p:par>
-    </p:tnLst>
-  </p:timing>
 </p:sld>
 </file>
 
@@ -4928,11 +4934,7 @@
           <a:p>
             <a:r>
               <a:rPr lang="en-US" dirty="0" smtClean="0"/>
-              <a:t>When should I use it</a:t>
-            </a:r>
-            <a:r>
-              <a:rPr lang="en-US" dirty="0" smtClean="0"/>
-              <a:t>?</a:t>
+              <a:t>When should I use it?</a:t>
             </a:r>
           </a:p>
           <a:p>
@@ -5033,14 +5035,15 @@
             </a:r>
             <a:r>
               <a:rPr lang="en-US" dirty="0" smtClean="0"/>
-              <a:t> MVVM framework written by Google.  No, seriously.</a:t>
-            </a:r>
-            <a:endParaRPr lang="en-US" dirty="0"/>
-          </a:p>
-          <a:p>
+              <a:t> MVVM framework written by Google. </a:t>
+            </a:r>
+            <a:r>
+              <a:rPr lang="en-US" dirty="0" smtClean="0"/>
+              <a:t>Single </a:t>
+            </a:r>
             <a:r>
               <a:rPr lang="en-US" dirty="0"/>
-              <a:t>Single Page Application (SPA) framework</a:t>
+              <a:t>Page Application (SPA) framework</a:t>
             </a:r>
             <a:r>
               <a:rPr lang="en-US" dirty="0" smtClean="0"/>
@@ -5148,11 +5151,7 @@
           <a:p>
             <a:r>
               <a:rPr lang="en-US" dirty="0" smtClean="0"/>
-              <a:t>Short feedback </a:t>
-            </a:r>
-            <a:r>
-              <a:rPr lang="en-US" dirty="0" smtClean="0"/>
-              <a:t>loops (due to being pure </a:t>
+              <a:t>Short feedback loops (due to being pure </a:t>
             </a:r>
             <a:r>
               <a:rPr lang="en-US" dirty="0" err="1" smtClean="0"/>
@@ -5243,7 +5242,15 @@
           <a:p>
             <a:r>
               <a:rPr lang="en-US" dirty="0" smtClean="0"/>
-              <a:t>Backbone (very minimalist… not a comparable feature set)</a:t>
+              <a:t>Backbone </a:t>
+            </a:r>
+            <a:r>
+              <a:rPr lang="en-US" dirty="0" smtClean="0"/>
+              <a:t>(minimalist</a:t>
+            </a:r>
+            <a:r>
+              <a:rPr lang="en-US" dirty="0" smtClean="0"/>
+              <a:t>… not a comparable feature set)</a:t>
             </a:r>
           </a:p>
           <a:p>
@@ -5371,20 +5378,26 @@
             </a:r>
             <a:r>
               <a:rPr lang="en-US" dirty="0" smtClean="0"/>
-              <a:t> objects!)</a:t>
-            </a:r>
-          </a:p>
-          <a:p>
-            <a:r>
-              <a:rPr lang="en-US" dirty="0" smtClean="0"/>
-              <a:t>Small footprint (minified ~80kb)</a:t>
-            </a:r>
+              <a:t> objects</a:t>
+            </a:r>
+            <a:r>
+              <a:rPr lang="en-US" dirty="0" smtClean="0"/>
+              <a:t>!)</a:t>
+            </a:r>
+          </a:p>
+          <a:p>
+            <a:r>
+              <a:rPr lang="en-US" dirty="0" smtClean="0"/>
+              <a:t>Generally small amounts of code comparatively speaking</a:t>
+            </a:r>
+            <a:endParaRPr lang="en-US" dirty="0" smtClean="0"/>
           </a:p>
           <a:p>
             <a:r>
               <a:rPr lang="en-US" dirty="0" smtClean="0"/>
               <a:t>Popular</a:t>
             </a:r>
+            <a:endParaRPr lang="en-US" dirty="0" smtClean="0"/>
           </a:p>
           <a:p>
             <a:r>
@@ -5393,7 +5406,7 @@
             </a:r>
             <a:r>
               <a:rPr lang="en-US" dirty="0" smtClean="0"/>
-              <a:t>projects</a:t>
+              <a:t>pre-existing projects</a:t>
             </a:r>
             <a:endParaRPr lang="en-US" dirty="0"/>
           </a:p>
@@ -5490,13 +5503,10 @@
           </a:p>
           <a:p>
             <a:r>
-              <a:rPr lang="en-US" dirty="0"/>
-              <a:t>Templates don’t feature string </a:t>
-            </a:r>
-            <a:r>
-              <a:rPr lang="en-US" dirty="0" smtClean="0"/>
-              <a:t>manipulation</a:t>
-            </a:r>
+              <a:rPr lang="en-US" dirty="0" smtClean="0"/>
+              <a:t>Templates are HTML</a:t>
+            </a:r>
+            <a:endParaRPr lang="en-US" dirty="0" smtClean="0"/>
           </a:p>
           <a:p>
             <a:r>
@@ -5707,13 +5717,27 @@
           <a:p>
             <a:r>
               <a:rPr lang="en-US" dirty="0" smtClean="0"/>
-              <a:t>Could be more mature.  It’s fairly new.</a:t>
-            </a:r>
-          </a:p>
-          <a:p>
-            <a:r>
-              <a:rPr lang="en-US" dirty="0" smtClean="0"/>
-              <a:t>Docs are pretty bad in some areas.  Filled with examples that don’t follow best practice.  Some areas are simply incomplete.  Really, they’re horrible.  (I did read they are in the process of redoing them all, though)</a:t>
+              <a:t>Could be more </a:t>
+            </a:r>
+            <a:r>
+              <a:rPr lang="en-US" dirty="0" smtClean="0"/>
+              <a:t>mature.</a:t>
+            </a:r>
+          </a:p>
+          <a:p>
+            <a:r>
+              <a:rPr lang="en-US" dirty="0" smtClean="0"/>
+              <a:t>Lack of nested routing out of the box.</a:t>
+            </a:r>
+          </a:p>
+          <a:p>
+            <a:r>
+              <a:rPr lang="en-US" dirty="0" smtClean="0"/>
+              <a:t>Docs </a:t>
+            </a:r>
+            <a:r>
+              <a:rPr lang="en-US" dirty="0" smtClean="0"/>
+              <a:t>are pretty bad in some areas.  Filled with examples that don’t follow best practice.  Some areas are simply incomplete.  Really, they’re horrible.  (I did read they are in the process of redoing them all, though)</a:t>
             </a:r>
           </a:p>
           <a:p>
@@ -5769,7 +5793,15 @@
           <a:p>
             <a:r>
               <a:rPr lang="en-US" dirty="0" smtClean="0"/>
-              <a:t>No, really.  Here’s the list.</a:t>
+              <a:t>OK.  </a:t>
+            </a:r>
+            <a:r>
+              <a:rPr lang="en-US" dirty="0" smtClean="0"/>
+              <a:t>Here’s the </a:t>
+            </a:r>
+            <a:r>
+              <a:rPr lang="en-US" dirty="0" smtClean="0"/>
+              <a:t>list:</a:t>
             </a:r>
             <a:endParaRPr lang="en-US" dirty="0"/>
           </a:p>

--- a/angularjs/AngularJS.pptx
+++ b/angularjs/AngularJS.pptx
@@ -4,6 +4,9 @@
   <p:sldMasterIdLst>
     <p:sldMasterId id="2147483660" r:id="rId1"/>
   </p:sldMasterIdLst>
+  <p:notesMasterIdLst>
+    <p:notesMasterId r:id="rId17"/>
+  </p:notesMasterIdLst>
   <p:sldIdLst>
     <p:sldId id="256" r:id="rId2"/>
     <p:sldId id="269" r:id="rId3"/>
@@ -15,10 +18,11 @@
     <p:sldId id="265" r:id="rId9"/>
     <p:sldId id="266" r:id="rId10"/>
     <p:sldId id="258" r:id="rId11"/>
-    <p:sldId id="270" r:id="rId12"/>
-    <p:sldId id="271" r:id="rId13"/>
-    <p:sldId id="272" r:id="rId14"/>
-    <p:sldId id="264" r:id="rId15"/>
+    <p:sldId id="273" r:id="rId12"/>
+    <p:sldId id="270" r:id="rId13"/>
+    <p:sldId id="271" r:id="rId14"/>
+    <p:sldId id="272" r:id="rId15"/>
+    <p:sldId id="264" r:id="rId16"/>
   </p:sldIdLst>
   <p:sldSz cx="9144000" cy="6858000" type="screen4x3"/>
   <p:notesSz cx="6858000" cy="9144000"/>
@@ -120,6 +124,640 @@
 </p:presentation>
 </file>
 
+<file path=ppt/notesMasters/notesMaster1.xml><?xml version="1.0" encoding="utf-8"?>
+<p:notesMaster xmlns:a="http://schemas.openxmlformats.org/drawingml/2006/main" xmlns:r="http://schemas.openxmlformats.org/officeDocument/2006/relationships" xmlns:p="http://schemas.openxmlformats.org/presentationml/2006/main">
+  <p:cSld>
+    <p:bg>
+      <p:bgRef idx="1001">
+        <a:schemeClr val="bg1"/>
+      </p:bgRef>
+    </p:bg>
+    <p:spTree>
+      <p:nvGrpSpPr>
+        <p:cNvPr id="1" name=""/>
+        <p:cNvGrpSpPr/>
+        <p:nvPr/>
+      </p:nvGrpSpPr>
+      <p:grpSpPr>
+        <a:xfrm>
+          <a:off x="0" y="0"/>
+          <a:ext cx="0" cy="0"/>
+          <a:chOff x="0" y="0"/>
+          <a:chExt cx="0" cy="0"/>
+        </a:xfrm>
+      </p:grpSpPr>
+      <p:sp>
+        <p:nvSpPr>
+          <p:cNvPr id="2" name="Header Placeholder 1"/>
+          <p:cNvSpPr>
+            <a:spLocks noGrp="1"/>
+          </p:cNvSpPr>
+          <p:nvPr>
+            <p:ph type="hdr" sz="quarter"/>
+          </p:nvPr>
+        </p:nvSpPr>
+        <p:spPr>
+          <a:xfrm>
+            <a:off x="0" y="0"/>
+            <a:ext cx="2971800" cy="457200"/>
+          </a:xfrm>
+          <a:prstGeom prst="rect">
+            <a:avLst/>
+          </a:prstGeom>
+        </p:spPr>
+        <p:txBody>
+          <a:bodyPr vert="horz" lIns="91440" tIns="45720" rIns="91440" bIns="45720" rtlCol="0"/>
+          <a:lstStyle>
+            <a:lvl1pPr algn="l">
+              <a:defRPr sz="1200"/>
+            </a:lvl1pPr>
+          </a:lstStyle>
+          <a:p>
+            <a:endParaRPr lang="en-US"/>
+          </a:p>
+        </p:txBody>
+      </p:sp>
+      <p:sp>
+        <p:nvSpPr>
+          <p:cNvPr id="3" name="Date Placeholder 2"/>
+          <p:cNvSpPr>
+            <a:spLocks noGrp="1"/>
+          </p:cNvSpPr>
+          <p:nvPr>
+            <p:ph type="dt" idx="1"/>
+          </p:nvPr>
+        </p:nvSpPr>
+        <p:spPr>
+          <a:xfrm>
+            <a:off x="3884613" y="0"/>
+            <a:ext cx="2971800" cy="457200"/>
+          </a:xfrm>
+          <a:prstGeom prst="rect">
+            <a:avLst/>
+          </a:prstGeom>
+        </p:spPr>
+        <p:txBody>
+          <a:bodyPr vert="horz" lIns="91440" tIns="45720" rIns="91440" bIns="45720" rtlCol="0"/>
+          <a:lstStyle>
+            <a:lvl1pPr algn="r">
+              <a:defRPr sz="1200"/>
+            </a:lvl1pPr>
+          </a:lstStyle>
+          <a:p>
+            <a:fld id="{668802D5-F0DF-48C3-B69B-3273198C8E95}" type="datetimeFigureOut">
+              <a:rPr lang="en-US" smtClean="0"/>
+              <a:t>8/12/2013</a:t>
+            </a:fld>
+            <a:endParaRPr lang="en-US"/>
+          </a:p>
+        </p:txBody>
+      </p:sp>
+      <p:sp>
+        <p:nvSpPr>
+          <p:cNvPr id="4" name="Slide Image Placeholder 3"/>
+          <p:cNvSpPr>
+            <a:spLocks noGrp="1" noRot="1" noChangeAspect="1"/>
+          </p:cNvSpPr>
+          <p:nvPr>
+            <p:ph type="sldImg" idx="2"/>
+          </p:nvPr>
+        </p:nvSpPr>
+        <p:spPr>
+          <a:xfrm>
+            <a:off x="1143000" y="685800"/>
+            <a:ext cx="4572000" cy="3429000"/>
+          </a:xfrm>
+          <a:prstGeom prst="rect">
+            <a:avLst/>
+          </a:prstGeom>
+          <a:noFill/>
+          <a:ln w="12700">
+            <a:solidFill>
+              <a:prstClr val="black"/>
+            </a:solidFill>
+          </a:ln>
+        </p:spPr>
+        <p:txBody>
+          <a:bodyPr vert="horz" lIns="91440" tIns="45720" rIns="91440" bIns="45720" rtlCol="0" anchor="ctr"/>
+          <a:lstStyle/>
+          <a:p>
+            <a:endParaRPr lang="en-US"/>
+          </a:p>
+        </p:txBody>
+      </p:sp>
+      <p:sp>
+        <p:nvSpPr>
+          <p:cNvPr id="5" name="Notes Placeholder 4"/>
+          <p:cNvSpPr>
+            <a:spLocks noGrp="1"/>
+          </p:cNvSpPr>
+          <p:nvPr>
+            <p:ph type="body" sz="quarter" idx="3"/>
+          </p:nvPr>
+        </p:nvSpPr>
+        <p:spPr>
+          <a:xfrm>
+            <a:off x="685800" y="4343400"/>
+            <a:ext cx="5486400" cy="4114800"/>
+          </a:xfrm>
+          <a:prstGeom prst="rect">
+            <a:avLst/>
+          </a:prstGeom>
+        </p:spPr>
+        <p:txBody>
+          <a:bodyPr vert="horz" lIns="91440" tIns="45720" rIns="91440" bIns="45720" rtlCol="0"/>
+          <a:lstStyle/>
+          <a:p>
+            <a:pPr lvl="0"/>
+            <a:r>
+              <a:rPr lang="en-US" smtClean="0"/>
+              <a:t>Click to edit Master text styles</a:t>
+            </a:r>
+          </a:p>
+          <a:p>
+            <a:pPr lvl="1"/>
+            <a:r>
+              <a:rPr lang="en-US" smtClean="0"/>
+              <a:t>Second level</a:t>
+            </a:r>
+          </a:p>
+          <a:p>
+            <a:pPr lvl="2"/>
+            <a:r>
+              <a:rPr lang="en-US" smtClean="0"/>
+              <a:t>Third level</a:t>
+            </a:r>
+          </a:p>
+          <a:p>
+            <a:pPr lvl="3"/>
+            <a:r>
+              <a:rPr lang="en-US" smtClean="0"/>
+              <a:t>Fourth level</a:t>
+            </a:r>
+          </a:p>
+          <a:p>
+            <a:pPr lvl="4"/>
+            <a:r>
+              <a:rPr lang="en-US" smtClean="0"/>
+              <a:t>Fifth level</a:t>
+            </a:r>
+            <a:endParaRPr lang="en-US"/>
+          </a:p>
+        </p:txBody>
+      </p:sp>
+      <p:sp>
+        <p:nvSpPr>
+          <p:cNvPr id="6" name="Footer Placeholder 5"/>
+          <p:cNvSpPr>
+            <a:spLocks noGrp="1"/>
+          </p:cNvSpPr>
+          <p:nvPr>
+            <p:ph type="ftr" sz="quarter" idx="4"/>
+          </p:nvPr>
+        </p:nvSpPr>
+        <p:spPr>
+          <a:xfrm>
+            <a:off x="0" y="8685213"/>
+            <a:ext cx="2971800" cy="457200"/>
+          </a:xfrm>
+          <a:prstGeom prst="rect">
+            <a:avLst/>
+          </a:prstGeom>
+        </p:spPr>
+        <p:txBody>
+          <a:bodyPr vert="horz" lIns="91440" tIns="45720" rIns="91440" bIns="45720" rtlCol="0" anchor="b"/>
+          <a:lstStyle>
+            <a:lvl1pPr algn="l">
+              <a:defRPr sz="1200"/>
+            </a:lvl1pPr>
+          </a:lstStyle>
+          <a:p>
+            <a:endParaRPr lang="en-US"/>
+          </a:p>
+        </p:txBody>
+      </p:sp>
+      <p:sp>
+        <p:nvSpPr>
+          <p:cNvPr id="7" name="Slide Number Placeholder 6"/>
+          <p:cNvSpPr>
+            <a:spLocks noGrp="1"/>
+          </p:cNvSpPr>
+          <p:nvPr>
+            <p:ph type="sldNum" sz="quarter" idx="5"/>
+          </p:nvPr>
+        </p:nvSpPr>
+        <p:spPr>
+          <a:xfrm>
+            <a:off x="3884613" y="8685213"/>
+            <a:ext cx="2971800" cy="457200"/>
+          </a:xfrm>
+          <a:prstGeom prst="rect">
+            <a:avLst/>
+          </a:prstGeom>
+        </p:spPr>
+        <p:txBody>
+          <a:bodyPr vert="horz" lIns="91440" tIns="45720" rIns="91440" bIns="45720" rtlCol="0" anchor="b"/>
+          <a:lstStyle>
+            <a:lvl1pPr algn="r">
+              <a:defRPr sz="1200"/>
+            </a:lvl1pPr>
+          </a:lstStyle>
+          <a:p>
+            <a:fld id="{9DD3B4CE-14B6-4AE3-A7C1-58CAE8C56037}" type="slidenum">
+              <a:rPr lang="en-US" smtClean="0"/>
+              <a:t>‹#›</a:t>
+            </a:fld>
+            <a:endParaRPr lang="en-US"/>
+          </a:p>
+        </p:txBody>
+      </p:sp>
+    </p:spTree>
+    <p:extLst>
+      <p:ext uri="{BB962C8B-B14F-4D97-AF65-F5344CB8AC3E}">
+        <p14:creationId xmlns:p14="http://schemas.microsoft.com/office/powerpoint/2010/main" val="1268528955"/>
+      </p:ext>
+    </p:extLst>
+  </p:cSld>
+  <p:clrMap bg1="lt1" tx1="dk1" bg2="lt2" tx2="dk2" accent1="accent1" accent2="accent2" accent3="accent3" accent4="accent4" accent5="accent5" accent6="accent6" hlink="hlink" folHlink="folHlink"/>
+  <p:notesStyle>
+    <a:lvl1pPr marL="0" algn="l" defTabSz="914400" rtl="0" eaLnBrk="1" latinLnBrk="0" hangingPunct="1">
+      <a:defRPr sz="1200" kern="1200">
+        <a:solidFill>
+          <a:schemeClr val="tx1"/>
+        </a:solidFill>
+        <a:latin typeface="+mn-lt"/>
+        <a:ea typeface="+mn-ea"/>
+        <a:cs typeface="+mn-cs"/>
+      </a:defRPr>
+    </a:lvl1pPr>
+    <a:lvl2pPr marL="457200" algn="l" defTabSz="914400" rtl="0" eaLnBrk="1" latinLnBrk="0" hangingPunct="1">
+      <a:defRPr sz="1200" kern="1200">
+        <a:solidFill>
+          <a:schemeClr val="tx1"/>
+        </a:solidFill>
+        <a:latin typeface="+mn-lt"/>
+        <a:ea typeface="+mn-ea"/>
+        <a:cs typeface="+mn-cs"/>
+      </a:defRPr>
+    </a:lvl2pPr>
+    <a:lvl3pPr marL="914400" algn="l" defTabSz="914400" rtl="0" eaLnBrk="1" latinLnBrk="0" hangingPunct="1">
+      <a:defRPr sz="1200" kern="1200">
+        <a:solidFill>
+          <a:schemeClr val="tx1"/>
+        </a:solidFill>
+        <a:latin typeface="+mn-lt"/>
+        <a:ea typeface="+mn-ea"/>
+        <a:cs typeface="+mn-cs"/>
+      </a:defRPr>
+    </a:lvl3pPr>
+    <a:lvl4pPr marL="1371600" algn="l" defTabSz="914400" rtl="0" eaLnBrk="1" latinLnBrk="0" hangingPunct="1">
+      <a:defRPr sz="1200" kern="1200">
+        <a:solidFill>
+          <a:schemeClr val="tx1"/>
+        </a:solidFill>
+        <a:latin typeface="+mn-lt"/>
+        <a:ea typeface="+mn-ea"/>
+        <a:cs typeface="+mn-cs"/>
+      </a:defRPr>
+    </a:lvl4pPr>
+    <a:lvl5pPr marL="1828800" algn="l" defTabSz="914400" rtl="0" eaLnBrk="1" latinLnBrk="0" hangingPunct="1">
+      <a:defRPr sz="1200" kern="1200">
+        <a:solidFill>
+          <a:schemeClr val="tx1"/>
+        </a:solidFill>
+        <a:latin typeface="+mn-lt"/>
+        <a:ea typeface="+mn-ea"/>
+        <a:cs typeface="+mn-cs"/>
+      </a:defRPr>
+    </a:lvl5pPr>
+    <a:lvl6pPr marL="2286000" algn="l" defTabSz="914400" rtl="0" eaLnBrk="1" latinLnBrk="0" hangingPunct="1">
+      <a:defRPr sz="1200" kern="1200">
+        <a:solidFill>
+          <a:schemeClr val="tx1"/>
+        </a:solidFill>
+        <a:latin typeface="+mn-lt"/>
+        <a:ea typeface="+mn-ea"/>
+        <a:cs typeface="+mn-cs"/>
+      </a:defRPr>
+    </a:lvl6pPr>
+    <a:lvl7pPr marL="2743200" algn="l" defTabSz="914400" rtl="0" eaLnBrk="1" latinLnBrk="0" hangingPunct="1">
+      <a:defRPr sz="1200" kern="1200">
+        <a:solidFill>
+          <a:schemeClr val="tx1"/>
+        </a:solidFill>
+        <a:latin typeface="+mn-lt"/>
+        <a:ea typeface="+mn-ea"/>
+        <a:cs typeface="+mn-cs"/>
+      </a:defRPr>
+    </a:lvl7pPr>
+    <a:lvl8pPr marL="3200400" algn="l" defTabSz="914400" rtl="0" eaLnBrk="1" latinLnBrk="0" hangingPunct="1">
+      <a:defRPr sz="1200" kern="1200">
+        <a:solidFill>
+          <a:schemeClr val="tx1"/>
+        </a:solidFill>
+        <a:latin typeface="+mn-lt"/>
+        <a:ea typeface="+mn-ea"/>
+        <a:cs typeface="+mn-cs"/>
+      </a:defRPr>
+    </a:lvl8pPr>
+    <a:lvl9pPr marL="3657600" algn="l" defTabSz="914400" rtl="0" eaLnBrk="1" latinLnBrk="0" hangingPunct="1">
+      <a:defRPr sz="1200" kern="1200">
+        <a:solidFill>
+          <a:schemeClr val="tx1"/>
+        </a:solidFill>
+        <a:latin typeface="+mn-lt"/>
+        <a:ea typeface="+mn-ea"/>
+        <a:cs typeface="+mn-cs"/>
+      </a:defRPr>
+    </a:lvl9pPr>
+  </p:notesStyle>
+</p:notesMaster>
+</file>
+
+<file path=ppt/notesSlides/notesSlide1.xml><?xml version="1.0" encoding="utf-8"?>
+<p:notes xmlns:a="http://schemas.openxmlformats.org/drawingml/2006/main" xmlns:r="http://schemas.openxmlformats.org/officeDocument/2006/relationships" xmlns:p="http://schemas.openxmlformats.org/presentationml/2006/main">
+  <p:cSld>
+    <p:spTree>
+      <p:nvGrpSpPr>
+        <p:cNvPr id="1" name=""/>
+        <p:cNvGrpSpPr/>
+        <p:nvPr/>
+      </p:nvGrpSpPr>
+      <p:grpSpPr>
+        <a:xfrm>
+          <a:off x="0" y="0"/>
+          <a:ext cx="0" cy="0"/>
+          <a:chOff x="0" y="0"/>
+          <a:chExt cx="0" cy="0"/>
+        </a:xfrm>
+      </p:grpSpPr>
+      <p:sp>
+        <p:nvSpPr>
+          <p:cNvPr id="2" name="Slide Image Placeholder 1"/>
+          <p:cNvSpPr>
+            <a:spLocks noGrp="1" noRot="1" noChangeAspect="1"/>
+          </p:cNvSpPr>
+          <p:nvPr>
+            <p:ph type="sldImg"/>
+          </p:nvPr>
+        </p:nvSpPr>
+        <p:spPr/>
+      </p:sp>
+      <p:sp>
+        <p:nvSpPr>
+          <p:cNvPr id="3" name="Notes Placeholder 2"/>
+          <p:cNvSpPr>
+            <a:spLocks noGrp="1"/>
+          </p:cNvSpPr>
+          <p:nvPr>
+            <p:ph type="body" idx="1"/>
+          </p:nvPr>
+        </p:nvSpPr>
+        <p:spPr/>
+        <p:txBody>
+          <a:bodyPr/>
+          <a:lstStyle/>
+          <a:p>
+            <a:r>
+              <a:rPr lang="en-US" dirty="0" smtClean="0"/>
+              <a:t>Show service layer</a:t>
+            </a:r>
+            <a:endParaRPr lang="en-US" dirty="0"/>
+          </a:p>
+        </p:txBody>
+      </p:sp>
+      <p:sp>
+        <p:nvSpPr>
+          <p:cNvPr id="4" name="Slide Number Placeholder 3"/>
+          <p:cNvSpPr>
+            <a:spLocks noGrp="1"/>
+          </p:cNvSpPr>
+          <p:nvPr>
+            <p:ph type="sldNum" sz="quarter" idx="10"/>
+          </p:nvPr>
+        </p:nvSpPr>
+        <p:spPr/>
+        <p:txBody>
+          <a:bodyPr/>
+          <a:lstStyle/>
+          <a:p>
+            <a:fld id="{9DD3B4CE-14B6-4AE3-A7C1-58CAE8C56037}" type="slidenum">
+              <a:rPr lang="en-US" smtClean="0"/>
+              <a:t>12</a:t>
+            </a:fld>
+            <a:endParaRPr lang="en-US"/>
+          </a:p>
+        </p:txBody>
+      </p:sp>
+    </p:spTree>
+    <p:extLst>
+      <p:ext uri="{BB962C8B-B14F-4D97-AF65-F5344CB8AC3E}">
+        <p14:creationId xmlns:p14="http://schemas.microsoft.com/office/powerpoint/2010/main" val="633620947"/>
+      </p:ext>
+    </p:extLst>
+  </p:cSld>
+  <p:clrMapOvr>
+    <a:masterClrMapping/>
+  </p:clrMapOvr>
+</p:notes>
+</file>
+
+<file path=ppt/notesSlides/notesSlide2.xml><?xml version="1.0" encoding="utf-8"?>
+<p:notes xmlns:a="http://schemas.openxmlformats.org/drawingml/2006/main" xmlns:r="http://schemas.openxmlformats.org/officeDocument/2006/relationships" xmlns:p="http://schemas.openxmlformats.org/presentationml/2006/main">
+  <p:cSld>
+    <p:spTree>
+      <p:nvGrpSpPr>
+        <p:cNvPr id="1" name=""/>
+        <p:cNvGrpSpPr/>
+        <p:nvPr/>
+      </p:nvGrpSpPr>
+      <p:grpSpPr>
+        <a:xfrm>
+          <a:off x="0" y="0"/>
+          <a:ext cx="0" cy="0"/>
+          <a:chOff x="0" y="0"/>
+          <a:chExt cx="0" cy="0"/>
+        </a:xfrm>
+      </p:grpSpPr>
+      <p:sp>
+        <p:nvSpPr>
+          <p:cNvPr id="2" name="Slide Image Placeholder 1"/>
+          <p:cNvSpPr>
+            <a:spLocks noGrp="1" noRot="1" noChangeAspect="1"/>
+          </p:cNvSpPr>
+          <p:nvPr>
+            <p:ph type="sldImg"/>
+          </p:nvPr>
+        </p:nvSpPr>
+        <p:spPr/>
+      </p:sp>
+      <p:sp>
+        <p:nvSpPr>
+          <p:cNvPr id="3" name="Notes Placeholder 2"/>
+          <p:cNvSpPr>
+            <a:spLocks noGrp="1"/>
+          </p:cNvSpPr>
+          <p:nvPr>
+            <p:ph type="body" idx="1"/>
+          </p:nvPr>
+        </p:nvSpPr>
+        <p:spPr/>
+        <p:txBody>
+          <a:bodyPr/>
+          <a:lstStyle/>
+          <a:p>
+            <a:r>
+              <a:rPr lang="en-US" dirty="0" smtClean="0"/>
+              <a:t>Reminder to show Chart.js directive here</a:t>
+            </a:r>
+          </a:p>
+          <a:p>
+            <a:r>
+              <a:rPr lang="en-US" dirty="0" smtClean="0"/>
+              <a:t>Example of parameter passing to switch from Bar chart to Pie chart</a:t>
+            </a:r>
+            <a:endParaRPr lang="en-US" dirty="0"/>
+          </a:p>
+        </p:txBody>
+      </p:sp>
+      <p:sp>
+        <p:nvSpPr>
+          <p:cNvPr id="4" name="Slide Number Placeholder 3"/>
+          <p:cNvSpPr>
+            <a:spLocks noGrp="1"/>
+          </p:cNvSpPr>
+          <p:nvPr>
+            <p:ph type="sldNum" sz="quarter" idx="10"/>
+          </p:nvPr>
+        </p:nvSpPr>
+        <p:spPr/>
+        <p:txBody>
+          <a:bodyPr/>
+          <a:lstStyle/>
+          <a:p>
+            <a:fld id="{9DD3B4CE-14B6-4AE3-A7C1-58CAE8C56037}" type="slidenum">
+              <a:rPr lang="en-US" smtClean="0"/>
+              <a:t>13</a:t>
+            </a:fld>
+            <a:endParaRPr lang="en-US"/>
+          </a:p>
+        </p:txBody>
+      </p:sp>
+    </p:spTree>
+    <p:extLst>
+      <p:ext uri="{BB962C8B-B14F-4D97-AF65-F5344CB8AC3E}">
+        <p14:creationId xmlns:p14="http://schemas.microsoft.com/office/powerpoint/2010/main" val="2501759457"/>
+      </p:ext>
+    </p:extLst>
+  </p:cSld>
+  <p:clrMapOvr>
+    <a:masterClrMapping/>
+  </p:clrMapOvr>
+</p:notes>
+</file>
+
+<file path=ppt/notesSlides/notesSlide3.xml><?xml version="1.0" encoding="utf-8"?>
+<p:notes xmlns:a="http://schemas.openxmlformats.org/drawingml/2006/main" xmlns:r="http://schemas.openxmlformats.org/officeDocument/2006/relationships" xmlns:p="http://schemas.openxmlformats.org/presentationml/2006/main">
+  <p:cSld>
+    <p:spTree>
+      <p:nvGrpSpPr>
+        <p:cNvPr id="1" name=""/>
+        <p:cNvGrpSpPr/>
+        <p:nvPr/>
+      </p:nvGrpSpPr>
+      <p:grpSpPr>
+        <a:xfrm>
+          <a:off x="0" y="0"/>
+          <a:ext cx="0" cy="0"/>
+          <a:chOff x="0" y="0"/>
+          <a:chExt cx="0" cy="0"/>
+        </a:xfrm>
+      </p:grpSpPr>
+      <p:sp>
+        <p:nvSpPr>
+          <p:cNvPr id="2" name="Slide Image Placeholder 1"/>
+          <p:cNvSpPr>
+            <a:spLocks noGrp="1" noRot="1" noChangeAspect="1"/>
+          </p:cNvSpPr>
+          <p:nvPr>
+            <p:ph type="sldImg"/>
+          </p:nvPr>
+        </p:nvSpPr>
+        <p:spPr/>
+      </p:sp>
+      <p:sp>
+        <p:nvSpPr>
+          <p:cNvPr id="3" name="Notes Placeholder 2"/>
+          <p:cNvSpPr>
+            <a:spLocks noGrp="1"/>
+          </p:cNvSpPr>
+          <p:nvPr>
+            <p:ph type="body" idx="1"/>
+          </p:nvPr>
+        </p:nvSpPr>
+        <p:spPr/>
+        <p:txBody>
+          <a:bodyPr/>
+          <a:lstStyle/>
+          <a:p>
+            <a:r>
+              <a:rPr lang="en-US" dirty="0" smtClean="0"/>
+              <a:t>Show </a:t>
+            </a:r>
+            <a:r>
+              <a:rPr lang="en-US" dirty="0" err="1" smtClean="0"/>
+              <a:t>selectRestaurant</a:t>
+            </a:r>
+            <a:r>
+              <a:rPr lang="en-US" dirty="0" smtClean="0"/>
+              <a:t> view</a:t>
+            </a:r>
+          </a:p>
+          <a:p>
+            <a:r>
+              <a:rPr lang="en-US" dirty="0" smtClean="0"/>
+              <a:t>Demonstrate the Distance decimal places filter</a:t>
+            </a:r>
+            <a:endParaRPr lang="en-US" dirty="0"/>
+          </a:p>
+        </p:txBody>
+      </p:sp>
+      <p:sp>
+        <p:nvSpPr>
+          <p:cNvPr id="4" name="Slide Number Placeholder 3"/>
+          <p:cNvSpPr>
+            <a:spLocks noGrp="1"/>
+          </p:cNvSpPr>
+          <p:nvPr>
+            <p:ph type="sldNum" sz="quarter" idx="10"/>
+          </p:nvPr>
+        </p:nvSpPr>
+        <p:spPr/>
+        <p:txBody>
+          <a:bodyPr/>
+          <a:lstStyle/>
+          <a:p>
+            <a:fld id="{9DD3B4CE-14B6-4AE3-A7C1-58CAE8C56037}" type="slidenum">
+              <a:rPr lang="en-US" smtClean="0"/>
+              <a:t>14</a:t>
+            </a:fld>
+            <a:endParaRPr lang="en-US"/>
+          </a:p>
+        </p:txBody>
+      </p:sp>
+    </p:spTree>
+    <p:extLst>
+      <p:ext uri="{BB962C8B-B14F-4D97-AF65-F5344CB8AC3E}">
+        <p14:creationId xmlns:p14="http://schemas.microsoft.com/office/powerpoint/2010/main" val="3792051152"/>
+      </p:ext>
+    </p:extLst>
+  </p:cSld>
+  <p:clrMapOvr>
+    <a:masterClrMapping/>
+  </p:clrMapOvr>
+</p:notes>
+</file>
+
 <file path=ppt/slideLayouts/slideLayout1.xml><?xml version="1.0" encoding="utf-8"?>
 <p:sldLayout xmlns:a="http://schemas.openxmlformats.org/drawingml/2006/main" xmlns:r="http://schemas.openxmlformats.org/officeDocument/2006/relationships" xmlns:p="http://schemas.openxmlformats.org/presentationml/2006/main" type="title" preserve="1">
   <p:cSld name="Title Slide">
@@ -356,7 +994,7 @@
           <a:p>
             <a:fld id="{08B8A534-EA6A-4837-9123-2F13D53816C7}" type="datetimeFigureOut">
               <a:rPr lang="en-US" smtClean="0"/>
-              <a:t>8/10/2013</a:t>
+              <a:t>8/12/2013</a:t>
             </a:fld>
             <a:endParaRPr lang="en-US"/>
           </a:p>
@@ -634,7 +1272,7 @@
           <a:p>
             <a:fld id="{08B8A534-EA6A-4837-9123-2F13D53816C7}" type="datetimeFigureOut">
               <a:rPr lang="en-US" smtClean="0"/>
-              <a:t>8/10/2013</a:t>
+              <a:t>8/12/2013</a:t>
             </a:fld>
             <a:endParaRPr lang="en-US"/>
           </a:p>
@@ -857,7 +1495,7 @@
           <a:p>
             <a:fld id="{08B8A534-EA6A-4837-9123-2F13D53816C7}" type="datetimeFigureOut">
               <a:rPr lang="en-US" smtClean="0"/>
-              <a:t>8/10/2013</a:t>
+              <a:t>8/12/2013</a:t>
             </a:fld>
             <a:endParaRPr lang="en-US"/>
           </a:p>
@@ -1052,7 +1690,7 @@
           <a:p>
             <a:fld id="{08B8A534-EA6A-4837-9123-2F13D53816C7}" type="datetimeFigureOut">
               <a:rPr lang="en-US" smtClean="0"/>
-              <a:t>8/10/2013</a:t>
+              <a:t>8/12/2013</a:t>
             </a:fld>
             <a:endParaRPr lang="en-US"/>
           </a:p>
@@ -1332,7 +1970,7 @@
           <a:p>
             <a:fld id="{08B8A534-EA6A-4837-9123-2F13D53816C7}" type="datetimeFigureOut">
               <a:rPr lang="en-US" smtClean="0"/>
-              <a:t>8/10/2013</a:t>
+              <a:t>8/12/2013</a:t>
             </a:fld>
             <a:endParaRPr lang="en-US"/>
           </a:p>
@@ -1805,7 +2443,7 @@
           <a:p>
             <a:fld id="{08B8A534-EA6A-4837-9123-2F13D53816C7}" type="datetimeFigureOut">
               <a:rPr lang="en-US" smtClean="0"/>
-              <a:t>8/10/2013</a:t>
+              <a:t>8/12/2013</a:t>
             </a:fld>
             <a:endParaRPr lang="en-US"/>
           </a:p>
@@ -2260,7 +2898,7 @@
           <a:p>
             <a:fld id="{08B8A534-EA6A-4837-9123-2F13D53816C7}" type="datetimeFigureOut">
               <a:rPr lang="en-US" smtClean="0"/>
-              <a:t>8/10/2013</a:t>
+              <a:t>8/12/2013</a:t>
             </a:fld>
             <a:endParaRPr lang="en-US"/>
           </a:p>
@@ -2398,7 +3036,7 @@
           <a:p>
             <a:fld id="{08B8A534-EA6A-4837-9123-2F13D53816C7}" type="datetimeFigureOut">
               <a:rPr lang="en-US" smtClean="0"/>
-              <a:t>8/10/2013</a:t>
+              <a:t>8/12/2013</a:t>
             </a:fld>
             <a:endParaRPr lang="en-US"/>
           </a:p>
@@ -2559,7 +3197,7 @@
           <a:p>
             <a:fld id="{08B8A534-EA6A-4837-9123-2F13D53816C7}" type="datetimeFigureOut">
               <a:rPr lang="en-US" smtClean="0"/>
-              <a:t>8/10/2013</a:t>
+              <a:t>8/12/2013</a:t>
             </a:fld>
             <a:endParaRPr lang="en-US"/>
           </a:p>
@@ -2953,7 +3591,7 @@
           <a:p>
             <a:fld id="{08B8A534-EA6A-4837-9123-2F13D53816C7}" type="datetimeFigureOut">
               <a:rPr lang="en-US" smtClean="0"/>
-              <a:t>8/10/2013</a:t>
+              <a:t>8/12/2013</a:t>
             </a:fld>
             <a:endParaRPr lang="en-US"/>
           </a:p>
@@ -3353,7 +3991,7 @@
           <a:p>
             <a:fld id="{08B8A534-EA6A-4837-9123-2F13D53816C7}" type="datetimeFigureOut">
               <a:rPr lang="en-US" smtClean="0"/>
-              <a:t>8/10/2013</a:t>
+              <a:t>8/12/2013</a:t>
             </a:fld>
             <a:endParaRPr lang="en-US"/>
           </a:p>
@@ -3563,7 +4201,7 @@
           <a:p>
             <a:fld id="{08B8A534-EA6A-4837-9123-2F13D53816C7}" type="datetimeFigureOut">
               <a:rPr lang="en-US" smtClean="0"/>
-              <a:t>8/10/2013</a:t>
+              <a:t>8/12/2013</a:t>
             </a:fld>
             <a:endParaRPr lang="en-US"/>
           </a:p>
@@ -4343,36 +4981,8 @@
           <a:bodyPr/>
           <a:lstStyle/>
           <a:p>
-            <a:r>
-              <a:rPr lang="en-US" dirty="0"/>
-              <a:t>Client side navigation: $location, $</a:t>
-            </a:r>
-            <a:r>
-              <a:rPr lang="en-US" dirty="0" err="1"/>
-              <a:t>routeProvider</a:t>
-            </a:r>
             <a:endParaRPr lang="en-US" dirty="0"/>
           </a:p>
-          <a:p>
-            <a:r>
-              <a:rPr lang="en-US" dirty="0" smtClean="0"/>
-              <a:t>Using </a:t>
-            </a:r>
-            <a:r>
-              <a:rPr lang="en-US" dirty="0" smtClean="0"/>
-              <a:t>web services: $http, $resource</a:t>
-            </a:r>
-          </a:p>
-          <a:p>
-            <a:r>
-              <a:rPr lang="en-US" dirty="0" smtClean="0"/>
-              <a:t>Lots </a:t>
-            </a:r>
-            <a:r>
-              <a:rPr lang="en-US" dirty="0" smtClean="0"/>
-              <a:t>more..</a:t>
-            </a:r>
-          </a:p>
         </p:txBody>
       </p:sp>
       <p:sp>
@@ -4392,7 +5002,11 @@
           <a:p>
             <a:r>
               <a:rPr lang="en-US" dirty="0" smtClean="0"/>
-              <a:t>Built-In Services</a:t>
+              <a:t>Intro to </a:t>
+            </a:r>
+            <a:r>
+              <a:rPr lang="en-US" dirty="0" err="1" smtClean="0"/>
+              <a:t>LunchDecider</a:t>
             </a:r>
             <a:endParaRPr lang="en-US" dirty="0"/>
           </a:p>
@@ -4401,7 +5015,7 @@
     </p:spTree>
     <p:extLst>
       <p:ext uri="{BB962C8B-B14F-4D97-AF65-F5344CB8AC3E}">
-        <p14:creationId xmlns:p14="http://schemas.microsoft.com/office/powerpoint/2010/main" val="2335608016"/>
+        <p14:creationId xmlns:p14="http://schemas.microsoft.com/office/powerpoint/2010/main" val="3580432301"/>
       </p:ext>
     </p:extLst>
   </p:cSld>
@@ -4444,149 +5058,26 @@
           <a:lstStyle/>
           <a:p>
             <a:r>
-              <a:rPr lang="en-US" dirty="0" smtClean="0"/>
-              <a:t>Overwrites of some elements to make their behavior client-side and hook up angular event directives:</a:t>
-            </a:r>
-          </a:p>
-          <a:p>
-            <a:r>
-              <a:rPr lang="en-US" dirty="0" smtClean="0"/>
-              <a:t>a, form, input</a:t>
-            </a:r>
-          </a:p>
-          <a:p>
-            <a:r>
-              <a:rPr lang="en-US" dirty="0" smtClean="0"/>
-              <a:t>Wrappers for events:</a:t>
-            </a:r>
-          </a:p>
-          <a:p>
-            <a:r>
-              <a:rPr lang="en-US" dirty="0" err="1" smtClean="0"/>
-              <a:t>ngClick</a:t>
-            </a:r>
-            <a:r>
-              <a:rPr lang="en-US" dirty="0" smtClean="0"/>
-              <a:t>, </a:t>
-            </a:r>
-            <a:r>
-              <a:rPr lang="en-US" dirty="0" err="1" smtClean="0"/>
-              <a:t>ngChange</a:t>
-            </a:r>
-            <a:r>
-              <a:rPr lang="en-US" dirty="0" smtClean="0"/>
-              <a:t>, </a:t>
-            </a:r>
-            <a:r>
-              <a:rPr lang="en-US" dirty="0" err="1" smtClean="0"/>
-              <a:t>ngChecked</a:t>
-            </a:r>
-            <a:r>
-              <a:rPr lang="en-US" dirty="0" smtClean="0"/>
-              <a:t>, </a:t>
-            </a:r>
-            <a:r>
-              <a:rPr lang="en-US" dirty="0" err="1" smtClean="0"/>
-              <a:t>ngDblClick</a:t>
-            </a:r>
-            <a:r>
-              <a:rPr lang="en-US" dirty="0" smtClean="0"/>
-              <a:t>, </a:t>
-            </a:r>
-            <a:r>
-              <a:rPr lang="en-US" dirty="0" err="1" smtClean="0"/>
-              <a:t>ngMouseDown</a:t>
-            </a:r>
-            <a:r>
-              <a:rPr lang="en-US" dirty="0" smtClean="0"/>
-              <a:t>, </a:t>
-            </a:r>
-            <a:r>
-              <a:rPr lang="en-US" dirty="0" err="1" smtClean="0"/>
-              <a:t>ngSubmit</a:t>
-            </a:r>
-            <a:r>
-              <a:rPr lang="en-US" dirty="0" smtClean="0"/>
-              <a:t>, etc.</a:t>
-            </a:r>
-          </a:p>
-          <a:p>
-            <a:r>
               <a:rPr lang="en-US" dirty="0"/>
-              <a:t>Main directives:</a:t>
-            </a:r>
-          </a:p>
-          <a:p>
+              <a:t>Client side navigation: $location, $</a:t>
+            </a:r>
             <a:r>
               <a:rPr lang="en-US" dirty="0" err="1"/>
-              <a:t>ngApp</a:t>
-            </a:r>
-            <a:r>
-              <a:rPr lang="en-US" dirty="0"/>
-              <a:t>, </a:t>
-            </a:r>
-            <a:r>
-              <a:rPr lang="en-US" dirty="0" err="1"/>
-              <a:t>ngController</a:t>
-            </a:r>
-            <a:r>
-              <a:rPr lang="en-US" dirty="0"/>
-              <a:t>, </a:t>
-            </a:r>
-            <a:r>
-              <a:rPr lang="en-US" dirty="0" err="1"/>
-              <a:t>ngModel</a:t>
-            </a:r>
-            <a:r>
-              <a:rPr lang="en-US" dirty="0"/>
-              <a:t>, </a:t>
-            </a:r>
-            <a:r>
-              <a:rPr lang="en-US" dirty="0" err="1"/>
-              <a:t>ngView</a:t>
+              <a:t>routeProvider</a:t>
             </a:r>
             <a:endParaRPr lang="en-US" dirty="0"/>
           </a:p>
           <a:p>
             <a:r>
               <a:rPr lang="en-US" dirty="0" smtClean="0"/>
-              <a:t>Lots </a:t>
-            </a:r>
-            <a:r>
-              <a:rPr lang="en-US" dirty="0" smtClean="0"/>
-              <a:t>of the usual stuff:</a:t>
-            </a:r>
-          </a:p>
-          <a:p>
-            <a:r>
-              <a:rPr lang="en-US" dirty="0" err="1" smtClean="0"/>
-              <a:t>ngDisabled</a:t>
-            </a:r>
-            <a:r>
-              <a:rPr lang="en-US" dirty="0" smtClean="0"/>
-              <a:t>, </a:t>
-            </a:r>
-            <a:r>
-              <a:rPr lang="en-US" dirty="0" err="1" smtClean="0"/>
-              <a:t>ngHide</a:t>
-            </a:r>
-            <a:r>
-              <a:rPr lang="en-US" dirty="0" smtClean="0"/>
-              <a:t>, </a:t>
-            </a:r>
-            <a:r>
-              <a:rPr lang="en-US" dirty="0" err="1" smtClean="0"/>
-              <a:t>ngShow</a:t>
-            </a:r>
-            <a:r>
-              <a:rPr lang="en-US" dirty="0" smtClean="0"/>
-              <a:t>, </a:t>
-            </a:r>
-            <a:r>
-              <a:rPr lang="en-US" dirty="0" err="1" smtClean="0"/>
-              <a:t>ngRepeat</a:t>
-            </a:r>
-            <a:endParaRPr lang="en-US" dirty="0" smtClean="0"/>
+              <a:t>Using web services: $http, $resource</a:t>
+            </a:r>
+          </a:p>
+          <a:p>
+            <a:r>
+              <a:rPr lang="en-US" dirty="0" smtClean="0"/>
+              <a:t>Lots more..</a:t>
+            </a:r>
           </a:p>
         </p:txBody>
       </p:sp>
@@ -4607,7 +5098,7 @@
           <a:p>
             <a:r>
               <a:rPr lang="en-US" dirty="0" smtClean="0"/>
-              <a:t>Built-in Directives</a:t>
+              <a:t>Built-In Services</a:t>
             </a:r>
             <a:endParaRPr lang="en-US" dirty="0"/>
           </a:p>
@@ -4616,13 +5107,20 @@
     </p:spTree>
     <p:extLst>
       <p:ext uri="{BB962C8B-B14F-4D97-AF65-F5344CB8AC3E}">
-        <p14:creationId xmlns:p14="http://schemas.microsoft.com/office/powerpoint/2010/main" val="2050512451"/>
+        <p14:creationId xmlns:p14="http://schemas.microsoft.com/office/powerpoint/2010/main" val="2335608016"/>
       </p:ext>
     </p:extLst>
   </p:cSld>
   <p:clrMapOvr>
     <a:masterClrMapping/>
   </p:clrMapOvr>
+  <p:timing>
+    <p:tnLst>
+      <p:par>
+        <p:cTn id="1" dur="indefinite" restart="never" nodeType="tmRoot"/>
+      </p:par>
+    </p:tnLst>
+  </p:timing>
 </p:sld>
 </file>
 
@@ -4660,6 +5158,224 @@
           <a:p>
             <a:r>
               <a:rPr lang="en-US" dirty="0" smtClean="0"/>
+              <a:t>Overwrites of some elements to make their behavior client-side and hook up angular event directives:</a:t>
+            </a:r>
+          </a:p>
+          <a:p>
+            <a:r>
+              <a:rPr lang="en-US" dirty="0" smtClean="0"/>
+              <a:t>a, form, input</a:t>
+            </a:r>
+          </a:p>
+          <a:p>
+            <a:r>
+              <a:rPr lang="en-US" dirty="0" smtClean="0"/>
+              <a:t>Wrappers for events:</a:t>
+            </a:r>
+          </a:p>
+          <a:p>
+            <a:r>
+              <a:rPr lang="en-US" dirty="0" err="1" smtClean="0"/>
+              <a:t>ngClick</a:t>
+            </a:r>
+            <a:r>
+              <a:rPr lang="en-US" dirty="0" smtClean="0"/>
+              <a:t>, </a:t>
+            </a:r>
+            <a:r>
+              <a:rPr lang="en-US" dirty="0" err="1" smtClean="0"/>
+              <a:t>ngChange</a:t>
+            </a:r>
+            <a:r>
+              <a:rPr lang="en-US" dirty="0" smtClean="0"/>
+              <a:t>, </a:t>
+            </a:r>
+            <a:r>
+              <a:rPr lang="en-US" dirty="0" err="1" smtClean="0"/>
+              <a:t>ngChecked</a:t>
+            </a:r>
+            <a:r>
+              <a:rPr lang="en-US" dirty="0" smtClean="0"/>
+              <a:t>, </a:t>
+            </a:r>
+            <a:r>
+              <a:rPr lang="en-US" dirty="0" err="1" smtClean="0"/>
+              <a:t>ngDblClick</a:t>
+            </a:r>
+            <a:r>
+              <a:rPr lang="en-US" dirty="0" smtClean="0"/>
+              <a:t>, </a:t>
+            </a:r>
+            <a:r>
+              <a:rPr lang="en-US" dirty="0" err="1" smtClean="0"/>
+              <a:t>ngMouseDown</a:t>
+            </a:r>
+            <a:r>
+              <a:rPr lang="en-US" dirty="0" smtClean="0"/>
+              <a:t>, </a:t>
+            </a:r>
+            <a:r>
+              <a:rPr lang="en-US" dirty="0" err="1" smtClean="0"/>
+              <a:t>ngSubmit</a:t>
+            </a:r>
+            <a:r>
+              <a:rPr lang="en-US" dirty="0" smtClean="0"/>
+              <a:t>, etc.</a:t>
+            </a:r>
+          </a:p>
+          <a:p>
+            <a:r>
+              <a:rPr lang="en-US" dirty="0"/>
+              <a:t>Main directives:</a:t>
+            </a:r>
+          </a:p>
+          <a:p>
+            <a:r>
+              <a:rPr lang="en-US" dirty="0" err="1"/>
+              <a:t>ngApp</a:t>
+            </a:r>
+            <a:r>
+              <a:rPr lang="en-US" dirty="0"/>
+              <a:t>, </a:t>
+            </a:r>
+            <a:r>
+              <a:rPr lang="en-US" dirty="0" err="1"/>
+              <a:t>ngController</a:t>
+            </a:r>
+            <a:r>
+              <a:rPr lang="en-US" dirty="0"/>
+              <a:t>, </a:t>
+            </a:r>
+            <a:r>
+              <a:rPr lang="en-US" dirty="0" err="1"/>
+              <a:t>ngModel</a:t>
+            </a:r>
+            <a:r>
+              <a:rPr lang="en-US" dirty="0"/>
+              <a:t>, </a:t>
+            </a:r>
+            <a:r>
+              <a:rPr lang="en-US" dirty="0" err="1"/>
+              <a:t>ngView</a:t>
+            </a:r>
+            <a:endParaRPr lang="en-US" dirty="0"/>
+          </a:p>
+          <a:p>
+            <a:r>
+              <a:rPr lang="en-US" dirty="0" smtClean="0"/>
+              <a:t>Lots of the usual stuff:</a:t>
+            </a:r>
+          </a:p>
+          <a:p>
+            <a:r>
+              <a:rPr lang="en-US" dirty="0" err="1" smtClean="0"/>
+              <a:t>ngDisabled</a:t>
+            </a:r>
+            <a:r>
+              <a:rPr lang="en-US" dirty="0" smtClean="0"/>
+              <a:t>, </a:t>
+            </a:r>
+            <a:r>
+              <a:rPr lang="en-US" dirty="0" err="1" smtClean="0"/>
+              <a:t>ngHide</a:t>
+            </a:r>
+            <a:r>
+              <a:rPr lang="en-US" dirty="0" smtClean="0"/>
+              <a:t>, </a:t>
+            </a:r>
+            <a:r>
+              <a:rPr lang="en-US" dirty="0" err="1" smtClean="0"/>
+              <a:t>ngShow</a:t>
+            </a:r>
+            <a:r>
+              <a:rPr lang="en-US" dirty="0" smtClean="0"/>
+              <a:t>, </a:t>
+            </a:r>
+            <a:r>
+              <a:rPr lang="en-US" dirty="0" err="1" smtClean="0"/>
+              <a:t>ngRepeat</a:t>
+            </a:r>
+            <a:endParaRPr lang="en-US" dirty="0" smtClean="0"/>
+          </a:p>
+        </p:txBody>
+      </p:sp>
+      <p:sp>
+        <p:nvSpPr>
+          <p:cNvPr id="3" name="Title 2"/>
+          <p:cNvSpPr>
+            <a:spLocks noGrp="1"/>
+          </p:cNvSpPr>
+          <p:nvPr>
+            <p:ph type="title"/>
+          </p:nvPr>
+        </p:nvSpPr>
+        <p:spPr/>
+        <p:txBody>
+          <a:bodyPr/>
+          <a:lstStyle/>
+          <a:p>
+            <a:r>
+              <a:rPr lang="en-US" dirty="0" smtClean="0"/>
+              <a:t>Built-in Directives</a:t>
+            </a:r>
+            <a:endParaRPr lang="en-US" dirty="0"/>
+          </a:p>
+        </p:txBody>
+      </p:sp>
+    </p:spTree>
+    <p:extLst>
+      <p:ext uri="{BB962C8B-B14F-4D97-AF65-F5344CB8AC3E}">
+        <p14:creationId xmlns:p14="http://schemas.microsoft.com/office/powerpoint/2010/main" val="2050512451"/>
+      </p:ext>
+    </p:extLst>
+  </p:cSld>
+  <p:clrMapOvr>
+    <a:masterClrMapping/>
+  </p:clrMapOvr>
+  <p:timing>
+    <p:tnLst>
+      <p:par>
+        <p:cTn id="1" dur="indefinite" restart="never" nodeType="tmRoot"/>
+      </p:par>
+    </p:tnLst>
+  </p:timing>
+</p:sld>
+</file>
+
+<file path=ppt/slides/slide14.xml><?xml version="1.0" encoding="utf-8"?>
+<p:sld xmlns:a="http://schemas.openxmlformats.org/drawingml/2006/main" xmlns:r="http://schemas.openxmlformats.org/officeDocument/2006/relationships" xmlns:p="http://schemas.openxmlformats.org/presentationml/2006/main">
+  <p:cSld>
+    <p:spTree>
+      <p:nvGrpSpPr>
+        <p:cNvPr id="1" name=""/>
+        <p:cNvGrpSpPr/>
+        <p:nvPr/>
+      </p:nvGrpSpPr>
+      <p:grpSpPr>
+        <a:xfrm>
+          <a:off x="0" y="0"/>
+          <a:ext cx="0" cy="0"/>
+          <a:chOff x="0" y="0"/>
+          <a:chExt cx="0" cy="0"/>
+        </a:xfrm>
+      </p:grpSpPr>
+      <p:sp>
+        <p:nvSpPr>
+          <p:cNvPr id="2" name="Content Placeholder 1"/>
+          <p:cNvSpPr>
+            <a:spLocks noGrp="1"/>
+          </p:cNvSpPr>
+          <p:nvPr>
+            <p:ph sz="quarter" idx="13"/>
+          </p:nvPr>
+        </p:nvSpPr>
+        <p:spPr/>
+        <p:txBody>
+          <a:bodyPr/>
+          <a:lstStyle/>
+          <a:p>
+            <a:r>
+              <a:rPr lang="en-US" dirty="0" smtClean="0"/>
               <a:t>Aka “chaining operations”</a:t>
             </a:r>
           </a:p>
@@ -4755,10 +5471,17 @@
   <p:clrMapOvr>
     <a:masterClrMapping/>
   </p:clrMapOvr>
+  <p:timing>
+    <p:tnLst>
+      <p:par>
+        <p:cTn id="1" dur="indefinite" restart="never" nodeType="tmRoot"/>
+      </p:par>
+    </p:tnLst>
+  </p:timing>
 </p:sld>
 </file>
 
-<file path=ppt/slides/slide14.xml><?xml version="1.0" encoding="utf-8"?>
+<file path=ppt/slides/slide15.xml><?xml version="1.0" encoding="utf-8"?>
 <p:sld xmlns:a="http://schemas.openxmlformats.org/drawingml/2006/main" xmlns:r="http://schemas.openxmlformats.org/officeDocument/2006/relationships" xmlns:p="http://schemas.openxmlformats.org/presentationml/2006/main">
   <p:cSld>
     <p:spTree>
@@ -5035,11 +5758,7 @@
             </a:r>
             <a:r>
               <a:rPr lang="en-US" dirty="0" smtClean="0"/>
-              <a:t> MVVM framework written by Google. </a:t>
-            </a:r>
-            <a:r>
-              <a:rPr lang="en-US" dirty="0" smtClean="0"/>
-              <a:t>Single </a:t>
+              <a:t> MVVM framework written by Google. Single </a:t>
             </a:r>
             <a:r>
               <a:rPr lang="en-US" dirty="0"/>
@@ -5242,15 +5961,7 @@
           <a:p>
             <a:r>
               <a:rPr lang="en-US" dirty="0" smtClean="0"/>
-              <a:t>Backbone </a:t>
-            </a:r>
-            <a:r>
-              <a:rPr lang="en-US" dirty="0" smtClean="0"/>
-              <a:t>(minimalist</a:t>
-            </a:r>
-            <a:r>
-              <a:rPr lang="en-US" dirty="0" smtClean="0"/>
-              <a:t>… not a comparable feature set)</a:t>
+              <a:t>Backbone (minimalist… not a comparable feature set)</a:t>
             </a:r>
           </a:p>
           <a:p>
@@ -5378,11 +6089,7 @@
             </a:r>
             <a:r>
               <a:rPr lang="en-US" dirty="0" smtClean="0"/>
-              <a:t> objects</a:t>
-            </a:r>
-            <a:r>
-              <a:rPr lang="en-US" dirty="0" smtClean="0"/>
-              <a:t>!)</a:t>
+              <a:t> objects!)</a:t>
             </a:r>
           </a:p>
           <a:p>
@@ -5390,23 +6097,25 @@
               <a:rPr lang="en-US" dirty="0" smtClean="0"/>
               <a:t>Generally small amounts of code comparatively speaking</a:t>
             </a:r>
-            <a:endParaRPr lang="en-US" dirty="0" smtClean="0"/>
           </a:p>
           <a:p>
             <a:r>
               <a:rPr lang="en-US" dirty="0" smtClean="0"/>
               <a:t>Popular</a:t>
             </a:r>
-            <a:endParaRPr lang="en-US" dirty="0" smtClean="0"/>
           </a:p>
           <a:p>
             <a:r>
               <a:rPr lang="en-US" dirty="0"/>
-              <a:t>Can be added to </a:t>
-            </a:r>
-            <a:r>
-              <a:rPr lang="en-US" dirty="0" smtClean="0"/>
-              <a:t>pre-existing projects</a:t>
+              <a:t>Can be </a:t>
+            </a:r>
+            <a:r>
+              <a:rPr lang="en-US" dirty="0" smtClean="0"/>
+              <a:t>easily incorporated into existing </a:t>
+            </a:r>
+            <a:r>
+              <a:rPr lang="en-US" dirty="0" smtClean="0"/>
+              <a:t>projects</a:t>
             </a:r>
             <a:endParaRPr lang="en-US" dirty="0"/>
           </a:p>
@@ -5506,7 +6215,6 @@
               <a:rPr lang="en-US" dirty="0" smtClean="0"/>
               <a:t>Templates are HTML</a:t>
             </a:r>
-            <a:endParaRPr lang="en-US" dirty="0" smtClean="0"/>
           </a:p>
           <a:p>
             <a:r>
@@ -5717,11 +6425,7 @@
           <a:p>
             <a:r>
               <a:rPr lang="en-US" dirty="0" smtClean="0"/>
-              <a:t>Could be more </a:t>
-            </a:r>
-            <a:r>
-              <a:rPr lang="en-US" dirty="0" smtClean="0"/>
-              <a:t>mature.</a:t>
+              <a:t>Could be more mature.</a:t>
             </a:r>
           </a:p>
           <a:p>
@@ -5733,29 +6437,45 @@
           <a:p>
             <a:r>
               <a:rPr lang="en-US" dirty="0" smtClean="0"/>
-              <a:t>Docs </a:t>
-            </a:r>
-            <a:r>
-              <a:rPr lang="en-US" dirty="0" smtClean="0"/>
-              <a:t>are pretty bad in some areas.  Filled with examples that don’t follow best practice.  Some areas are simply incomplete.  Really, they’re horrible.  (I did read they are in the process of redoing them all, though)</a:t>
-            </a:r>
-          </a:p>
-          <a:p>
-            <a:r>
-              <a:rPr lang="en-US" dirty="0" smtClean="0"/>
-              <a:t>Some things are magic that will be hard to debug if you do them wrong</a:t>
-            </a:r>
-          </a:p>
-          <a:p>
-            <a:r>
-              <a:rPr lang="en-US" dirty="0" smtClean="0"/>
+              <a:t>Docs are pretty bad in some areas.  Filled with examples that don’t follow best practice.  Some areas are simply incomplete.  Really, they’re horrible.  (I did read they are in the process of redoing them all, though</a:t>
+            </a:r>
+            <a:r>
+              <a:rPr lang="en-US" dirty="0" smtClean="0"/>
+              <a:t>)</a:t>
+            </a:r>
+          </a:p>
+          <a:p>
+            <a:r>
+              <a:rPr lang="en-US" dirty="0"/>
               <a:t>Standard way of doing things is hard to find</a:t>
             </a:r>
           </a:p>
           <a:p>
             <a:r>
               <a:rPr lang="en-US" dirty="0" smtClean="0"/>
-              <a:t>Performance is subpar compared to other similar platforms (but really, they’re all extremely fast) (source: </a:t>
+              <a:t>Some </a:t>
+            </a:r>
+            <a:r>
+              <a:rPr lang="en-US" dirty="0" smtClean="0"/>
+              <a:t>things are magic that will be hard to debug if you do them wrong</a:t>
+            </a:r>
+          </a:p>
+          <a:p>
+            <a:r>
+              <a:rPr lang="en-US" dirty="0" smtClean="0"/>
+              <a:t>Performance </a:t>
+            </a:r>
+            <a:r>
+              <a:rPr lang="en-US" dirty="0" smtClean="0"/>
+              <a:t>is subpar compared to other similar </a:t>
+            </a:r>
+            <a:r>
+              <a:rPr lang="en-US" dirty="0" smtClean="0"/>
+              <a:t>frameworks (but </a:t>
+            </a:r>
+            <a:r>
+              <a:rPr lang="en-US" dirty="0" smtClean="0"/>
+              <a:t>really, they’re all extremely fast) (source: </a:t>
             </a:r>
             <a:r>
               <a:rPr lang="en-US" dirty="0">
@@ -5793,15 +6513,19 @@
           <a:p>
             <a:r>
               <a:rPr lang="en-US" dirty="0" smtClean="0"/>
-              <a:t>OK.  </a:t>
-            </a:r>
-            <a:r>
-              <a:rPr lang="en-US" dirty="0" smtClean="0"/>
-              <a:t>Here’s the </a:t>
-            </a:r>
-            <a:r>
-              <a:rPr lang="en-US" dirty="0" smtClean="0"/>
-              <a:t>list:</a:t>
+              <a:t>OK </a:t>
+            </a:r>
+            <a:r>
+              <a:rPr lang="en-US" dirty="0" err="1" smtClean="0"/>
+              <a:t>OK</a:t>
+            </a:r>
+            <a:r>
+              <a:rPr lang="en-US" dirty="0" smtClean="0"/>
+              <a:t>.  </a:t>
+            </a:r>
+            <a:r>
+              <a:rPr lang="en-US" dirty="0" smtClean="0"/>
+              <a:t>Here’s the list:</a:t>
             </a:r>
             <a:endParaRPr lang="en-US" dirty="0"/>
           </a:p>
@@ -6142,4 +6866,289 @@
   <a:objectDefaults/>
   <a:extraClrSchemeLst/>
 </a:theme>
+</file>
+
+<file path=ppt/theme/theme2.xml><?xml version="1.0" encoding="utf-8"?>
+<a:theme xmlns:a="http://schemas.openxmlformats.org/drawingml/2006/main" name="Office Theme">
+  <a:themeElements>
+    <a:clrScheme name="Office">
+      <a:dk1>
+        <a:sysClr val="windowText" lastClr="000000"/>
+      </a:dk1>
+      <a:lt1>
+        <a:sysClr val="window" lastClr="FFFFFF"/>
+      </a:lt1>
+      <a:dk2>
+        <a:srgbClr val="1F497D"/>
+      </a:dk2>
+      <a:lt2>
+        <a:srgbClr val="EEECE1"/>
+      </a:lt2>
+      <a:accent1>
+        <a:srgbClr val="4F81BD"/>
+      </a:accent1>
+      <a:accent2>
+        <a:srgbClr val="C0504D"/>
+      </a:accent2>
+      <a:accent3>
+        <a:srgbClr val="9BBB59"/>
+      </a:accent3>
+      <a:accent4>
+        <a:srgbClr val="8064A2"/>
+      </a:accent4>
+      <a:accent5>
+        <a:srgbClr val="4BACC6"/>
+      </a:accent5>
+      <a:accent6>
+        <a:srgbClr val="F79646"/>
+      </a:accent6>
+      <a:hlink>
+        <a:srgbClr val="0000FF"/>
+      </a:hlink>
+      <a:folHlink>
+        <a:srgbClr val="800080"/>
+      </a:folHlink>
+    </a:clrScheme>
+    <a:fontScheme name="Office">
+      <a:majorFont>
+        <a:latin typeface="Calibri"/>
+        <a:ea typeface=""/>
+        <a:cs typeface=""/>
+        <a:font script="Jpan" typeface="ＭＳ Ｐゴシック"/>
+        <a:font script="Hang" typeface="맑은 고딕"/>
+        <a:font script="Hans" typeface="宋体"/>
+        <a:font script="Hant" typeface="新細明體"/>
+        <a:font script="Arab" typeface="Times New Roman"/>
+        <a:font script="Hebr" typeface="Times New Roman"/>
+        <a:font script="Thai" typeface="Angsana New"/>
+        <a:font script="Ethi" typeface="Nyala"/>
+        <a:font script="Beng" typeface="Vrinda"/>
+        <a:font script="Gujr" typeface="Shruti"/>
+        <a:font script="Khmr" typeface="MoolBoran"/>
+        <a:font script="Knda" typeface="Tunga"/>
+        <a:font script="Guru" typeface="Raavi"/>
+        <a:font script="Cans" typeface="Euphemia"/>
+        <a:font script="Cher" typeface="Plantagenet Cherokee"/>
+        <a:font script="Yiii" typeface="Microsoft Yi Baiti"/>
+        <a:font script="Tibt" typeface="Microsoft Himalaya"/>
+        <a:font script="Thaa" typeface="MV Boli"/>
+        <a:font script="Deva" typeface="Mangal"/>
+        <a:font script="Telu" typeface="Gautami"/>
+        <a:font script="Taml" typeface="Latha"/>
+        <a:font script="Syrc" typeface="Estrangelo Edessa"/>
+        <a:font script="Orya" typeface="Kalinga"/>
+        <a:font script="Mlym" typeface="Kartika"/>
+        <a:font script="Laoo" typeface="DokChampa"/>
+        <a:font script="Sinh" typeface="Iskoola Pota"/>
+        <a:font script="Mong" typeface="Mongolian Baiti"/>
+        <a:font script="Viet" typeface="Times New Roman"/>
+        <a:font script="Uigh" typeface="Microsoft Uighur"/>
+        <a:font script="Geor" typeface="Sylfaen"/>
+      </a:majorFont>
+      <a:minorFont>
+        <a:latin typeface="Calibri"/>
+        <a:ea typeface=""/>
+        <a:cs typeface=""/>
+        <a:font script="Jpan" typeface="ＭＳ Ｐゴシック"/>
+        <a:font script="Hang" typeface="맑은 고딕"/>
+        <a:font script="Hans" typeface="宋体"/>
+        <a:font script="Hant" typeface="新細明體"/>
+        <a:font script="Arab" typeface="Arial"/>
+        <a:font script="Hebr" typeface="Arial"/>
+        <a:font script="Thai" typeface="Cordia New"/>
+        <a:font script="Ethi" typeface="Nyala"/>
+        <a:font script="Beng" typeface="Vrinda"/>
+        <a:font script="Gujr" typeface="Shruti"/>
+        <a:font script="Khmr" typeface="DaunPenh"/>
+        <a:font script="Knda" typeface="Tunga"/>
+        <a:font script="Guru" typeface="Raavi"/>
+        <a:font script="Cans" typeface="Euphemia"/>
+        <a:font script="Cher" typeface="Plantagenet Cherokee"/>
+        <a:font script="Yiii" typeface="Microsoft Yi Baiti"/>
+        <a:font script="Tibt" typeface="Microsoft Himalaya"/>
+        <a:font script="Thaa" typeface="MV Boli"/>
+        <a:font script="Deva" typeface="Mangal"/>
+        <a:font script="Telu" typeface="Gautami"/>
+        <a:font script="Taml" typeface="Latha"/>
+        <a:font script="Syrc" typeface="Estrangelo Edessa"/>
+        <a:font script="Orya" typeface="Kalinga"/>
+        <a:font script="Mlym" typeface="Kartika"/>
+        <a:font script="Laoo" typeface="DokChampa"/>
+        <a:font script="Sinh" typeface="Iskoola Pota"/>
+        <a:font script="Mong" typeface="Mongolian Baiti"/>
+        <a:font script="Viet" typeface="Arial"/>
+        <a:font script="Uigh" typeface="Microsoft Uighur"/>
+        <a:font script="Geor" typeface="Sylfaen"/>
+      </a:minorFont>
+    </a:fontScheme>
+    <a:fmtScheme name="Office">
+      <a:fillStyleLst>
+        <a:solidFill>
+          <a:schemeClr val="phClr"/>
+        </a:solidFill>
+        <a:gradFill rotWithShape="1">
+          <a:gsLst>
+            <a:gs pos="0">
+              <a:schemeClr val="phClr">
+                <a:tint val="50000"/>
+                <a:satMod val="300000"/>
+              </a:schemeClr>
+            </a:gs>
+            <a:gs pos="35000">
+              <a:schemeClr val="phClr">
+                <a:tint val="37000"/>
+                <a:satMod val="300000"/>
+              </a:schemeClr>
+            </a:gs>
+            <a:gs pos="100000">
+              <a:schemeClr val="phClr">
+                <a:tint val="15000"/>
+                <a:satMod val="350000"/>
+              </a:schemeClr>
+            </a:gs>
+          </a:gsLst>
+          <a:lin ang="16200000" scaled="1"/>
+        </a:gradFill>
+        <a:gradFill rotWithShape="1">
+          <a:gsLst>
+            <a:gs pos="0">
+              <a:schemeClr val="phClr">
+                <a:shade val="51000"/>
+                <a:satMod val="130000"/>
+              </a:schemeClr>
+            </a:gs>
+            <a:gs pos="80000">
+              <a:schemeClr val="phClr">
+                <a:shade val="93000"/>
+                <a:satMod val="130000"/>
+              </a:schemeClr>
+            </a:gs>
+            <a:gs pos="100000">
+              <a:schemeClr val="phClr">
+                <a:shade val="94000"/>
+                <a:satMod val="135000"/>
+              </a:schemeClr>
+            </a:gs>
+          </a:gsLst>
+          <a:lin ang="16200000" scaled="0"/>
+        </a:gradFill>
+      </a:fillStyleLst>
+      <a:lnStyleLst>
+        <a:ln w="9525" cap="flat" cmpd="sng" algn="ctr">
+          <a:solidFill>
+            <a:schemeClr val="phClr">
+              <a:shade val="95000"/>
+              <a:satMod val="105000"/>
+            </a:schemeClr>
+          </a:solidFill>
+          <a:prstDash val="solid"/>
+        </a:ln>
+        <a:ln w="25400" cap="flat" cmpd="sng" algn="ctr">
+          <a:solidFill>
+            <a:schemeClr val="phClr"/>
+          </a:solidFill>
+          <a:prstDash val="solid"/>
+        </a:ln>
+        <a:ln w="38100" cap="flat" cmpd="sng" algn="ctr">
+          <a:solidFill>
+            <a:schemeClr val="phClr"/>
+          </a:solidFill>
+          <a:prstDash val="solid"/>
+        </a:ln>
+      </a:lnStyleLst>
+      <a:effectStyleLst>
+        <a:effectStyle>
+          <a:effectLst>
+            <a:outerShdw blurRad="40000" dist="20000" dir="5400000" rotWithShape="0">
+              <a:srgbClr val="000000">
+                <a:alpha val="38000"/>
+              </a:srgbClr>
+            </a:outerShdw>
+          </a:effectLst>
+        </a:effectStyle>
+        <a:effectStyle>
+          <a:effectLst>
+            <a:outerShdw blurRad="40000" dist="23000" dir="5400000" rotWithShape="0">
+              <a:srgbClr val="000000">
+                <a:alpha val="35000"/>
+              </a:srgbClr>
+            </a:outerShdw>
+          </a:effectLst>
+        </a:effectStyle>
+        <a:effectStyle>
+          <a:effectLst>
+            <a:outerShdw blurRad="40000" dist="23000" dir="5400000" rotWithShape="0">
+              <a:srgbClr val="000000">
+                <a:alpha val="35000"/>
+              </a:srgbClr>
+            </a:outerShdw>
+          </a:effectLst>
+          <a:scene3d>
+            <a:camera prst="orthographicFront">
+              <a:rot lat="0" lon="0" rev="0"/>
+            </a:camera>
+            <a:lightRig rig="threePt" dir="t">
+              <a:rot lat="0" lon="0" rev="1200000"/>
+            </a:lightRig>
+          </a:scene3d>
+          <a:sp3d>
+            <a:bevelT w="63500" h="25400"/>
+          </a:sp3d>
+        </a:effectStyle>
+      </a:effectStyleLst>
+      <a:bgFillStyleLst>
+        <a:solidFill>
+          <a:schemeClr val="phClr"/>
+        </a:solidFill>
+        <a:gradFill rotWithShape="1">
+          <a:gsLst>
+            <a:gs pos="0">
+              <a:schemeClr val="phClr">
+                <a:tint val="40000"/>
+                <a:satMod val="350000"/>
+              </a:schemeClr>
+            </a:gs>
+            <a:gs pos="40000">
+              <a:schemeClr val="phClr">
+                <a:tint val="45000"/>
+                <a:shade val="99000"/>
+                <a:satMod val="350000"/>
+              </a:schemeClr>
+            </a:gs>
+            <a:gs pos="100000">
+              <a:schemeClr val="phClr">
+                <a:shade val="20000"/>
+                <a:satMod val="255000"/>
+              </a:schemeClr>
+            </a:gs>
+          </a:gsLst>
+          <a:path path="circle">
+            <a:fillToRect l="50000" t="-80000" r="50000" b="180000"/>
+          </a:path>
+        </a:gradFill>
+        <a:gradFill rotWithShape="1">
+          <a:gsLst>
+            <a:gs pos="0">
+              <a:schemeClr val="phClr">
+                <a:tint val="80000"/>
+                <a:satMod val="300000"/>
+              </a:schemeClr>
+            </a:gs>
+            <a:gs pos="100000">
+              <a:schemeClr val="phClr">
+                <a:shade val="30000"/>
+                <a:satMod val="200000"/>
+              </a:schemeClr>
+            </a:gs>
+          </a:gsLst>
+          <a:path path="circle">
+            <a:fillToRect l="50000" t="50000" r="50000" b="50000"/>
+          </a:path>
+        </a:gradFill>
+      </a:bgFillStyleLst>
+    </a:fmtScheme>
+  </a:themeElements>
+  <a:objectDefaults/>
+  <a:extraClrSchemeLst/>
+</a:theme>
 </file>